--- a/코드분석 및 PPT/공쏘 상세기능분석.pptx
+++ b/코드분석 및 PPT/공쏘 상세기능분석.pptx
@@ -5,7 +5,7 @@
     <p:sldMasterId id="2147483660" r:id="rId1"/>
   </p:sldMasterIdLst>
   <p:notesMasterIdLst>
-    <p:notesMasterId r:id="rId34"/>
+    <p:notesMasterId r:id="rId35"/>
   </p:notesMasterIdLst>
   <p:sldIdLst>
     <p:sldId id="256" r:id="rId2"/>
@@ -20,26 +20,27 @@
     <p:sldId id="264" r:id="rId11"/>
     <p:sldId id="273" r:id="rId12"/>
     <p:sldId id="282" r:id="rId13"/>
-    <p:sldId id="276" r:id="rId14"/>
-    <p:sldId id="283" r:id="rId15"/>
-    <p:sldId id="274" r:id="rId16"/>
-    <p:sldId id="278" r:id="rId17"/>
-    <p:sldId id="279" r:id="rId18"/>
-    <p:sldId id="275" r:id="rId19"/>
-    <p:sldId id="277" r:id="rId20"/>
-    <p:sldId id="284" r:id="rId21"/>
-    <p:sldId id="285" r:id="rId22"/>
-    <p:sldId id="291" r:id="rId23"/>
-    <p:sldId id="287" r:id="rId24"/>
-    <p:sldId id="294" r:id="rId25"/>
-    <p:sldId id="295" r:id="rId26"/>
-    <p:sldId id="293" r:id="rId27"/>
-    <p:sldId id="292" r:id="rId28"/>
-    <p:sldId id="286" r:id="rId29"/>
-    <p:sldId id="296" r:id="rId30"/>
-    <p:sldId id="270" r:id="rId31"/>
-    <p:sldId id="272" r:id="rId32"/>
-    <p:sldId id="271" r:id="rId33"/>
+    <p:sldId id="297" r:id="rId14"/>
+    <p:sldId id="276" r:id="rId15"/>
+    <p:sldId id="283" r:id="rId16"/>
+    <p:sldId id="274" r:id="rId17"/>
+    <p:sldId id="278" r:id="rId18"/>
+    <p:sldId id="279" r:id="rId19"/>
+    <p:sldId id="275" r:id="rId20"/>
+    <p:sldId id="277" r:id="rId21"/>
+    <p:sldId id="284" r:id="rId22"/>
+    <p:sldId id="285" r:id="rId23"/>
+    <p:sldId id="291" r:id="rId24"/>
+    <p:sldId id="287" r:id="rId25"/>
+    <p:sldId id="294" r:id="rId26"/>
+    <p:sldId id="295" r:id="rId27"/>
+    <p:sldId id="293" r:id="rId28"/>
+    <p:sldId id="292" r:id="rId29"/>
+    <p:sldId id="286" r:id="rId30"/>
+    <p:sldId id="296" r:id="rId31"/>
+    <p:sldId id="270" r:id="rId32"/>
+    <p:sldId id="272" r:id="rId33"/>
+    <p:sldId id="271" r:id="rId34"/>
   </p:sldIdLst>
   <p:sldSz cx="9144000" cy="6858000" type="screen4x3"/>
   <p:notesSz cx="6858000" cy="9144000"/>
@@ -1379,88 +1380,28 @@
           <a:p>
             <a:pPr lvl="0" latinLnBrk="1"/>
             <a:r>
-              <a:rPr lang="en-US" altLang="ko-KR" sz="1200" dirty="0"/>
-              <a:t>Onion Share </a:t>
-            </a:r>
-            <a:r>
-              <a:rPr lang="ko-KR" altLang="en-US" sz="1200" dirty="0"/>
-              <a:t>에는 두가지 모드가 있는데 하나는 </a:t>
-            </a:r>
-            <a:r>
-              <a:rPr lang="en-US" altLang="ko-KR" sz="1200" dirty="0"/>
-              <a:t>Receive</a:t>
-            </a:r>
-            <a:r>
-              <a:rPr lang="ko-KR" altLang="en-US" sz="1200" dirty="0"/>
-              <a:t>이고</a:t>
-            </a:r>
-            <a:r>
-              <a:rPr lang="en-US" altLang="ko-KR" sz="1200" dirty="0"/>
-              <a:t>, </a:t>
-            </a:r>
-            <a:r>
-              <a:rPr lang="ko-KR" altLang="en-US" sz="1200" dirty="0" err="1"/>
-              <a:t>다른하나는</a:t>
-            </a:r>
-            <a:r>
-              <a:rPr lang="ko-KR" altLang="en-US" sz="1200" dirty="0"/>
-              <a:t> </a:t>
-            </a:r>
-            <a:r>
-              <a:rPr lang="en-US" altLang="ko-KR" sz="1200" dirty="0"/>
-              <a:t>Share</a:t>
-            </a:r>
-            <a:r>
-              <a:rPr lang="ko-KR" altLang="en-US" sz="1200" dirty="0"/>
-              <a:t>입니다</a:t>
-            </a:r>
-            <a:r>
-              <a:rPr lang="en-US" altLang="ko-KR" sz="1200" dirty="0"/>
-              <a:t>. GUI</a:t>
-            </a:r>
-            <a:r>
-              <a:rPr lang="ko-KR" altLang="en-US" sz="1200" dirty="0"/>
-              <a:t>에서 이 모드를 구현하기 위한 파일들입니다</a:t>
-            </a:r>
-            <a:r>
-              <a:rPr lang="en-US" altLang="ko-KR" sz="1200" dirty="0"/>
-              <a:t>. </a:t>
-            </a:r>
-            <a:r>
-              <a:rPr lang="ko-KR" altLang="en-US" sz="1200" dirty="0"/>
-              <a:t>추가적으로 서버 설정과</a:t>
-            </a:r>
-            <a:r>
-              <a:rPr lang="en-US" altLang="ko-KR" sz="1200" dirty="0"/>
-              <a:t>, </a:t>
-            </a:r>
-            <a:r>
-              <a:rPr lang="ko-KR" altLang="en-US" sz="1200" dirty="0"/>
-              <a:t>레이아웃</a:t>
-            </a:r>
-            <a:r>
-              <a:rPr lang="en-US" altLang="ko-KR" sz="1200" dirty="0"/>
-              <a:t>, </a:t>
-            </a:r>
-            <a:r>
-              <a:rPr lang="ko-KR" altLang="en-US" sz="1200" dirty="0" err="1"/>
-              <a:t>이벤트리스너의</a:t>
-            </a:r>
-            <a:r>
-              <a:rPr lang="ko-KR" altLang="en-US" sz="1200" dirty="0"/>
-              <a:t> </a:t>
-            </a:r>
-            <a:r>
-              <a:rPr lang="en-US" altLang="ko-KR" sz="1200" dirty="0" err="1"/>
-              <a:t>py</a:t>
-            </a:r>
-            <a:r>
-              <a:rPr lang="ko-KR" altLang="en-US" sz="1200" dirty="0"/>
-              <a:t>코드들이 많습니다</a:t>
-            </a:r>
-            <a:r>
-              <a:rPr lang="en-US" altLang="ko-KR" sz="1200" dirty="0"/>
-              <a:t>.</a:t>
+              <a:rPr lang="ko-KR" altLang="en-US" sz="1200" kern="1200" dirty="0">
+                <a:solidFill>
+                  <a:schemeClr val="tx1"/>
+                </a:solidFill>
+                <a:effectLst/>
+                <a:latin typeface="+mn-lt"/>
+                <a:ea typeface="+mn-ea"/>
+                <a:cs typeface="+mn-cs"/>
+              </a:rPr>
+              <a:t>모드에 기반한 스타일 바꾸기</a:t>
+            </a:r>
+            <a:r>
+              <a:rPr lang="en-US" altLang="ko-KR" sz="1200" kern="1200" dirty="0">
+                <a:solidFill>
+                  <a:schemeClr val="tx1"/>
+                </a:solidFill>
+                <a:effectLst/>
+                <a:latin typeface="+mn-lt"/>
+                <a:ea typeface="+mn-ea"/>
+                <a:cs typeface="+mn-cs"/>
+              </a:rPr>
+              <a:t>!!!!!!!!</a:t>
             </a:r>
             <a:endParaRPr lang="ko-KR" altLang="en-US" sz="1200" dirty="0"/>
           </a:p>
@@ -1498,7 +1439,7 @@
     </p:spTree>
     <p:extLst>
       <p:ext uri="{BB962C8B-B14F-4D97-AF65-F5344CB8AC3E}">
-        <p14:creationId xmlns:p14="http://schemas.microsoft.com/office/powerpoint/2010/main" val="4009124350"/>
+        <p14:creationId xmlns:p14="http://schemas.microsoft.com/office/powerpoint/2010/main" val="2648824053"/>
       </p:ext>
     </p:extLst>
   </p:cSld>
@@ -1556,295 +1497,89 @@
           <a:p>
             <a:pPr lvl="0" latinLnBrk="1"/>
             <a:r>
-              <a:rPr lang="en-US" altLang="ko-KR" sz="1200" kern="1200" dirty="0" err="1">
-                <a:solidFill>
-                  <a:schemeClr val="tx1"/>
-                </a:solidFill>
-                <a:effectLst/>
-                <a:latin typeface="+mn-lt"/>
-                <a:ea typeface="+mn-ea"/>
-                <a:cs typeface="+mn-cs"/>
-              </a:rPr>
-              <a:t>onionshare</a:t>
-            </a:r>
-            <a:r>
-              <a:rPr lang="ko-KR" altLang="ko-KR" sz="1200" kern="1200" dirty="0">
-                <a:solidFill>
-                  <a:schemeClr val="tx1"/>
-                </a:solidFill>
-                <a:effectLst/>
-                <a:latin typeface="+mn-lt"/>
-                <a:ea typeface="+mn-ea"/>
-                <a:cs typeface="+mn-cs"/>
-              </a:rPr>
-              <a:t>의 </a:t>
-            </a:r>
-            <a:r>
-              <a:rPr lang="en-US" altLang="ko-KR" sz="1200" kern="1200" dirty="0">
-                <a:solidFill>
-                  <a:schemeClr val="tx1"/>
-                </a:solidFill>
-                <a:effectLst/>
-                <a:latin typeface="+mn-lt"/>
-                <a:ea typeface="+mn-ea"/>
-                <a:cs typeface="+mn-cs"/>
-              </a:rPr>
-              <a:t>GUI</a:t>
-            </a:r>
-            <a:r>
-              <a:rPr lang="ko-KR" altLang="ko-KR" sz="1200" kern="1200" dirty="0">
-                <a:solidFill>
-                  <a:schemeClr val="tx1"/>
-                </a:solidFill>
-                <a:effectLst/>
-                <a:latin typeface="+mn-lt"/>
-                <a:ea typeface="+mn-ea"/>
-                <a:cs typeface="+mn-cs"/>
-              </a:rPr>
-              <a:t>버전이 사용하는 모든 논리를 구현합니다</a:t>
-            </a:r>
-            <a:r>
-              <a:rPr lang="en-US" altLang="ko-KR" sz="1200" kern="1200" dirty="0">
-                <a:solidFill>
-                  <a:schemeClr val="tx1"/>
-                </a:solidFill>
-                <a:effectLst/>
-                <a:latin typeface="+mn-lt"/>
-                <a:ea typeface="+mn-ea"/>
-                <a:cs typeface="+mn-cs"/>
-              </a:rPr>
+              <a:rPr lang="en-US" altLang="ko-KR" sz="1200" dirty="0"/>
+              <a:t>Onion Share </a:t>
+            </a:r>
+            <a:r>
+              <a:rPr lang="ko-KR" altLang="en-US" sz="1200" dirty="0"/>
+              <a:t>에는 두가지 모드가 있는데 하나는 </a:t>
+            </a:r>
+            <a:r>
+              <a:rPr lang="en-US" altLang="ko-KR" sz="1200" dirty="0"/>
+              <a:t>Receive</a:t>
+            </a:r>
+            <a:r>
+              <a:rPr lang="ko-KR" altLang="en-US" sz="1200" dirty="0"/>
+              <a:t>이고</a:t>
+            </a:r>
+            <a:r>
+              <a:rPr lang="en-US" altLang="ko-KR" sz="1200" dirty="0"/>
+              <a:t>, </a:t>
+            </a:r>
+            <a:r>
+              <a:rPr lang="ko-KR" altLang="en-US" sz="1200" dirty="0" err="1"/>
+              <a:t>다른하나는</a:t>
+            </a:r>
+            <a:r>
+              <a:rPr lang="ko-KR" altLang="en-US" sz="1200" dirty="0"/>
+              <a:t> </a:t>
+            </a:r>
+            <a:r>
+              <a:rPr lang="en-US" altLang="ko-KR" sz="1200" dirty="0"/>
+              <a:t>Share</a:t>
+            </a:r>
+            <a:r>
+              <a:rPr lang="ko-KR" altLang="en-US" sz="1200" dirty="0"/>
+              <a:t>입니다</a:t>
+            </a:r>
+            <a:r>
+              <a:rPr lang="en-US" altLang="ko-KR" sz="1200" dirty="0"/>
+              <a:t>. GUI</a:t>
+            </a:r>
+            <a:r>
+              <a:rPr lang="ko-KR" altLang="en-US" sz="1200" dirty="0"/>
+              <a:t>에서 이 모드를 구현하기 위한 파일들입니다</a:t>
+            </a:r>
+            <a:r>
+              <a:rPr lang="en-US" altLang="ko-KR" sz="1200" dirty="0"/>
+              <a:t>. </a:t>
+            </a:r>
+            <a:r>
+              <a:rPr lang="ko-KR" altLang="en-US" sz="1200" dirty="0"/>
+              <a:t>추가적으로 서버 설정과</a:t>
+            </a:r>
+            <a:r>
+              <a:rPr lang="en-US" altLang="ko-KR" sz="1200" dirty="0"/>
+              <a:t>, </a:t>
+            </a:r>
+            <a:r>
+              <a:rPr lang="ko-KR" altLang="en-US" sz="1200" dirty="0"/>
+              <a:t>레이아웃</a:t>
+            </a:r>
+            <a:r>
+              <a:rPr lang="en-US" altLang="ko-KR" sz="1200" dirty="0"/>
+              <a:t>, </a:t>
+            </a:r>
+            <a:r>
+              <a:rPr lang="ko-KR" altLang="en-US" sz="1200" dirty="0" err="1"/>
+              <a:t>이벤트리스너의</a:t>
+            </a:r>
+            <a:r>
+              <a:rPr lang="ko-KR" altLang="en-US" sz="1200" dirty="0"/>
+              <a:t> </a:t>
+            </a:r>
+            <a:r>
+              <a:rPr lang="en-US" altLang="ko-KR" sz="1200" dirty="0" err="1"/>
+              <a:t>py</a:t>
+            </a:r>
+            <a:r>
+              <a:rPr lang="ko-KR" altLang="en-US" sz="1200" dirty="0"/>
+              <a:t>코드들이 많습니다</a:t>
+            </a:r>
+            <a:r>
+              <a:rPr lang="en-US" altLang="ko-KR" sz="1200" dirty="0"/>
               <a:t>.</a:t>
             </a:r>
-            <a:endParaRPr lang="ko-KR" altLang="ko-KR" sz="1200" kern="1200" dirty="0">
-              <a:solidFill>
-                <a:schemeClr val="tx1"/>
-              </a:solidFill>
-              <a:effectLst/>
-              <a:latin typeface="+mn-lt"/>
-              <a:ea typeface="+mn-ea"/>
-              <a:cs typeface="+mn-cs"/>
-            </a:endParaRPr>
-          </a:p>
-          <a:p>
-            <a:pPr lvl="0" latinLnBrk="1"/>
-            <a:r>
-              <a:rPr lang="en-US" altLang="ko-KR" sz="1200" kern="1200" dirty="0">
-                <a:solidFill>
-                  <a:schemeClr val="tx1"/>
-                </a:solidFill>
-                <a:effectLst/>
-                <a:latin typeface="+mn-lt"/>
-                <a:ea typeface="+mn-ea"/>
-                <a:cs typeface="+mn-cs"/>
-              </a:rPr>
-              <a:t> </a:t>
-            </a:r>
-            <a:r>
-              <a:rPr lang="ko-KR" altLang="ko-KR" sz="1200" kern="1200" dirty="0">
-                <a:solidFill>
-                  <a:schemeClr val="tx1"/>
-                </a:solidFill>
-                <a:effectLst/>
-                <a:latin typeface="+mn-lt"/>
-                <a:ea typeface="+mn-ea"/>
-                <a:cs typeface="+mn-cs"/>
-              </a:rPr>
-              <a:t>옵션을 구문 분석할 수 있도록 기본 설정과 문자열을 </a:t>
-            </a:r>
-            <a:r>
-              <a:rPr lang="ko-KR" altLang="ko-KR" sz="1200" kern="1200" dirty="0" err="1">
-                <a:solidFill>
-                  <a:schemeClr val="tx1"/>
-                </a:solidFill>
-                <a:effectLst/>
-                <a:latin typeface="+mn-lt"/>
-                <a:ea typeface="+mn-ea"/>
-                <a:cs typeface="+mn-cs"/>
-              </a:rPr>
-              <a:t>로드합니다</a:t>
-            </a:r>
-            <a:r>
-              <a:rPr lang="en-US" altLang="ko-KR" sz="1200" kern="1200" dirty="0">
-                <a:solidFill>
-                  <a:schemeClr val="tx1"/>
-                </a:solidFill>
-                <a:effectLst/>
-                <a:latin typeface="+mn-lt"/>
-                <a:ea typeface="+mn-ea"/>
-                <a:cs typeface="+mn-cs"/>
-              </a:rPr>
-              <a:t>.</a:t>
-            </a:r>
-            <a:endParaRPr lang="ko-KR" altLang="ko-KR" sz="1200" kern="1200" dirty="0">
-              <a:solidFill>
-                <a:schemeClr val="tx1"/>
-              </a:solidFill>
-              <a:effectLst/>
-              <a:latin typeface="+mn-lt"/>
-              <a:ea typeface="+mn-ea"/>
-              <a:cs typeface="+mn-cs"/>
-            </a:endParaRPr>
-          </a:p>
-          <a:p>
-            <a:pPr lvl="0" latinLnBrk="1"/>
-            <a:r>
-              <a:rPr lang="en-US" altLang="ko-KR" sz="1200" kern="1200" dirty="0">
-                <a:solidFill>
-                  <a:schemeClr val="tx1"/>
-                </a:solidFill>
-                <a:effectLst/>
-                <a:latin typeface="+mn-lt"/>
-                <a:ea typeface="+mn-ea"/>
-                <a:cs typeface="+mn-cs"/>
-              </a:rPr>
-              <a:t> </a:t>
-            </a:r>
-            <a:r>
-              <a:rPr lang="ko-KR" altLang="ko-KR" sz="1200" kern="1200" dirty="0">
-                <a:solidFill>
-                  <a:schemeClr val="tx1"/>
-                </a:solidFill>
-                <a:effectLst/>
-                <a:latin typeface="+mn-lt"/>
-                <a:ea typeface="+mn-ea"/>
-                <a:cs typeface="+mn-cs"/>
-              </a:rPr>
-              <a:t>사용자가 선택한 로컬에 반드시 포함되지는 않아도 구문을 분석합니다</a:t>
-            </a:r>
-            <a:r>
-              <a:rPr lang="en-US" altLang="ko-KR" sz="1200" kern="1200" dirty="0">
-                <a:solidFill>
-                  <a:schemeClr val="tx1"/>
-                </a:solidFill>
-                <a:effectLst/>
-                <a:latin typeface="+mn-lt"/>
-                <a:ea typeface="+mn-ea"/>
-                <a:cs typeface="+mn-cs"/>
-              </a:rPr>
-              <a:t>.</a:t>
-            </a:r>
-            <a:endParaRPr lang="ko-KR" altLang="ko-KR" sz="1200" kern="1200" dirty="0">
-              <a:solidFill>
-                <a:schemeClr val="tx1"/>
-              </a:solidFill>
-              <a:effectLst/>
-              <a:latin typeface="+mn-lt"/>
-              <a:ea typeface="+mn-ea"/>
-              <a:cs typeface="+mn-cs"/>
-            </a:endParaRPr>
-          </a:p>
-          <a:p>
-            <a:pPr lvl="0" latinLnBrk="1"/>
-            <a:r>
-              <a:rPr lang="en-US" altLang="ko-KR" sz="1200" kern="1200" dirty="0">
-                <a:solidFill>
-                  <a:schemeClr val="tx1"/>
-                </a:solidFill>
-                <a:effectLst/>
-                <a:latin typeface="+mn-lt"/>
-                <a:ea typeface="+mn-ea"/>
-                <a:cs typeface="+mn-cs"/>
-              </a:rPr>
-              <a:t> </a:t>
-            </a:r>
-            <a:r>
-              <a:rPr lang="ko-KR" altLang="ko-KR" sz="1200" kern="1200" dirty="0">
-                <a:solidFill>
-                  <a:schemeClr val="tx1"/>
-                </a:solidFill>
-                <a:effectLst/>
-                <a:latin typeface="+mn-lt"/>
-                <a:ea typeface="+mn-ea"/>
-                <a:cs typeface="+mn-cs"/>
-              </a:rPr>
-              <a:t>초기에 대체 설정을 전달하는 옵션을 표시합니다</a:t>
-            </a:r>
-            <a:r>
-              <a:rPr lang="en-US" altLang="ko-KR" sz="1200" kern="1200" dirty="0">
-                <a:solidFill>
-                  <a:schemeClr val="tx1"/>
-                </a:solidFill>
-                <a:effectLst/>
-                <a:latin typeface="+mn-lt"/>
-                <a:ea typeface="+mn-ea"/>
-                <a:cs typeface="+mn-cs"/>
-              </a:rPr>
-              <a:t>.</a:t>
-            </a:r>
-            <a:endParaRPr lang="ko-KR" altLang="ko-KR" sz="1200" kern="1200" dirty="0">
-              <a:solidFill>
-                <a:schemeClr val="tx1"/>
-              </a:solidFill>
-              <a:effectLst/>
-              <a:latin typeface="+mn-lt"/>
-              <a:ea typeface="+mn-ea"/>
-              <a:cs typeface="+mn-cs"/>
-            </a:endParaRPr>
-          </a:p>
-          <a:p>
-            <a:pPr lvl="0" latinLnBrk="1"/>
-            <a:r>
-              <a:rPr lang="en-US" altLang="ko-KR" sz="1200" kern="1200" dirty="0">
-                <a:solidFill>
-                  <a:schemeClr val="tx1"/>
-                </a:solidFill>
-                <a:effectLst/>
-                <a:latin typeface="+mn-lt"/>
-                <a:ea typeface="+mn-ea"/>
-                <a:cs typeface="+mn-cs"/>
-              </a:rPr>
-              <a:t> alternate –config</a:t>
-            </a:r>
-            <a:r>
-              <a:rPr lang="ko-KR" altLang="ko-KR" sz="1200" kern="1200" dirty="0">
-                <a:solidFill>
-                  <a:schemeClr val="tx1"/>
-                </a:solidFill>
-                <a:effectLst/>
-                <a:latin typeface="+mn-lt"/>
-                <a:ea typeface="+mn-ea"/>
-                <a:cs typeface="+mn-cs"/>
-              </a:rPr>
-              <a:t>가 통과되면 문자열을 </a:t>
-            </a:r>
-            <a:r>
-              <a:rPr lang="ko-KR" altLang="ko-KR" sz="1200" kern="1200" dirty="0" err="1">
-                <a:solidFill>
-                  <a:schemeClr val="tx1"/>
-                </a:solidFill>
-                <a:effectLst/>
-                <a:latin typeface="+mn-lt"/>
-                <a:ea typeface="+mn-ea"/>
-                <a:cs typeface="+mn-cs"/>
-              </a:rPr>
-              <a:t>리로드합니다</a:t>
-            </a:r>
-            <a:r>
-              <a:rPr lang="en-US" altLang="ko-KR" sz="1200" kern="1200" dirty="0">
-                <a:solidFill>
-                  <a:schemeClr val="tx1"/>
-                </a:solidFill>
-                <a:effectLst/>
-                <a:latin typeface="+mn-lt"/>
-                <a:ea typeface="+mn-ea"/>
-                <a:cs typeface="+mn-cs"/>
-              </a:rPr>
-              <a:t>.</a:t>
-            </a:r>
-            <a:endParaRPr lang="ko-KR" altLang="ko-KR" sz="1200" kern="1200" dirty="0">
-              <a:solidFill>
-                <a:schemeClr val="tx1"/>
-              </a:solidFill>
-              <a:effectLst/>
-              <a:latin typeface="+mn-lt"/>
-              <a:ea typeface="+mn-ea"/>
-              <a:cs typeface="+mn-cs"/>
-            </a:endParaRPr>
-          </a:p>
-          <a:p>
-            <a:pPr lvl="0">
-              <a:defRPr/>
-            </a:pPr>
             <a:endParaRPr lang="ko-KR" altLang="en-US" sz="1200" dirty="0"/>
           </a:p>
         </p:txBody>
@@ -1881,7 +1616,7 @@
     </p:spTree>
     <p:extLst>
       <p:ext uri="{BB962C8B-B14F-4D97-AF65-F5344CB8AC3E}">
-        <p14:creationId xmlns:p14="http://schemas.microsoft.com/office/powerpoint/2010/main" val="1043904128"/>
+        <p14:creationId xmlns:p14="http://schemas.microsoft.com/office/powerpoint/2010/main" val="4009124350"/>
       </p:ext>
     </p:extLst>
   </p:cSld>
@@ -1937,44 +1672,30 @@
           </a:bodyPr>
           <a:lstStyle/>
           <a:p>
-            <a:pPr lvl="0">
-              <a:defRPr/>
-            </a:pPr>
-            <a:r>
-              <a:rPr lang="en-US" altLang="ko-KR" sz="1200" dirty="0"/>
-              <a:t>Test</a:t>
-            </a:r>
-            <a:r>
-              <a:rPr lang="ko-KR" altLang="en-US" sz="1200" dirty="0"/>
-              <a:t>에는 많은 </a:t>
-            </a:r>
-            <a:r>
-              <a:rPr lang="en-US" altLang="ko-KR" sz="1200" dirty="0" err="1"/>
-              <a:t>py</a:t>
-            </a:r>
-            <a:r>
-              <a:rPr lang="ko-KR" altLang="en-US" sz="1200" dirty="0"/>
-              <a:t>파일이 있는데 이는 </a:t>
-            </a:r>
-            <a:r>
-              <a:rPr lang="en-US" altLang="ko-KR" sz="1200" dirty="0" err="1"/>
-              <a:t>OnionShare</a:t>
-            </a:r>
-            <a:r>
-              <a:rPr lang="ko-KR" altLang="en-US" sz="1200" dirty="0"/>
-              <a:t>의 모든 기능부분들을 </a:t>
-            </a:r>
-            <a:r>
-              <a:rPr lang="en-US" altLang="ko-KR" sz="1200" dirty="0"/>
-              <a:t>test</a:t>
-            </a:r>
-            <a:r>
-              <a:rPr lang="ko-KR" altLang="en-US" sz="1200" dirty="0"/>
-              <a:t>하기 위해 이렇게 파일들이 많은 것</a:t>
-            </a:r>
-            <a:r>
-              <a:rPr lang="en-US" altLang="ko-KR" sz="1200" dirty="0"/>
-              <a:t>.</a:t>
+            <a:pPr lvl="0" latinLnBrk="1"/>
+            <a:r>
+              <a:rPr lang="ko-KR" altLang="en-US" sz="1200" kern="1200" dirty="0" err="1">
+                <a:solidFill>
+                  <a:schemeClr val="tx1"/>
+                </a:solidFill>
+                <a:effectLst/>
+                <a:latin typeface="+mn-lt"/>
+                <a:ea typeface="+mn-ea"/>
+                <a:cs typeface="+mn-cs"/>
+              </a:rPr>
+              <a:t>진행바</a:t>
+            </a:r>
+            <a:r>
+              <a:rPr lang="en-US" altLang="ko-KR" sz="1200" kern="1200" dirty="0">
+                <a:solidFill>
+                  <a:schemeClr val="tx1"/>
+                </a:solidFill>
+                <a:effectLst/>
+                <a:latin typeface="+mn-lt"/>
+                <a:ea typeface="+mn-ea"/>
+                <a:cs typeface="+mn-cs"/>
+              </a:rPr>
+              <a:t>!!!!!!!!!!</a:t>
             </a:r>
             <a:endParaRPr lang="ko-KR" altLang="en-US" sz="1200" dirty="0"/>
           </a:p>
@@ -2012,7 +1733,7 @@
     </p:spTree>
     <p:extLst>
       <p:ext uri="{BB962C8B-B14F-4D97-AF65-F5344CB8AC3E}">
-        <p14:creationId xmlns:p14="http://schemas.microsoft.com/office/powerpoint/2010/main" val="154351970"/>
+        <p14:creationId xmlns:p14="http://schemas.microsoft.com/office/powerpoint/2010/main" val="1043904128"/>
       </p:ext>
     </p:extLst>
   </p:cSld>
@@ -2071,6 +1792,42 @@
             <a:pPr lvl="0">
               <a:defRPr/>
             </a:pPr>
+            <a:r>
+              <a:rPr lang="en-US" altLang="ko-KR" sz="1200" dirty="0"/>
+              <a:t>Test</a:t>
+            </a:r>
+            <a:r>
+              <a:rPr lang="ko-KR" altLang="en-US" sz="1200" dirty="0"/>
+              <a:t>에는 많은 </a:t>
+            </a:r>
+            <a:r>
+              <a:rPr lang="en-US" altLang="ko-KR" sz="1200" dirty="0" err="1"/>
+              <a:t>py</a:t>
+            </a:r>
+            <a:r>
+              <a:rPr lang="ko-KR" altLang="en-US" sz="1200" dirty="0"/>
+              <a:t>파일이 있는데 이는 </a:t>
+            </a:r>
+            <a:r>
+              <a:rPr lang="en-US" altLang="ko-KR" sz="1200" dirty="0" err="1"/>
+              <a:t>OnionShare</a:t>
+            </a:r>
+            <a:r>
+              <a:rPr lang="ko-KR" altLang="en-US" sz="1200" dirty="0"/>
+              <a:t>의 모든 기능부분들을 </a:t>
+            </a:r>
+            <a:r>
+              <a:rPr lang="en-US" altLang="ko-KR" sz="1200" dirty="0"/>
+              <a:t>test</a:t>
+            </a:r>
+            <a:r>
+              <a:rPr lang="ko-KR" altLang="en-US" sz="1200" dirty="0"/>
+              <a:t>하기 위해 이렇게 파일들이 많은 것</a:t>
+            </a:r>
+            <a:r>
+              <a:rPr lang="en-US" altLang="ko-KR" sz="1200" dirty="0"/>
+              <a:t>.</a:t>
+            </a:r>
             <a:endParaRPr lang="ko-KR" altLang="en-US" sz="1200" dirty="0"/>
           </a:p>
         </p:txBody>
@@ -2107,7 +1864,7 @@
     </p:spTree>
     <p:extLst>
       <p:ext uri="{BB962C8B-B14F-4D97-AF65-F5344CB8AC3E}">
-        <p14:creationId xmlns:p14="http://schemas.microsoft.com/office/powerpoint/2010/main" val="4292594805"/>
+        <p14:creationId xmlns:p14="http://schemas.microsoft.com/office/powerpoint/2010/main" val="154351970"/>
       </p:ext>
     </p:extLst>
   </p:cSld>
@@ -2202,7 +1959,7 @@
     </p:spTree>
     <p:extLst>
       <p:ext uri="{BB962C8B-B14F-4D97-AF65-F5344CB8AC3E}">
-        <p14:creationId xmlns:p14="http://schemas.microsoft.com/office/powerpoint/2010/main" val="23126"/>
+        <p14:creationId xmlns:p14="http://schemas.microsoft.com/office/powerpoint/2010/main" val="4292594805"/>
       </p:ext>
     </p:extLst>
   </p:cSld>
@@ -2297,7 +2054,7 @@
     </p:spTree>
     <p:extLst>
       <p:ext uri="{BB962C8B-B14F-4D97-AF65-F5344CB8AC3E}">
-        <p14:creationId xmlns:p14="http://schemas.microsoft.com/office/powerpoint/2010/main" val="1766336867"/>
+        <p14:creationId xmlns:p14="http://schemas.microsoft.com/office/powerpoint/2010/main" val="23126"/>
       </p:ext>
     </p:extLst>
   </p:cSld>
@@ -2392,7 +2149,7 @@
     </p:spTree>
     <p:extLst>
       <p:ext uri="{BB962C8B-B14F-4D97-AF65-F5344CB8AC3E}">
-        <p14:creationId xmlns:p14="http://schemas.microsoft.com/office/powerpoint/2010/main" val="136178504"/>
+        <p14:creationId xmlns:p14="http://schemas.microsoft.com/office/powerpoint/2010/main" val="1766336867"/>
       </p:ext>
     </p:extLst>
   </p:cSld>
@@ -2538,43 +2295,9 @@
           </a:bodyPr>
           <a:lstStyle/>
           <a:p>
-            <a:pPr lvl="0" latinLnBrk="1"/>
-            <a:r>
-              <a:rPr lang="en-US" altLang="ko-KR" sz="1200" dirty="0" err="1"/>
-              <a:t>OnionShare</a:t>
-            </a:r>
-            <a:r>
-              <a:rPr lang="ko-KR" altLang="en-US" sz="1200" dirty="0"/>
-              <a:t>의 주요한 소스코드부터</a:t>
-            </a:r>
-            <a:r>
-              <a:rPr lang="en-US" altLang="ko-KR" sz="1200" dirty="0"/>
-              <a:t>, GUI</a:t>
-            </a:r>
-            <a:r>
-              <a:rPr lang="ko-KR" altLang="en-US" sz="1200" dirty="0"/>
-              <a:t>의 작동까지 테스트하는 폴더</a:t>
-            </a:r>
-            <a:r>
-              <a:rPr lang="en-US" altLang="ko-KR" sz="1200" dirty="0"/>
-              <a:t>, </a:t>
-            </a:r>
-            <a:r>
-              <a:rPr lang="ko-KR" altLang="en-US" sz="1200" dirty="0"/>
-              <a:t>혹시라도 오류가 발생하면</a:t>
-            </a:r>
-            <a:r>
-              <a:rPr lang="en-US" altLang="ko-KR" sz="1200" dirty="0"/>
-              <a:t>, </a:t>
-            </a:r>
-            <a:r>
-              <a:rPr lang="ko-KR" altLang="en-US" sz="1200" dirty="0"/>
-              <a:t>어떤 오류인지 알려준다</a:t>
-            </a:r>
-            <a:r>
-              <a:rPr lang="en-US" altLang="ko-KR" sz="1200" dirty="0"/>
-              <a:t>.</a:t>
-            </a:r>
+            <a:pPr lvl="0">
+              <a:defRPr/>
+            </a:pPr>
             <a:endParaRPr lang="ko-KR" altLang="en-US" sz="1200" dirty="0"/>
           </a:p>
         </p:txBody>
@@ -2611,7 +2334,7 @@
     </p:spTree>
     <p:extLst>
       <p:ext uri="{BB962C8B-B14F-4D97-AF65-F5344CB8AC3E}">
-        <p14:creationId xmlns:p14="http://schemas.microsoft.com/office/powerpoint/2010/main" val="1734826357"/>
+        <p14:creationId xmlns:p14="http://schemas.microsoft.com/office/powerpoint/2010/main" val="136178504"/>
       </p:ext>
     </p:extLst>
   </p:cSld>
@@ -2667,29 +2390,44 @@
           </a:bodyPr>
           <a:lstStyle/>
           <a:p>
-            <a:pPr lvl="0">
-              <a:defRPr/>
-            </a:pPr>
-            <a:r>
-              <a:rPr lang="ko-KR" altLang="en-US" sz="1200" dirty="0"/>
-              <a:t>아까 분석한 </a:t>
-            </a:r>
-            <a:r>
-              <a:rPr lang="en-US" altLang="ko-KR" sz="1200" dirty="0"/>
-              <a:t>install</a:t>
-            </a:r>
-            <a:r>
-              <a:rPr lang="ko-KR" altLang="en-US" sz="1200" dirty="0"/>
-              <a:t> 폴더가 이용되어 </a:t>
-            </a:r>
+            <a:pPr lvl="0" latinLnBrk="1"/>
             <a:r>
               <a:rPr lang="en-US" altLang="ko-KR" sz="1200" dirty="0" err="1"/>
               <a:t>OnionShare</a:t>
             </a:r>
             <a:r>
               <a:rPr lang="ko-KR" altLang="en-US" sz="1200" dirty="0"/>
-              <a:t>가 설치되는 과정</a:t>
-            </a:r>
+              <a:t>의 주요한 소스코드부터</a:t>
+            </a:r>
+            <a:r>
+              <a:rPr lang="en-US" altLang="ko-KR" sz="1200" dirty="0"/>
+              <a:t>, GUI</a:t>
+            </a:r>
+            <a:r>
+              <a:rPr lang="ko-KR" altLang="en-US" sz="1200" dirty="0"/>
+              <a:t>의 작동까지 테스트하는 폴더</a:t>
+            </a:r>
+            <a:r>
+              <a:rPr lang="en-US" altLang="ko-KR" sz="1200" dirty="0"/>
+              <a:t>, </a:t>
+            </a:r>
+            <a:r>
+              <a:rPr lang="ko-KR" altLang="en-US" sz="1200" dirty="0"/>
+              <a:t>혹시라도 오류가 발생하면</a:t>
+            </a:r>
+            <a:r>
+              <a:rPr lang="en-US" altLang="ko-KR" sz="1200" dirty="0"/>
+              <a:t>, </a:t>
+            </a:r>
+            <a:r>
+              <a:rPr lang="ko-KR" altLang="en-US" sz="1200" dirty="0"/>
+              <a:t>어떤 오류인지 알려준다</a:t>
+            </a:r>
+            <a:r>
+              <a:rPr lang="en-US" altLang="ko-KR" sz="1200" dirty="0"/>
+              <a:t>.</a:t>
+            </a:r>
+            <a:endParaRPr lang="ko-KR" altLang="en-US" sz="1200" dirty="0"/>
           </a:p>
         </p:txBody>
       </p:sp>
@@ -2725,7 +2463,7 @@
     </p:spTree>
     <p:extLst>
       <p:ext uri="{BB962C8B-B14F-4D97-AF65-F5344CB8AC3E}">
-        <p14:creationId xmlns:p14="http://schemas.microsoft.com/office/powerpoint/2010/main" val="2926584828"/>
+        <p14:creationId xmlns:p14="http://schemas.microsoft.com/office/powerpoint/2010/main" val="1734826357"/>
       </p:ext>
     </p:extLst>
   </p:cSld>
@@ -2785,77 +2523,25 @@
               <a:defRPr/>
             </a:pPr>
             <a:r>
+              <a:rPr lang="ko-KR" altLang="en-US" sz="1200" dirty="0"/>
+              <a:t>아까 분석한 </a:t>
+            </a:r>
+            <a:r>
               <a:rPr lang="en-US" altLang="ko-KR" sz="1200" dirty="0"/>
-              <a:t>Tor network</a:t>
+              <a:t>install</a:t>
             </a:r>
             <a:r>
               <a:rPr lang="ko-KR" altLang="en-US" sz="1200" dirty="0"/>
-              <a:t>와 연결을 기다리고 있습니다</a:t>
-            </a:r>
-            <a:r>
-              <a:rPr lang="en-US" altLang="ko-KR" sz="1200" dirty="0"/>
-              <a:t>.</a:t>
-            </a:r>
-          </a:p>
-          <a:p>
-            <a:pPr lvl="0">
-              <a:defRPr/>
-            </a:pPr>
-            <a:endParaRPr lang="en-US" altLang="ko-KR" sz="1200" dirty="0"/>
-          </a:p>
-          <a:p>
-            <a:pPr lvl="0">
-              <a:defRPr/>
-            </a:pPr>
-            <a:r>
-              <a:rPr lang="ko-KR" altLang="en-US" sz="1200" dirty="0" err="1"/>
-              <a:t>본화면</a:t>
-            </a:r>
-            <a:endParaRPr lang="en-US" altLang="ko-KR" sz="1200" dirty="0"/>
-          </a:p>
-          <a:p>
-            <a:pPr lvl="0">
-              <a:defRPr/>
-            </a:pPr>
-            <a:endParaRPr lang="en-US" altLang="ko-KR" sz="1200" dirty="0"/>
-          </a:p>
-          <a:p>
-            <a:pPr lvl="0">
-              <a:defRPr/>
-            </a:pPr>
+              <a:t> 폴더가 이용되어 </a:t>
+            </a:r>
+            <a:r>
+              <a:rPr lang="en-US" altLang="ko-KR" sz="1200" dirty="0" err="1"/>
+              <a:t>OnionShare</a:t>
+            </a:r>
             <a:r>
               <a:rPr lang="ko-KR" altLang="en-US" sz="1200" dirty="0"/>
-              <a:t>여기에 </a:t>
-            </a:r>
-            <a:r>
-              <a:rPr lang="en-US" altLang="ko-KR" sz="1200" dirty="0"/>
-              <a:t>GUI</a:t>
-            </a:r>
-            <a:r>
-              <a:rPr lang="ko-KR" altLang="en-US" sz="1200" dirty="0"/>
-              <a:t>가 모두 포함된 것</a:t>
-            </a:r>
-            <a:r>
-              <a:rPr lang="en-US" altLang="ko-KR" sz="1200" dirty="0"/>
-              <a:t>. </a:t>
-            </a:r>
-            <a:r>
-              <a:rPr lang="ko-KR" altLang="en-US" sz="1200" dirty="0" err="1"/>
-              <a:t>한기지</a:t>
-            </a:r>
-            <a:r>
-              <a:rPr lang="ko-KR" altLang="en-US" sz="1200" dirty="0"/>
-              <a:t> </a:t>
-            </a:r>
-            <a:r>
-              <a:rPr lang="en-US" altLang="ko-KR" sz="1200" dirty="0"/>
-              <a:t>ex&gt; </a:t>
-            </a:r>
-            <a:r>
-              <a:rPr lang="ko-KR" altLang="en-US" sz="1200" dirty="0" err="1"/>
-              <a:t>로딩바</a:t>
-            </a:r>
-            <a:endParaRPr lang="en-US" altLang="ko-KR" sz="1200" dirty="0"/>
+              <a:t>가 설치되는 과정</a:t>
+            </a:r>
           </a:p>
         </p:txBody>
       </p:sp>
@@ -2891,7 +2577,7 @@
     </p:spTree>
     <p:extLst>
       <p:ext uri="{BB962C8B-B14F-4D97-AF65-F5344CB8AC3E}">
-        <p14:creationId xmlns:p14="http://schemas.microsoft.com/office/powerpoint/2010/main" val="190637077"/>
+        <p14:creationId xmlns:p14="http://schemas.microsoft.com/office/powerpoint/2010/main" val="2926584828"/>
       </p:ext>
     </p:extLst>
   </p:cSld>
@@ -2950,7 +2636,78 @@
             <a:pPr lvl="0">
               <a:defRPr/>
             </a:pPr>
-            <a:endParaRPr lang="ko-KR" altLang="en-US" sz="1200"/>
+            <a:r>
+              <a:rPr lang="en-US" altLang="ko-KR" sz="1200" dirty="0"/>
+              <a:t>Tor network</a:t>
+            </a:r>
+            <a:r>
+              <a:rPr lang="ko-KR" altLang="en-US" sz="1200" dirty="0"/>
+              <a:t>와 연결을 기다리고 있습니다</a:t>
+            </a:r>
+            <a:r>
+              <a:rPr lang="en-US" altLang="ko-KR" sz="1200" dirty="0"/>
+              <a:t>.</a:t>
+            </a:r>
+          </a:p>
+          <a:p>
+            <a:pPr lvl="0">
+              <a:defRPr/>
+            </a:pPr>
+            <a:endParaRPr lang="en-US" altLang="ko-KR" sz="1200" dirty="0"/>
+          </a:p>
+          <a:p>
+            <a:pPr lvl="0">
+              <a:defRPr/>
+            </a:pPr>
+            <a:r>
+              <a:rPr lang="ko-KR" altLang="en-US" sz="1200" dirty="0" err="1"/>
+              <a:t>본화면</a:t>
+            </a:r>
+            <a:endParaRPr lang="en-US" altLang="ko-KR" sz="1200" dirty="0"/>
+          </a:p>
+          <a:p>
+            <a:pPr lvl="0">
+              <a:defRPr/>
+            </a:pPr>
+            <a:endParaRPr lang="en-US" altLang="ko-KR" sz="1200" dirty="0"/>
+          </a:p>
+          <a:p>
+            <a:pPr lvl="0">
+              <a:defRPr/>
+            </a:pPr>
+            <a:r>
+              <a:rPr lang="ko-KR" altLang="en-US" sz="1200" dirty="0"/>
+              <a:t>여기에 </a:t>
+            </a:r>
+            <a:r>
+              <a:rPr lang="en-US" altLang="ko-KR" sz="1200" dirty="0"/>
+              <a:t>GUI</a:t>
+            </a:r>
+            <a:r>
+              <a:rPr lang="ko-KR" altLang="en-US" sz="1200" dirty="0"/>
+              <a:t>가 모두 포함된 것</a:t>
+            </a:r>
+            <a:r>
+              <a:rPr lang="en-US" altLang="ko-KR" sz="1200" dirty="0"/>
+              <a:t>. </a:t>
+            </a:r>
+            <a:r>
+              <a:rPr lang="ko-KR" altLang="en-US" sz="1200" dirty="0" err="1"/>
+              <a:t>한기지</a:t>
+            </a:r>
+            <a:r>
+              <a:rPr lang="ko-KR" altLang="en-US" sz="1200" dirty="0"/>
+              <a:t> </a:t>
+            </a:r>
+            <a:r>
+              <a:rPr lang="en-US" altLang="ko-KR" sz="1200" dirty="0"/>
+              <a:t>ex&gt; </a:t>
+            </a:r>
+            <a:r>
+              <a:rPr lang="ko-KR" altLang="en-US" sz="1200" dirty="0" err="1"/>
+              <a:t>로딩바</a:t>
+            </a:r>
+            <a:endParaRPr lang="en-US" altLang="ko-KR" sz="1200" dirty="0"/>
           </a:p>
         </p:txBody>
       </p:sp>
@@ -2986,7 +2743,7 @@
     </p:spTree>
     <p:extLst>
       <p:ext uri="{BB962C8B-B14F-4D97-AF65-F5344CB8AC3E}">
-        <p14:creationId xmlns:p14="http://schemas.microsoft.com/office/powerpoint/2010/main" val="660522710"/>
+        <p14:creationId xmlns:p14="http://schemas.microsoft.com/office/powerpoint/2010/main" val="190637077"/>
       </p:ext>
     </p:extLst>
   </p:cSld>
@@ -3081,7 +2838,7 @@
     </p:spTree>
     <p:extLst>
       <p:ext uri="{BB962C8B-B14F-4D97-AF65-F5344CB8AC3E}">
-        <p14:creationId xmlns:p14="http://schemas.microsoft.com/office/powerpoint/2010/main" val="4271093447"/>
+        <p14:creationId xmlns:p14="http://schemas.microsoft.com/office/powerpoint/2010/main" val="660522710"/>
       </p:ext>
     </p:extLst>
   </p:cSld>
@@ -3176,7 +2933,7 @@
     </p:spTree>
     <p:extLst>
       <p:ext uri="{BB962C8B-B14F-4D97-AF65-F5344CB8AC3E}">
-        <p14:creationId xmlns:p14="http://schemas.microsoft.com/office/powerpoint/2010/main" val="915212621"/>
+        <p14:creationId xmlns:p14="http://schemas.microsoft.com/office/powerpoint/2010/main" val="4271093447"/>
       </p:ext>
     </p:extLst>
   </p:cSld>
@@ -3271,7 +3028,7 @@
     </p:spTree>
     <p:extLst>
       <p:ext uri="{BB962C8B-B14F-4D97-AF65-F5344CB8AC3E}">
-        <p14:creationId xmlns:p14="http://schemas.microsoft.com/office/powerpoint/2010/main" val="1423483979"/>
+        <p14:creationId xmlns:p14="http://schemas.microsoft.com/office/powerpoint/2010/main" val="915212621"/>
       </p:ext>
     </p:extLst>
   </p:cSld>
@@ -3366,7 +3123,7 @@
     </p:spTree>
     <p:extLst>
       <p:ext uri="{BB962C8B-B14F-4D97-AF65-F5344CB8AC3E}">
-        <p14:creationId xmlns:p14="http://schemas.microsoft.com/office/powerpoint/2010/main" val="4118155793"/>
+        <p14:creationId xmlns:p14="http://schemas.microsoft.com/office/powerpoint/2010/main" val="1423483979"/>
       </p:ext>
     </p:extLst>
   </p:cSld>
@@ -3425,47 +3182,7 @@
             <a:pPr lvl="0">
               <a:defRPr/>
             </a:pPr>
-            <a:r>
-              <a:rPr lang="ko-KR" altLang="en-US" sz="1200" dirty="0"/>
-              <a:t>지금은 주소를 </a:t>
-            </a:r>
-            <a:r>
-              <a:rPr lang="en-US" altLang="ko-KR" sz="1200" dirty="0"/>
-              <a:t>copy</a:t>
-            </a:r>
-            <a:r>
-              <a:rPr lang="ko-KR" altLang="en-US" sz="1200" dirty="0"/>
-              <a:t>하여 </a:t>
-            </a:r>
-            <a:r>
-              <a:rPr lang="en-US" altLang="ko-KR" sz="1200" dirty="0"/>
-              <a:t>tor</a:t>
-            </a:r>
-            <a:r>
-              <a:rPr lang="ko-KR" altLang="en-US" sz="1200" dirty="0"/>
-              <a:t>브라우저에 </a:t>
-            </a:r>
-            <a:r>
-              <a:rPr lang="ko-KR" altLang="en-US" sz="1200" dirty="0" err="1"/>
-              <a:t>붙여넣어서</a:t>
-            </a:r>
-            <a:r>
-              <a:rPr lang="ko-KR" altLang="en-US" sz="1200" dirty="0"/>
-              <a:t> 이동하는 방식인데</a:t>
-            </a:r>
-            <a:r>
-              <a:rPr lang="en-US" altLang="ko-KR" sz="1200" dirty="0"/>
-              <a:t>, </a:t>
-            </a:r>
-            <a:r>
-              <a:rPr lang="ko-KR" altLang="en-US" sz="1200" dirty="0"/>
-              <a:t>링크처럼 주소를 누르면 바로 이동하는 방식으로 바꿔보고 싶다</a:t>
-            </a:r>
-            <a:r>
-              <a:rPr lang="en-US" altLang="ko-KR" sz="1200" dirty="0"/>
-              <a:t>.</a:t>
-            </a:r>
-            <a:endParaRPr lang="ko-KR" altLang="en-US" sz="1200" dirty="0"/>
+            <a:endParaRPr lang="ko-KR" altLang="en-US" sz="1200"/>
           </a:p>
         </p:txBody>
       </p:sp>
@@ -3501,7 +3218,7 @@
     </p:spTree>
     <p:extLst>
       <p:ext uri="{BB962C8B-B14F-4D97-AF65-F5344CB8AC3E}">
-        <p14:creationId xmlns:p14="http://schemas.microsoft.com/office/powerpoint/2010/main" val="1988014034"/>
+        <p14:creationId xmlns:p14="http://schemas.microsoft.com/office/powerpoint/2010/main" val="4118155793"/>
       </p:ext>
     </p:extLst>
   </p:cSld>
@@ -3561,12 +3278,32 @@
               <a:defRPr/>
             </a:pPr>
             <a:r>
+              <a:rPr lang="ko-KR" altLang="en-US" sz="1200" dirty="0"/>
+              <a:t>지금은 주소를 </a:t>
+            </a:r>
+            <a:r>
               <a:rPr lang="en-US" altLang="ko-KR" sz="1200" dirty="0"/>
-              <a:t>?</a:t>
+              <a:t>copy</a:t>
             </a:r>
             <a:r>
               <a:rPr lang="ko-KR" altLang="en-US" sz="1200" dirty="0"/>
-              <a:t>를 눌러도 아무런 반응 없이</a:t>
+              <a:t>하여 </a:t>
+            </a:r>
+            <a:r>
+              <a:rPr lang="en-US" altLang="ko-KR" sz="1200" dirty="0"/>
+              <a:t>tor</a:t>
+            </a:r>
+            <a:r>
+              <a:rPr lang="ko-KR" altLang="en-US" sz="1200" dirty="0"/>
+              <a:t>브라우저에 </a:t>
+            </a:r>
+            <a:r>
+              <a:rPr lang="ko-KR" altLang="en-US" sz="1200" dirty="0" err="1"/>
+              <a:t>붙여넣어서</a:t>
+            </a:r>
+            <a:r>
+              <a:rPr lang="ko-KR" altLang="en-US" sz="1200" dirty="0"/>
+              <a:t> 이동하는 방식인데</a:t>
             </a:r>
             <a:r>
               <a:rPr lang="en-US" altLang="ko-KR" sz="1200" dirty="0"/>
@@ -3574,34 +3311,7 @@
             </a:r>
             <a:r>
               <a:rPr lang="ko-KR" altLang="en-US" sz="1200" dirty="0"/>
-              <a:t>마우스의 작동이 막힌다</a:t>
-            </a:r>
-            <a:r>
-              <a:rPr lang="en-US" altLang="ko-KR" sz="1200" dirty="0"/>
-              <a:t>.</a:t>
-            </a:r>
-          </a:p>
-          <a:p>
-            <a:pPr lvl="0">
-              <a:defRPr/>
-            </a:pPr>
-            <a:endParaRPr lang="en-US" altLang="ko-KR" sz="1200" dirty="0"/>
-          </a:p>
-          <a:p>
-            <a:pPr lvl="0">
-              <a:defRPr/>
-            </a:pPr>
-            <a:r>
-              <a:rPr lang="ko-KR" altLang="en-US" sz="1200" dirty="0"/>
-              <a:t>이 </a:t>
-            </a:r>
-            <a:r>
-              <a:rPr lang="en-US" altLang="ko-KR" sz="1200" dirty="0"/>
-              <a:t>?</a:t>
-            </a:r>
-            <a:r>
-              <a:rPr lang="ko-KR" altLang="en-US" sz="1200" dirty="0"/>
-              <a:t>에 기능을 추가해볼 예정</a:t>
+              <a:t>링크처럼 주소를 누르면 바로 이동하는 방식으로 바꿔보고 싶다</a:t>
             </a:r>
             <a:r>
               <a:rPr lang="en-US" altLang="ko-KR" sz="1200" dirty="0"/>
@@ -3643,7 +3353,7 @@
     </p:spTree>
     <p:extLst>
       <p:ext uri="{BB962C8B-B14F-4D97-AF65-F5344CB8AC3E}">
-        <p14:creationId xmlns:p14="http://schemas.microsoft.com/office/powerpoint/2010/main" val="903041815"/>
+        <p14:creationId xmlns:p14="http://schemas.microsoft.com/office/powerpoint/2010/main" val="1988014034"/>
       </p:ext>
     </p:extLst>
   </p:cSld>
@@ -3792,7 +3502,54 @@
             <a:pPr lvl="0">
               <a:defRPr/>
             </a:pPr>
-            <a:endParaRPr lang="ko-KR" altLang="en-US" sz="1200"/>
+            <a:r>
+              <a:rPr lang="en-US" altLang="ko-KR" sz="1200" dirty="0"/>
+              <a:t>?</a:t>
+            </a:r>
+            <a:r>
+              <a:rPr lang="ko-KR" altLang="en-US" sz="1200" dirty="0"/>
+              <a:t>를 눌러도 아무런 반응 없이</a:t>
+            </a:r>
+            <a:r>
+              <a:rPr lang="en-US" altLang="ko-KR" sz="1200" dirty="0"/>
+              <a:t>, </a:t>
+            </a:r>
+            <a:r>
+              <a:rPr lang="ko-KR" altLang="en-US" sz="1200" dirty="0"/>
+              <a:t>마우스의 작동이 막힌다</a:t>
+            </a:r>
+            <a:r>
+              <a:rPr lang="en-US" altLang="ko-KR" sz="1200" dirty="0"/>
+              <a:t>.</a:t>
+            </a:r>
+          </a:p>
+          <a:p>
+            <a:pPr lvl="0">
+              <a:defRPr/>
+            </a:pPr>
+            <a:endParaRPr lang="en-US" altLang="ko-KR" sz="1200" dirty="0"/>
+          </a:p>
+          <a:p>
+            <a:pPr lvl="0">
+              <a:defRPr/>
+            </a:pPr>
+            <a:r>
+              <a:rPr lang="ko-KR" altLang="en-US" sz="1200" dirty="0"/>
+              <a:t>이 </a:t>
+            </a:r>
+            <a:r>
+              <a:rPr lang="en-US" altLang="ko-KR" sz="1200" dirty="0"/>
+              <a:t>?</a:t>
+            </a:r>
+            <a:r>
+              <a:rPr lang="ko-KR" altLang="en-US" sz="1200" dirty="0"/>
+              <a:t>에 기능을 추가해볼 예정</a:t>
+            </a:r>
+            <a:r>
+              <a:rPr lang="en-US" altLang="ko-KR" sz="1200" dirty="0"/>
+              <a:t>.</a:t>
+            </a:r>
+            <a:endParaRPr lang="ko-KR" altLang="en-US" sz="1200" dirty="0"/>
           </a:p>
         </p:txBody>
       </p:sp>
@@ -3826,6 +3583,11 @@
         </p:txBody>
       </p:sp>
     </p:spTree>
+    <p:extLst>
+      <p:ext uri="{BB962C8B-B14F-4D97-AF65-F5344CB8AC3E}">
+        <p14:creationId xmlns:p14="http://schemas.microsoft.com/office/powerpoint/2010/main" val="903041815"/>
+      </p:ext>
+    </p:extLst>
   </p:cSld>
   <p:clrMapOvr>
     <a:masterClrMapping/>
@@ -3909,7 +3671,97 @@
               <a:pPr lvl="0">
                 <a:defRPr/>
               </a:pPr>
-              <a:t>32</a:t>
+              <a:t>31</a:t>
+            </a:fld>
+            <a:endParaRPr lang="en-US" altLang="en-US"/>
+          </a:p>
+        </p:txBody>
+      </p:sp>
+    </p:spTree>
+  </p:cSld>
+  <p:clrMapOvr>
+    <a:masterClrMapping/>
+  </p:clrMapOvr>
+</p:notes>
+</file>
+
+<file path=ppt/notesSlides/notesSlide32.xml><?xml version="1.0" encoding="utf-8"?>
+<p:notes xmlns:a="http://schemas.openxmlformats.org/drawingml/2006/main" xmlns:r="http://schemas.openxmlformats.org/officeDocument/2006/relationships" xmlns:p="http://schemas.openxmlformats.org/presentationml/2006/main">
+  <p:cSld>
+    <p:spTree>
+      <p:nvGrpSpPr>
+        <p:cNvPr id="1" name=""/>
+        <p:cNvGrpSpPr/>
+        <p:nvPr/>
+      </p:nvGrpSpPr>
+      <p:grpSpPr>
+        <a:xfrm>
+          <a:off x="0" y="0"/>
+          <a:ext cx="0" cy="0"/>
+          <a:chOff x="0" y="0"/>
+          <a:chExt cx="0" cy="0"/>
+        </a:xfrm>
+      </p:grpSpPr>
+      <p:sp>
+        <p:nvSpPr>
+          <p:cNvPr id="2" name="슬라이드 이미지 개체 틀 1"/>
+          <p:cNvSpPr>
+            <a:spLocks noGrp="1" noRot="1" noChangeAspect="1" noTextEdit="1"/>
+          </p:cNvSpPr>
+          <p:nvPr>
+            <p:ph type="sldImg"/>
+          </p:nvPr>
+        </p:nvSpPr>
+        <p:spPr/>
+      </p:sp>
+      <p:sp>
+        <p:nvSpPr>
+          <p:cNvPr id="3" name="슬라이드 노트 개체 틀 2"/>
+          <p:cNvSpPr>
+            <a:spLocks noGrp="1"/>
+          </p:cNvSpPr>
+          <p:nvPr>
+            <p:ph type="body" idx="1"/>
+          </p:nvPr>
+        </p:nvSpPr>
+        <p:spPr/>
+        <p:txBody>
+          <a:bodyPr>
+            <a:normAutofit/>
+          </a:bodyPr>
+          <a:lstStyle/>
+          <a:p>
+            <a:pPr lvl="0">
+              <a:defRPr/>
+            </a:pPr>
+            <a:endParaRPr lang="ko-KR" altLang="en-US" sz="1200"/>
+          </a:p>
+        </p:txBody>
+      </p:sp>
+      <p:sp>
+        <p:nvSpPr>
+          <p:cNvPr id="4" name="슬라이드 번호 개체 틀 3"/>
+          <p:cNvSpPr>
+            <a:spLocks noGrp="1"/>
+          </p:cNvSpPr>
+          <p:nvPr>
+            <p:ph type="sldNum" sz="quarter" idx="10"/>
+          </p:nvPr>
+        </p:nvSpPr>
+        <p:spPr/>
+        <p:txBody>
+          <a:bodyPr/>
+          <a:lstStyle/>
+          <a:p>
+            <a:pPr lvl="0">
+              <a:defRPr/>
+            </a:pPr>
+            <a:fld id="{04A4E647-5A0F-41E6-A0EF-B58D8C1C6CD4}" type="slidenum">
+              <a:rPr lang="en-US" altLang="en-US"/>
+              <a:pPr lvl="0">
+                <a:defRPr/>
+              </a:pPr>
+              <a:t>33</a:t>
             </a:fld>
             <a:endParaRPr lang="en-US" altLang="en-US"/>
           </a:p>
@@ -4295,36 +4147,13 @@
               <a:defRPr/>
             </a:pPr>
             <a:r>
-              <a:rPr lang="en-US" altLang="ko-KR" sz="1200"/>
-              <a:t>CLI</a:t>
-            </a:r>
-            <a:r>
-              <a:rPr lang="ko-KR" altLang="en-US" sz="1200"/>
-              <a:t> 란</a:t>
-            </a:r>
-            <a:r>
-              <a:rPr lang="en-US" altLang="ko-KR" sz="1200"/>
-              <a:t>?</a:t>
-            </a:r>
-          </a:p>
-          <a:p>
-            <a:pPr lvl="0">
-              <a:defRPr/>
-            </a:pPr>
-            <a:r>
-              <a:rPr lang="en-US" altLang="ko-KR" sz="1200"/>
-              <a:t>Command Line Interface, </a:t>
-            </a:r>
-            <a:r>
-              <a:rPr lang="ko-KR" altLang="en-US" sz="1200"/>
-              <a:t>명령 줄 인터페이스</a:t>
-            </a:r>
-          </a:p>
-          <a:p>
-            <a:pPr lvl="0">
-              <a:defRPr/>
-            </a:pPr>
-            <a:endParaRPr lang="en-US" altLang="ko-KR" sz="1200"/>
+              <a:rPr lang="ko-KR" altLang="en-US" sz="1200" dirty="0"/>
+              <a:t>경로</a:t>
+            </a:r>
+            <a:r>
+              <a:rPr lang="en-US" altLang="ko-KR" sz="1200" dirty="0"/>
+              <a:t>!!!!!!!</a:t>
+            </a:r>
           </a:p>
         </p:txBody>
       </p:sp>
@@ -4419,37 +4248,7 @@
             <a:pPr lvl="0">
               <a:defRPr/>
             </a:pPr>
-            <a:r>
-              <a:rPr lang="en-US" altLang="ko-KR" sz="1200"/>
-              <a:t>CLI</a:t>
-            </a:r>
-            <a:r>
-              <a:rPr lang="ko-KR" altLang="en-US" sz="1200"/>
-              <a:t> 란</a:t>
-            </a:r>
-            <a:r>
-              <a:rPr lang="en-US" altLang="ko-KR" sz="1200"/>
-              <a:t>?</a:t>
-            </a:r>
-          </a:p>
-          <a:p>
-            <a:pPr lvl="0">
-              <a:defRPr/>
-            </a:pPr>
-            <a:r>
-              <a:rPr lang="en-US" altLang="ko-KR" sz="1200"/>
-              <a:t>Command Line Interface, </a:t>
-            </a:r>
-            <a:r>
-              <a:rPr lang="ko-KR" altLang="en-US" sz="1200"/>
-              <a:t>명령 줄 인터페이스</a:t>
-            </a:r>
-          </a:p>
-          <a:p>
-            <a:pPr lvl="0">
-              <a:defRPr/>
-            </a:pPr>
-            <a:endParaRPr lang="en-US" altLang="ko-KR" sz="1200"/>
+            <a:endParaRPr lang="en-US" altLang="ko-KR" sz="1200" dirty="0"/>
           </a:p>
         </p:txBody>
       </p:sp>
@@ -8616,6 +8415,13 @@
               </a:rPr>
               <a:t>OnionShare_GUI</a:t>
             </a:r>
+            <a:r>
+              <a:rPr lang="en-US" altLang="ko-KR" sz="3200" dirty="0">
+                <a:latin typeface="나눔바른고딕OTF Light"/>
+                <a:ea typeface="나눔바른고딕OTF Light"/>
+              </a:rPr>
+              <a:t> - GUI</a:t>
+            </a:r>
             <a:endParaRPr lang="ko-KR" altLang="en-US" sz="3200" dirty="0">
               <a:latin typeface="나눔바른고딕OTF Light"/>
               <a:ea typeface="나눔바른고딕OTF Light"/>
@@ -8996,7 +8802,7 @@
         <p:spPr>
           <a:xfrm>
             <a:off x="1313270" y="2555612"/>
-            <a:ext cx="1199341" cy="359787"/>
+            <a:ext cx="1204176" cy="369332"/>
           </a:xfrm>
           <a:prstGeom prst="rect">
             <a:avLst/>
@@ -9013,7 +8819,11 @@
               <a:defRPr/>
             </a:pPr>
             <a:r>
-              <a:rPr lang="en-US" altLang="ko-KR" dirty="0"/>
+              <a:rPr lang="en-US" altLang="ko-KR" dirty="0">
+                <a:solidFill>
+                  <a:srgbClr val="FF0000"/>
+                </a:solidFill>
+              </a:rPr>
               <a:t>__init__.py</a:t>
             </a:r>
           </a:p>
@@ -9680,10 +9490,17 @@
               <a:defRPr/>
             </a:pPr>
             <a:r>
+              <a:rPr lang="en-US" altLang="ko-KR" sz="3200" dirty="0"/>
+              <a:t>__</a:t>
+            </a:r>
+            <a:r>
               <a:rPr lang="en-US" altLang="ko-KR" sz="3200" dirty="0" err="1"/>
-              <a:t>OnionShare_GUI</a:t>
-            </a:r>
-            <a:endParaRPr lang="en-US" altLang="ko-KR" sz="3200" dirty="0"/>
+              <a:t>init</a:t>
+            </a:r>
+            <a:r>
+              <a:rPr lang="en-US" altLang="ko-KR" sz="3200" dirty="0"/>
+              <a:t>__</a:t>
+            </a:r>
           </a:p>
         </p:txBody>
       </p:sp>
@@ -9709,6 +9526,439 @@
 </file>
 
 <file path=ppt/slides/slide13.xml><?xml version="1.0" encoding="utf-8"?>
+<p:sld xmlns:a="http://schemas.openxmlformats.org/drawingml/2006/main" xmlns:r="http://schemas.openxmlformats.org/officeDocument/2006/relationships" xmlns:p="http://schemas.openxmlformats.org/presentationml/2006/main">
+  <p:cSld>
+    <p:spTree>
+      <p:nvGrpSpPr>
+        <p:cNvPr id="1" name=""/>
+        <p:cNvGrpSpPr/>
+        <p:nvPr/>
+      </p:nvGrpSpPr>
+      <p:grpSpPr>
+        <a:xfrm>
+          <a:off x="0" y="0"/>
+          <a:ext cx="0" cy="0"/>
+          <a:chOff x="0" y="0"/>
+          <a:chExt cx="0" cy="0"/>
+        </a:xfrm>
+      </p:grpSpPr>
+      <p:sp>
+        <p:nvSpPr>
+          <p:cNvPr id="33" name="타원 32"/>
+          <p:cNvSpPr/>
+          <p:nvPr/>
+        </p:nvSpPr>
+        <p:spPr>
+          <a:xfrm>
+            <a:off x="4067944" y="74100"/>
+            <a:ext cx="936104" cy="936104"/>
+          </a:xfrm>
+          <a:prstGeom prst="ellipse">
+            <a:avLst/>
+          </a:prstGeom>
+          <a:solidFill>
+            <a:schemeClr val="tx1"/>
+          </a:solidFill>
+          <a:ln>
+            <a:noFill/>
+          </a:ln>
+        </p:spPr>
+        <p:style>
+          <a:lnRef idx="2">
+            <a:schemeClr val="accent1">
+              <a:shade val="50000"/>
+            </a:schemeClr>
+          </a:lnRef>
+          <a:fillRef idx="1">
+            <a:schemeClr val="accent1"/>
+          </a:fillRef>
+          <a:effectRef idx="0">
+            <a:schemeClr val="accent1"/>
+          </a:effectRef>
+          <a:fontRef idx="minor">
+            <a:schemeClr val="lt1"/>
+          </a:fontRef>
+        </p:style>
+        <p:txBody>
+          <a:bodyPr anchor="ctr"/>
+          <a:lstStyle/>
+          <a:p>
+            <a:pPr algn="ctr">
+              <a:defRPr/>
+            </a:pPr>
+            <a:endParaRPr lang="ko-KR" altLang="en-US"/>
+          </a:p>
+        </p:txBody>
+      </p:sp>
+      <p:sp>
+        <p:nvSpPr>
+          <p:cNvPr id="34" name="TextBox 33"/>
+          <p:cNvSpPr txBox="1"/>
+          <p:nvPr/>
+        </p:nvSpPr>
+        <p:spPr>
+          <a:xfrm>
+            <a:off x="3995936" y="479095"/>
+            <a:ext cx="1080120" cy="461665"/>
+          </a:xfrm>
+          <a:prstGeom prst="rect">
+            <a:avLst/>
+          </a:prstGeom>
+          <a:noFill/>
+        </p:spPr>
+        <p:txBody>
+          <a:bodyPr wrap="square">
+            <a:spAutoFit/>
+          </a:bodyPr>
+          <a:lstStyle/>
+          <a:p>
+            <a:pPr algn="ctr">
+              <a:defRPr/>
+            </a:pPr>
+            <a:r>
+              <a:rPr lang="en-US" altLang="ko-KR" sz="2400">
+                <a:solidFill>
+                  <a:schemeClr val="bg1"/>
+                </a:solidFill>
+                <a:latin typeface="HY헤드라인M"/>
+                <a:ea typeface="HY헤드라인M"/>
+              </a:rPr>
+              <a:t>02</a:t>
+            </a:r>
+          </a:p>
+        </p:txBody>
+      </p:sp>
+      <p:sp>
+        <p:nvSpPr>
+          <p:cNvPr id="19" name="TextBox 18"/>
+          <p:cNvSpPr txBox="1"/>
+          <p:nvPr/>
+        </p:nvSpPr>
+        <p:spPr>
+          <a:xfrm>
+            <a:off x="461665" y="1556792"/>
+            <a:ext cx="8220670" cy="3373168"/>
+          </a:xfrm>
+          <a:prstGeom prst="rect">
+            <a:avLst/>
+          </a:prstGeom>
+          <a:noFill/>
+        </p:spPr>
+        <p:txBody>
+          <a:bodyPr vert="horz" wrap="square" lIns="91440" tIns="45720" rIns="91440" bIns="45720" anchor="t">
+            <a:spAutoFit/>
+          </a:bodyPr>
+          <a:lstStyle/>
+          <a:p>
+            <a:pPr marL="342900" lvl="0" indent="-342900">
+              <a:lnSpc>
+                <a:spcPct val="175000"/>
+              </a:lnSpc>
+              <a:buAutoNum type="arabicPeriod"/>
+              <a:defRPr/>
+            </a:pPr>
+            <a:r>
+              <a:rPr lang="ko-KR" altLang="en-US" b="1" dirty="0">
+                <a:solidFill>
+                  <a:schemeClr val="tx1"/>
+                </a:solidFill>
+                <a:latin typeface="나눔바른고딕OTF Light"/>
+                <a:ea typeface="나눔바른고딕OTF Light"/>
+              </a:rPr>
+              <a:t>총 </a:t>
+            </a:r>
+            <a:r>
+              <a:rPr lang="ko-KR" altLang="en-US" b="1" dirty="0" err="1">
+                <a:solidFill>
+                  <a:schemeClr val="tx1"/>
+                </a:solidFill>
+                <a:latin typeface="나눔바른고딕OTF Light"/>
+                <a:ea typeface="나눔바른고딕OTF Light"/>
+              </a:rPr>
+              <a:t>괄</a:t>
+            </a:r>
+            <a:endParaRPr lang="en-US" altLang="ko-KR" b="1" dirty="0">
+              <a:latin typeface="나눔바른고딕OTF Light"/>
+              <a:ea typeface="나눔바른고딕OTF Light"/>
+            </a:endParaRPr>
+          </a:p>
+          <a:p>
+            <a:pPr>
+              <a:lnSpc>
+                <a:spcPct val="175000"/>
+              </a:lnSpc>
+              <a:defRPr/>
+            </a:pPr>
+            <a:r>
+              <a:rPr lang="en-US" altLang="ko-KR" b="1" dirty="0">
+                <a:latin typeface="나눔바른고딕OTF Light"/>
+                <a:ea typeface="나눔바른고딕OTF Light"/>
+              </a:rPr>
+              <a:t>  </a:t>
+            </a:r>
+            <a:r>
+              <a:rPr lang="en-US" altLang="ko-KR" b="1" dirty="0">
+                <a:solidFill>
+                  <a:schemeClr val="tx1"/>
+                </a:solidFill>
+                <a:latin typeface="나눔바른고딕OTF Light"/>
+                <a:ea typeface="나눔바른고딕OTF Light"/>
+              </a:rPr>
+              <a:t>-</a:t>
+            </a:r>
+            <a:r>
+              <a:rPr lang="en-US" altLang="ko-KR" dirty="0" err="1"/>
+              <a:t>OnionShareGui</a:t>
+            </a:r>
+            <a:r>
+              <a:rPr lang="ko-KR" altLang="ko-KR" dirty="0"/>
+              <a:t>는 </a:t>
+            </a:r>
+            <a:r>
+              <a:rPr lang="en-US" altLang="ko-KR" dirty="0"/>
+              <a:t>GUI</a:t>
+            </a:r>
+            <a:r>
+              <a:rPr lang="ko-KR" altLang="ko-KR" dirty="0"/>
+              <a:t>의 기본 창이며 </a:t>
+            </a:r>
+            <a:r>
+              <a:rPr lang="en-US" altLang="ko-KR" dirty="0"/>
+              <a:t>GUI </a:t>
+            </a:r>
+            <a:r>
+              <a:rPr lang="ko-KR" altLang="ko-KR" dirty="0"/>
+              <a:t>요소를 포함합니다</a:t>
+            </a:r>
+            <a:r>
+              <a:rPr lang="en-US" altLang="ko-KR" dirty="0"/>
+              <a:t>.</a:t>
+            </a:r>
+            <a:endParaRPr lang="en-US" altLang="ko-KR" b="1" dirty="0">
+              <a:solidFill>
+                <a:schemeClr val="tx1"/>
+              </a:solidFill>
+              <a:latin typeface="나눔바른고딕OTF Light"/>
+              <a:ea typeface="나눔바른고딕OTF Light"/>
+            </a:endParaRPr>
+          </a:p>
+          <a:p>
+            <a:pPr lvl="0">
+              <a:lnSpc>
+                <a:spcPct val="175000"/>
+              </a:lnSpc>
+              <a:defRPr/>
+            </a:pPr>
+            <a:r>
+              <a:rPr lang="en-US" altLang="ko-KR" b="1" dirty="0">
+                <a:solidFill>
+                  <a:schemeClr val="tx1"/>
+                </a:solidFill>
+                <a:latin typeface="나눔바른고딕OTF Light"/>
+                <a:ea typeface="나눔바른고딕OTF Light"/>
+              </a:rPr>
+              <a:t>2.  </a:t>
+            </a:r>
+            <a:r>
+              <a:rPr lang="ko-KR" altLang="en-US" b="1" dirty="0">
+                <a:solidFill>
+                  <a:schemeClr val="tx1"/>
+                </a:solidFill>
+                <a:latin typeface="나눔바른고딕OTF Light"/>
+                <a:ea typeface="나눔바른고딕OTF Light"/>
+              </a:rPr>
+              <a:t> 대략적인 기능</a:t>
+            </a:r>
+          </a:p>
+          <a:p>
+            <a:pPr marL="742950" lvl="1" indent="-285750">
+              <a:lnSpc>
+                <a:spcPct val="135000"/>
+              </a:lnSpc>
+              <a:buFontTx/>
+              <a:buChar char="★"/>
+              <a:defRPr/>
+            </a:pPr>
+            <a:r>
+              <a:rPr lang="ko-KR" altLang="en-US" spc="-150" dirty="0">
+                <a:solidFill>
+                  <a:srgbClr val="FF0000"/>
+                </a:solidFill>
+                <a:latin typeface="나눔바른고딕OTF Light"/>
+                <a:ea typeface="나눔바른고딕OTF Light"/>
+              </a:rPr>
+              <a:t>현재 모드에 기반하여</a:t>
+            </a:r>
+            <a:r>
+              <a:rPr lang="en-US" altLang="ko-KR" spc="-150" dirty="0">
+                <a:solidFill>
+                  <a:srgbClr val="FF0000"/>
+                </a:solidFill>
+                <a:latin typeface="나눔바른고딕OTF Light"/>
+                <a:ea typeface="나눔바른고딕OTF Light"/>
+              </a:rPr>
+              <a:t>, </a:t>
+            </a:r>
+            <a:r>
+              <a:rPr lang="ko-KR" altLang="en-US" spc="-150" dirty="0">
+                <a:solidFill>
+                  <a:srgbClr val="FF0000"/>
+                </a:solidFill>
+                <a:latin typeface="나눔바른고딕OTF Light"/>
+                <a:ea typeface="나눔바른고딕OTF Light"/>
+              </a:rPr>
+              <a:t>모드 전환기 버튼 스타일을 바꾸고</a:t>
+            </a:r>
+            <a:r>
+              <a:rPr lang="en-US" altLang="ko-KR" spc="-150" dirty="0">
+                <a:solidFill>
+                  <a:srgbClr val="FF0000"/>
+                </a:solidFill>
+                <a:latin typeface="나눔바른고딕OTF Light"/>
+                <a:ea typeface="나눔바른고딕OTF Light"/>
+              </a:rPr>
+              <a:t>, </a:t>
+            </a:r>
+            <a:r>
+              <a:rPr lang="ko-KR" altLang="en-US" spc="-150" dirty="0">
+                <a:solidFill>
+                  <a:srgbClr val="FF0000"/>
+                </a:solidFill>
+                <a:latin typeface="나눔바른고딕OTF Light"/>
+                <a:ea typeface="나눔바른고딕OTF Light"/>
+              </a:rPr>
+              <a:t>위젯을 표시하거나 숨깁니다</a:t>
+            </a:r>
+            <a:r>
+              <a:rPr lang="en-US" altLang="ko-KR" spc="-150" dirty="0">
+                <a:solidFill>
+                  <a:srgbClr val="FF0000"/>
+                </a:solidFill>
+                <a:latin typeface="나눔바른고딕OTF Light"/>
+                <a:ea typeface="나눔바른고딕OTF Light"/>
+              </a:rPr>
+              <a:t>.</a:t>
+            </a:r>
+          </a:p>
+          <a:p>
+            <a:pPr marL="742950" lvl="1" indent="-285750">
+              <a:lnSpc>
+                <a:spcPct val="135000"/>
+              </a:lnSpc>
+              <a:buFontTx/>
+              <a:buChar char="★"/>
+              <a:defRPr/>
+            </a:pPr>
+            <a:r>
+              <a:rPr lang="ko-KR" altLang="en-US" spc="-150" dirty="0">
+                <a:latin typeface="나눔바른고딕OTF Light"/>
+                <a:ea typeface="나눔바른고딕OTF Light"/>
+              </a:rPr>
+              <a:t>모드가 무엇인지 확인하고 전환시켜줍니다</a:t>
+            </a:r>
+            <a:r>
+              <a:rPr lang="en-US" altLang="ko-KR" spc="-150" dirty="0">
+                <a:latin typeface="나눔바른고딕OTF Light"/>
+                <a:ea typeface="나눔바른고딕OTF Light"/>
+              </a:rPr>
+              <a:t>.</a:t>
+            </a:r>
+          </a:p>
+          <a:p>
+            <a:pPr marL="742950" lvl="1" indent="-285750">
+              <a:lnSpc>
+                <a:spcPct val="135000"/>
+              </a:lnSpc>
+              <a:buFontTx/>
+              <a:buChar char="★"/>
+              <a:defRPr/>
+            </a:pPr>
+            <a:r>
+              <a:rPr lang="ko-KR" altLang="en-US" spc="-150" dirty="0">
+                <a:latin typeface="나눔바른고딕OTF Light"/>
+                <a:ea typeface="나눔바른고딕OTF Light"/>
+              </a:rPr>
+              <a:t>모드의 상태에 따라 이미지를 변환시켜줍니다</a:t>
+            </a:r>
+            <a:r>
+              <a:rPr lang="en-US" altLang="ko-KR" spc="-150" dirty="0">
+                <a:latin typeface="나눔바른고딕OTF Light"/>
+                <a:ea typeface="나눔바른고딕OTF Light"/>
+              </a:rPr>
+              <a:t>.</a:t>
+            </a:r>
+          </a:p>
+          <a:p>
+            <a:pPr marL="742950" lvl="1" indent="-285750">
+              <a:lnSpc>
+                <a:spcPct val="135000"/>
+              </a:lnSpc>
+              <a:buFontTx/>
+              <a:buChar char="★"/>
+              <a:defRPr/>
+            </a:pPr>
+            <a:endParaRPr lang="en-US" altLang="ko-KR" spc="-150" dirty="0">
+              <a:latin typeface="나눔바른고딕OTF Light"/>
+              <a:ea typeface="나눔바른고딕OTF Light"/>
+            </a:endParaRPr>
+          </a:p>
+        </p:txBody>
+      </p:sp>
+      <p:sp>
+        <p:nvSpPr>
+          <p:cNvPr id="20" name="TextBox 19"/>
+          <p:cNvSpPr txBox="1"/>
+          <p:nvPr/>
+        </p:nvSpPr>
+        <p:spPr>
+          <a:xfrm>
+            <a:off x="427434" y="836712"/>
+            <a:ext cx="7600950" cy="584775"/>
+          </a:xfrm>
+          <a:prstGeom prst="rect">
+            <a:avLst/>
+          </a:prstGeom>
+          <a:noFill/>
+        </p:spPr>
+        <p:txBody>
+          <a:bodyPr wrap="square">
+            <a:spAutoFit/>
+          </a:bodyPr>
+          <a:lstStyle/>
+          <a:p>
+            <a:pPr lvl="0">
+              <a:defRPr/>
+            </a:pPr>
+            <a:r>
+              <a:rPr lang="en-US" altLang="ko-KR" sz="3200" dirty="0" err="1"/>
+              <a:t>OnionShare_GUI</a:t>
+            </a:r>
+            <a:endParaRPr lang="en-US" altLang="ko-KR" sz="3200" dirty="0"/>
+          </a:p>
+        </p:txBody>
+      </p:sp>
+    </p:spTree>
+    <p:extLst>
+      <p:ext uri="{BB962C8B-B14F-4D97-AF65-F5344CB8AC3E}">
+        <p14:creationId xmlns:p14="http://schemas.microsoft.com/office/powerpoint/2010/main" val="3460618837"/>
+      </p:ext>
+    </p:extLst>
+  </p:cSld>
+  <p:clrMapOvr>
+    <a:masterClrMapping/>
+  </p:clrMapOvr>
+  <mc:AlternateContent xmlns:mc="http://schemas.openxmlformats.org/markup-compatibility/2006" xmlns:p14="http://schemas.microsoft.com/office/powerpoint/2010/main">
+    <mc:Choice Requires="p14">
+      <p:transition/>
+    </mc:Choice>
+    <mc:Fallback xmlns="" xmlns:c="http://schemas.openxmlformats.org/drawingml/2006/chart" xmlns:dgm="http://schemas.openxmlformats.org/drawingml/2006/diagram" xmlns:dsp="http://schemas.microsoft.com/office/drawing/2008/diagram">
+      <p:transition/>
+    </mc:Fallback>
+  </mc:AlternateContent>
+</p:sld>
+</file>
+
+<file path=ppt/slides/slide14.xml><?xml version="1.0" encoding="utf-8"?>
 <p:sld xmlns:a="http://schemas.openxmlformats.org/drawingml/2006/main" xmlns:r="http://schemas.openxmlformats.org/officeDocument/2006/relationships" xmlns:p="http://schemas.openxmlformats.org/presentationml/2006/main">
   <p:cSld>
     <p:spTree>
@@ -10583,7 +10833,11 @@
                 <a:defRPr/>
               </a:pPr>
               <a:r>
-                <a:rPr lang="en-US" altLang="ko-KR" dirty="0"/>
+                <a:rPr lang="en-US" altLang="ko-KR" dirty="0">
+                  <a:solidFill>
+                    <a:srgbClr val="FF0000"/>
+                  </a:solidFill>
+                </a:rPr>
                 <a:t>__init__.py</a:t>
               </a:r>
             </a:p>
@@ -10720,7 +10974,11 @@
               <a:defRPr/>
             </a:pPr>
             <a:r>
-              <a:rPr lang="en-US" altLang="ko-KR" dirty="0"/>
+              <a:rPr lang="en-US" altLang="ko-KR" dirty="0">
+                <a:solidFill>
+                  <a:srgbClr val="FF0000"/>
+                </a:solidFill>
+              </a:rPr>
               <a:t>__init__.py</a:t>
             </a:r>
           </a:p>
@@ -10788,7 +11046,11 @@
               <a:defRPr/>
             </a:pPr>
             <a:r>
-              <a:rPr lang="en-US" altLang="ko-KR" dirty="0"/>
+              <a:rPr lang="en-US" altLang="ko-KR" dirty="0">
+                <a:solidFill>
+                  <a:srgbClr val="FF0000"/>
+                </a:solidFill>
+              </a:rPr>
               <a:t>__init__.py</a:t>
             </a:r>
           </a:p>
@@ -11146,504 +11408,6 @@
     <p:extLst>
       <p:ext uri="{BB962C8B-B14F-4D97-AF65-F5344CB8AC3E}">
         <p14:creationId xmlns:p14="http://schemas.microsoft.com/office/powerpoint/2010/main" val="1673340863"/>
-      </p:ext>
-    </p:extLst>
-  </p:cSld>
-  <p:clrMapOvr>
-    <a:masterClrMapping/>
-  </p:clrMapOvr>
-  <mc:AlternateContent xmlns:mc="http://schemas.openxmlformats.org/markup-compatibility/2006" xmlns:p14="http://schemas.microsoft.com/office/powerpoint/2010/main">
-    <mc:Choice Requires="p14">
-      <p:transition/>
-    </mc:Choice>
-    <mc:Fallback xmlns="" xmlns:c="http://schemas.openxmlformats.org/drawingml/2006/chart" xmlns:dgm="http://schemas.openxmlformats.org/drawingml/2006/diagram" xmlns:dsp="http://schemas.microsoft.com/office/drawing/2008/diagram">
-      <p:transition/>
-    </mc:Fallback>
-  </mc:AlternateContent>
-</p:sld>
-</file>
-
-<file path=ppt/slides/slide14.xml><?xml version="1.0" encoding="utf-8"?>
-<p:sld xmlns:a="http://schemas.openxmlformats.org/drawingml/2006/main" xmlns:r="http://schemas.openxmlformats.org/officeDocument/2006/relationships" xmlns:p="http://schemas.openxmlformats.org/presentationml/2006/main">
-  <p:cSld>
-    <p:spTree>
-      <p:nvGrpSpPr>
-        <p:cNvPr id="1" name=""/>
-        <p:cNvGrpSpPr/>
-        <p:nvPr/>
-      </p:nvGrpSpPr>
-      <p:grpSpPr>
-        <a:xfrm>
-          <a:off x="0" y="0"/>
-          <a:ext cx="0" cy="0"/>
-          <a:chOff x="0" y="0"/>
-          <a:chExt cx="0" cy="0"/>
-        </a:xfrm>
-      </p:grpSpPr>
-      <p:sp>
-        <p:nvSpPr>
-          <p:cNvPr id="33" name="타원 32"/>
-          <p:cNvSpPr/>
-          <p:nvPr/>
-        </p:nvSpPr>
-        <p:spPr>
-          <a:xfrm>
-            <a:off x="4067944" y="74100"/>
-            <a:ext cx="936104" cy="936104"/>
-          </a:xfrm>
-          <a:prstGeom prst="ellipse">
-            <a:avLst/>
-          </a:prstGeom>
-          <a:solidFill>
-            <a:schemeClr val="tx1"/>
-          </a:solidFill>
-          <a:ln>
-            <a:noFill/>
-          </a:ln>
-        </p:spPr>
-        <p:style>
-          <a:lnRef idx="2">
-            <a:schemeClr val="accent1">
-              <a:shade val="50000"/>
-            </a:schemeClr>
-          </a:lnRef>
-          <a:fillRef idx="1">
-            <a:schemeClr val="accent1"/>
-          </a:fillRef>
-          <a:effectRef idx="0">
-            <a:schemeClr val="accent1"/>
-          </a:effectRef>
-          <a:fontRef idx="minor">
-            <a:schemeClr val="lt1"/>
-          </a:fontRef>
-        </p:style>
-        <p:txBody>
-          <a:bodyPr anchor="ctr"/>
-          <a:lstStyle/>
-          <a:p>
-            <a:pPr algn="ctr">
-              <a:defRPr/>
-            </a:pPr>
-            <a:endParaRPr lang="ko-KR" altLang="en-US"/>
-          </a:p>
-        </p:txBody>
-      </p:sp>
-      <p:sp>
-        <p:nvSpPr>
-          <p:cNvPr id="34" name="TextBox 33"/>
-          <p:cNvSpPr txBox="1"/>
-          <p:nvPr/>
-        </p:nvSpPr>
-        <p:spPr>
-          <a:xfrm>
-            <a:off x="3995936" y="479095"/>
-            <a:ext cx="1080120" cy="461665"/>
-          </a:xfrm>
-          <a:prstGeom prst="rect">
-            <a:avLst/>
-          </a:prstGeom>
-          <a:noFill/>
-        </p:spPr>
-        <p:txBody>
-          <a:bodyPr wrap="square">
-            <a:spAutoFit/>
-          </a:bodyPr>
-          <a:lstStyle/>
-          <a:p>
-            <a:pPr algn="ctr">
-              <a:defRPr/>
-            </a:pPr>
-            <a:r>
-              <a:rPr lang="en-US" altLang="ko-KR" sz="2400">
-                <a:solidFill>
-                  <a:schemeClr val="bg1"/>
-                </a:solidFill>
-                <a:latin typeface="HY헤드라인M"/>
-                <a:ea typeface="HY헤드라인M"/>
-              </a:rPr>
-              <a:t>02</a:t>
-            </a:r>
-          </a:p>
-        </p:txBody>
-      </p:sp>
-      <p:sp>
-        <p:nvSpPr>
-          <p:cNvPr id="19" name="TextBox 18"/>
-          <p:cNvSpPr txBox="1"/>
-          <p:nvPr/>
-        </p:nvSpPr>
-        <p:spPr>
-          <a:xfrm>
-            <a:off x="461665" y="1556792"/>
-            <a:ext cx="8220670" cy="3373168"/>
-          </a:xfrm>
-          <a:prstGeom prst="rect">
-            <a:avLst/>
-          </a:prstGeom>
-          <a:noFill/>
-        </p:spPr>
-        <p:txBody>
-          <a:bodyPr vert="horz" wrap="square" lIns="91440" tIns="45720" rIns="91440" bIns="45720" anchor="t">
-            <a:spAutoFit/>
-          </a:bodyPr>
-          <a:lstStyle/>
-          <a:p>
-            <a:pPr marL="342900" lvl="0" indent="-342900">
-              <a:lnSpc>
-                <a:spcPct val="175000"/>
-              </a:lnSpc>
-              <a:buAutoNum type="arabicPeriod"/>
-              <a:defRPr/>
-            </a:pPr>
-            <a:r>
-              <a:rPr lang="ko-KR" altLang="en-US" b="1" dirty="0">
-                <a:solidFill>
-                  <a:schemeClr val="tx1"/>
-                </a:solidFill>
-                <a:latin typeface="나눔바른고딕OTF Light"/>
-                <a:ea typeface="나눔바른고딕OTF Light"/>
-              </a:rPr>
-              <a:t>총 </a:t>
-            </a:r>
-            <a:r>
-              <a:rPr lang="ko-KR" altLang="en-US" b="1" dirty="0" err="1">
-                <a:solidFill>
-                  <a:schemeClr val="tx1"/>
-                </a:solidFill>
-                <a:latin typeface="나눔바른고딕OTF Light"/>
-                <a:ea typeface="나눔바른고딕OTF Light"/>
-              </a:rPr>
-              <a:t>괄</a:t>
-            </a:r>
-            <a:endParaRPr lang="en-US" altLang="ko-KR" b="1" dirty="0">
-              <a:latin typeface="나눔바른고딕OTF Light"/>
-              <a:ea typeface="나눔바른고딕OTF Light"/>
-            </a:endParaRPr>
-          </a:p>
-          <a:p>
-            <a:pPr lvl="1">
-              <a:lnSpc>
-                <a:spcPct val="175000"/>
-              </a:lnSpc>
-              <a:defRPr/>
-            </a:pPr>
-            <a:r>
-              <a:rPr lang="en-US" altLang="ko-KR" dirty="0" err="1"/>
-              <a:t>OnionShare</a:t>
-            </a:r>
-            <a:r>
-              <a:rPr lang="ko-KR" altLang="en-US" dirty="0"/>
-              <a:t>에 두가지 기능</a:t>
-            </a:r>
-            <a:r>
-              <a:rPr lang="en-US" altLang="ko-KR" dirty="0"/>
-              <a:t>(share, receive)</a:t>
-            </a:r>
-            <a:r>
-              <a:rPr lang="ko-KR" altLang="en-US" dirty="0"/>
-              <a:t>을 구현합니다</a:t>
-            </a:r>
-            <a:r>
-              <a:rPr lang="en-US" altLang="ko-KR" dirty="0"/>
-              <a:t>.</a:t>
-            </a:r>
-            <a:endParaRPr lang="ko-KR" altLang="ko-KR" dirty="0"/>
-          </a:p>
-          <a:p>
-            <a:pPr lvl="0">
-              <a:lnSpc>
-                <a:spcPct val="175000"/>
-              </a:lnSpc>
-              <a:defRPr/>
-            </a:pPr>
-            <a:r>
-              <a:rPr lang="en-US" altLang="ko-KR" b="1" dirty="0">
-                <a:solidFill>
-                  <a:schemeClr val="tx1"/>
-                </a:solidFill>
-                <a:latin typeface="나눔바른고딕OTF Light"/>
-                <a:ea typeface="나눔바른고딕OTF Light"/>
-              </a:rPr>
-              <a:t>2.</a:t>
-            </a:r>
-            <a:r>
-              <a:rPr lang="ko-KR" altLang="en-US" b="1" dirty="0">
-                <a:solidFill>
-                  <a:schemeClr val="tx1"/>
-                </a:solidFill>
-                <a:latin typeface="나눔바른고딕OTF Light"/>
-                <a:ea typeface="나눔바른고딕OTF Light"/>
-              </a:rPr>
-              <a:t> 대략적인 기능</a:t>
-            </a:r>
-          </a:p>
-          <a:p>
-            <a:pPr marL="742950" lvl="1" indent="-285750">
-              <a:lnSpc>
-                <a:spcPct val="135000"/>
-              </a:lnSpc>
-              <a:buFontTx/>
-              <a:buChar char="★"/>
-              <a:defRPr/>
-            </a:pPr>
-            <a:r>
-              <a:rPr lang="en-US" altLang="ko-KR" spc="-150" dirty="0" err="1">
-                <a:latin typeface="나눔바른고딕OTF Light"/>
-                <a:ea typeface="나눔바른고딕OTF Light"/>
-              </a:rPr>
-              <a:t>Onionshare</a:t>
-            </a:r>
-            <a:r>
-              <a:rPr lang="ko-KR" altLang="en-US" spc="-150" dirty="0">
-                <a:latin typeface="나눔바른고딕OTF Light"/>
-                <a:ea typeface="나눔바른고딕OTF Light"/>
-              </a:rPr>
-              <a:t>를 사용 하기위해 서버를 키는 작업을 합니다</a:t>
-            </a:r>
-            <a:r>
-              <a:rPr lang="en-US" altLang="ko-KR" spc="-150" dirty="0">
-                <a:latin typeface="나눔바른고딕OTF Light"/>
-                <a:ea typeface="나눔바른고딕OTF Light"/>
-              </a:rPr>
-              <a:t>(3</a:t>
-            </a:r>
-            <a:r>
-              <a:rPr lang="ko-KR" altLang="en-US" spc="-150" dirty="0">
-                <a:latin typeface="나눔바른고딕OTF Light"/>
-                <a:ea typeface="나눔바른고딕OTF Light"/>
-              </a:rPr>
-              <a:t>단계</a:t>
-            </a:r>
-            <a:r>
-              <a:rPr lang="en-US" altLang="ko-KR" spc="-150" dirty="0">
-                <a:latin typeface="나눔바른고딕OTF Light"/>
-                <a:ea typeface="나눔바른고딕OTF Light"/>
-              </a:rPr>
-              <a:t>)</a:t>
-            </a:r>
-          </a:p>
-          <a:p>
-            <a:pPr marL="742950" lvl="1" indent="-285750">
-              <a:lnSpc>
-                <a:spcPct val="135000"/>
-              </a:lnSpc>
-              <a:buFontTx/>
-              <a:buChar char="★"/>
-              <a:defRPr/>
-            </a:pPr>
-            <a:r>
-              <a:rPr lang="en-US" altLang="ko-KR" spc="-150" dirty="0">
-                <a:latin typeface="나눔바른고딕OTF Light"/>
-                <a:ea typeface="나눔바른고딕OTF Light"/>
-              </a:rPr>
-              <a:t>Share mode</a:t>
-            </a:r>
-            <a:r>
-              <a:rPr lang="ko-KR" altLang="en-US" spc="-150" dirty="0">
-                <a:latin typeface="나눔바른고딕OTF Light"/>
-                <a:ea typeface="나눔바른고딕OTF Light"/>
-              </a:rPr>
-              <a:t>의 </a:t>
-            </a:r>
-            <a:r>
-              <a:rPr lang="en-US" altLang="ko-KR" spc="-150" dirty="0">
-                <a:latin typeface="나눔바른고딕OTF Light"/>
-                <a:ea typeface="나눔바른고딕OTF Light"/>
-              </a:rPr>
-              <a:t>GUI</a:t>
-            </a:r>
-            <a:r>
-              <a:rPr lang="ko-KR" altLang="en-US" spc="-150" dirty="0">
-                <a:latin typeface="나눔바른고딕OTF Light"/>
-                <a:ea typeface="나눔바른고딕OTF Light"/>
-              </a:rPr>
-              <a:t>를 만들어줍니다</a:t>
-            </a:r>
-            <a:r>
-              <a:rPr lang="en-US" altLang="ko-KR" spc="-150" dirty="0">
-                <a:latin typeface="나눔바른고딕OTF Light"/>
-                <a:ea typeface="나눔바른고딕OTF Light"/>
-              </a:rPr>
-              <a:t>.</a:t>
-            </a:r>
-          </a:p>
-          <a:p>
-            <a:pPr marL="742950" lvl="1" indent="-285750">
-              <a:lnSpc>
-                <a:spcPct val="135000"/>
-              </a:lnSpc>
-              <a:buFontTx/>
-              <a:buChar char="★"/>
-              <a:defRPr/>
-            </a:pPr>
-            <a:r>
-              <a:rPr lang="en-US" altLang="ko-KR" spc="-150" dirty="0">
-                <a:latin typeface="나눔바른고딕OTF Light"/>
-                <a:ea typeface="나눔바른고딕OTF Light"/>
-              </a:rPr>
-              <a:t>Receive mode</a:t>
-            </a:r>
-            <a:r>
-              <a:rPr lang="ko-KR" altLang="en-US" spc="-150" dirty="0">
-                <a:latin typeface="나눔바른고딕OTF Light"/>
-                <a:ea typeface="나눔바른고딕OTF Light"/>
-              </a:rPr>
-              <a:t>의 </a:t>
-            </a:r>
-            <a:r>
-              <a:rPr lang="en-US" altLang="ko-KR" spc="-150" dirty="0">
-                <a:latin typeface="나눔바른고딕OTF Light"/>
-                <a:ea typeface="나눔바른고딕OTF Light"/>
-              </a:rPr>
-              <a:t>GUI</a:t>
-            </a:r>
-            <a:r>
-              <a:rPr lang="ko-KR" altLang="en-US" spc="-150" dirty="0">
-                <a:latin typeface="나눔바른고딕OTF Light"/>
-                <a:ea typeface="나눔바른고딕OTF Light"/>
-              </a:rPr>
-              <a:t>를 만들어줍니다</a:t>
-            </a:r>
-            <a:r>
-              <a:rPr lang="en-US" altLang="ko-KR" spc="-150" dirty="0">
-                <a:latin typeface="나눔바른고딕OTF Light"/>
-                <a:ea typeface="나눔바른고딕OTF Light"/>
-              </a:rPr>
-              <a:t>.</a:t>
-            </a:r>
-          </a:p>
-          <a:p>
-            <a:pPr marL="742950" lvl="1" indent="-285750">
-              <a:lnSpc>
-                <a:spcPct val="135000"/>
-              </a:lnSpc>
-              <a:buFontTx/>
-              <a:buChar char="★"/>
-              <a:defRPr/>
-            </a:pPr>
-            <a:r>
-              <a:rPr lang="ko-KR" altLang="en-US" spc="-150" dirty="0">
-                <a:latin typeface="나눔바른고딕OTF Light"/>
-                <a:ea typeface="나눔바른고딕OTF Light"/>
-              </a:rPr>
-              <a:t>모든 서버 </a:t>
-            </a:r>
-            <a:r>
-              <a:rPr lang="en-US" altLang="ko-KR" spc="-150" dirty="0">
-                <a:latin typeface="나눔바른고딕OTF Light"/>
-                <a:ea typeface="나눔바른고딕OTF Light"/>
-              </a:rPr>
-              <a:t>history</a:t>
-            </a:r>
-            <a:r>
-              <a:rPr lang="ko-KR" altLang="en-US" spc="-150" dirty="0">
-                <a:latin typeface="나눔바른고딕OTF Light"/>
-                <a:ea typeface="나눔바른고딕OTF Light"/>
-              </a:rPr>
-              <a:t>를 저장하고 관리합니다</a:t>
-            </a:r>
-            <a:r>
-              <a:rPr lang="en-US" altLang="ko-KR" spc="-150" dirty="0">
-                <a:latin typeface="나눔바른고딕OTF Light"/>
-                <a:ea typeface="나눔바른고딕OTF Light"/>
-              </a:rPr>
-              <a:t>.</a:t>
-            </a:r>
-          </a:p>
-          <a:p>
-            <a:pPr marL="742950" lvl="1" indent="-285750">
-              <a:lnSpc>
-                <a:spcPct val="135000"/>
-              </a:lnSpc>
-              <a:buFontTx/>
-              <a:buChar char="★"/>
-              <a:defRPr/>
-            </a:pPr>
-            <a:r>
-              <a:rPr lang="ko-KR" altLang="en-US" spc="-150" dirty="0">
-                <a:latin typeface="나눔바른고딕OTF Light"/>
-                <a:ea typeface="나눔바른고딕OTF Light"/>
-              </a:rPr>
-              <a:t>다운로드 진행 바</a:t>
-            </a:r>
-            <a:r>
-              <a:rPr lang="en-US" altLang="ko-KR" spc="-150" dirty="0">
-                <a:latin typeface="나눔바른고딕OTF Light"/>
-                <a:ea typeface="나눔바른고딕OTF Light"/>
-              </a:rPr>
-              <a:t>, </a:t>
-            </a:r>
-            <a:r>
-              <a:rPr lang="ko-KR" altLang="en-US" spc="-150" dirty="0">
-                <a:latin typeface="나눔바른고딕OTF Light"/>
-                <a:ea typeface="나눔바른고딕OTF Light"/>
-              </a:rPr>
-              <a:t>파일저장</a:t>
-            </a:r>
-            <a:r>
-              <a:rPr lang="en-US" altLang="ko-KR" spc="-150" dirty="0">
-                <a:latin typeface="나눔바른고딕OTF Light"/>
-                <a:ea typeface="나눔바른고딕OTF Light"/>
-              </a:rPr>
-              <a:t>, </a:t>
-            </a:r>
-            <a:r>
-              <a:rPr lang="ko-KR" altLang="en-US" spc="-150" dirty="0">
-                <a:latin typeface="나눔바른고딕OTF Light"/>
-                <a:ea typeface="나눔바른고딕OTF Light"/>
-              </a:rPr>
-              <a:t>업로드 등등 여러가지 기능이 있습니다</a:t>
-            </a:r>
-            <a:r>
-              <a:rPr lang="en-US" altLang="ko-KR" spc="-150" dirty="0">
-                <a:latin typeface="나눔바른고딕OTF Light"/>
-                <a:ea typeface="나눔바른고딕OTF Light"/>
-              </a:rPr>
-              <a:t>.</a:t>
-            </a:r>
-          </a:p>
-        </p:txBody>
-      </p:sp>
-      <p:sp>
-        <p:nvSpPr>
-          <p:cNvPr id="20" name="TextBox 19"/>
-          <p:cNvSpPr txBox="1"/>
-          <p:nvPr/>
-        </p:nvSpPr>
-        <p:spPr>
-          <a:xfrm>
-            <a:off x="427434" y="900009"/>
-            <a:ext cx="7600950" cy="584775"/>
-          </a:xfrm>
-          <a:prstGeom prst="rect">
-            <a:avLst/>
-          </a:prstGeom>
-          <a:noFill/>
-        </p:spPr>
-        <p:txBody>
-          <a:bodyPr wrap="square">
-            <a:spAutoFit/>
-          </a:bodyPr>
-          <a:lstStyle/>
-          <a:p>
-            <a:pPr lvl="0">
-              <a:defRPr/>
-            </a:pPr>
-            <a:r>
-              <a:rPr lang="en-US" altLang="ko-KR" sz="3200" dirty="0" err="1"/>
-              <a:t>OnionShare_GUI</a:t>
-            </a:r>
-            <a:r>
-              <a:rPr lang="en-US" altLang="ko-KR" sz="3200" dirty="0"/>
-              <a:t> - MODE</a:t>
-            </a:r>
-          </a:p>
-        </p:txBody>
-      </p:sp>
-    </p:spTree>
-    <p:extLst>
-      <p:ext uri="{BB962C8B-B14F-4D97-AF65-F5344CB8AC3E}">
-        <p14:creationId xmlns:p14="http://schemas.microsoft.com/office/powerpoint/2010/main" val="1735084781"/>
       </p:ext>
     </p:extLst>
   </p:cSld>
@@ -11766,14 +11530,352 @@
       </p:sp>
       <p:sp>
         <p:nvSpPr>
+          <p:cNvPr id="19" name="TextBox 18"/>
+          <p:cNvSpPr txBox="1"/>
+          <p:nvPr/>
+        </p:nvSpPr>
+        <p:spPr>
+          <a:xfrm>
+            <a:off x="461665" y="1556792"/>
+            <a:ext cx="8220670" cy="3373168"/>
+          </a:xfrm>
+          <a:prstGeom prst="rect">
+            <a:avLst/>
+          </a:prstGeom>
+          <a:noFill/>
+        </p:spPr>
+        <p:txBody>
+          <a:bodyPr vert="horz" wrap="square" lIns="91440" tIns="45720" rIns="91440" bIns="45720" anchor="t">
+            <a:spAutoFit/>
+          </a:bodyPr>
+          <a:lstStyle/>
+          <a:p>
+            <a:pPr marL="342900" lvl="0" indent="-342900">
+              <a:lnSpc>
+                <a:spcPct val="175000"/>
+              </a:lnSpc>
+              <a:buAutoNum type="arabicPeriod"/>
+              <a:defRPr/>
+            </a:pPr>
+            <a:r>
+              <a:rPr lang="ko-KR" altLang="en-US" b="1" dirty="0">
+                <a:solidFill>
+                  <a:schemeClr val="tx1"/>
+                </a:solidFill>
+                <a:latin typeface="나눔바른고딕OTF Light"/>
+                <a:ea typeface="나눔바른고딕OTF Light"/>
+              </a:rPr>
+              <a:t>총 </a:t>
+            </a:r>
+            <a:r>
+              <a:rPr lang="ko-KR" altLang="en-US" b="1" dirty="0" err="1">
+                <a:solidFill>
+                  <a:schemeClr val="tx1"/>
+                </a:solidFill>
+                <a:latin typeface="나눔바른고딕OTF Light"/>
+                <a:ea typeface="나눔바른고딕OTF Light"/>
+              </a:rPr>
+              <a:t>괄</a:t>
+            </a:r>
+            <a:endParaRPr lang="en-US" altLang="ko-KR" b="1" dirty="0">
+              <a:latin typeface="나눔바른고딕OTF Light"/>
+              <a:ea typeface="나눔바른고딕OTF Light"/>
+            </a:endParaRPr>
+          </a:p>
+          <a:p>
+            <a:pPr lvl="1">
+              <a:lnSpc>
+                <a:spcPct val="175000"/>
+              </a:lnSpc>
+              <a:defRPr/>
+            </a:pPr>
+            <a:r>
+              <a:rPr lang="en-US" altLang="ko-KR" dirty="0" err="1"/>
+              <a:t>OnionShare</a:t>
+            </a:r>
+            <a:r>
+              <a:rPr lang="ko-KR" altLang="en-US" dirty="0"/>
+              <a:t>에 두가지 기능</a:t>
+            </a:r>
+            <a:r>
+              <a:rPr lang="en-US" altLang="ko-KR" dirty="0"/>
+              <a:t>(share, receive)</a:t>
+            </a:r>
+            <a:r>
+              <a:rPr lang="ko-KR" altLang="en-US" dirty="0"/>
+              <a:t>을 구현합니다</a:t>
+            </a:r>
+            <a:r>
+              <a:rPr lang="en-US" altLang="ko-KR" dirty="0"/>
+              <a:t>.</a:t>
+            </a:r>
+            <a:endParaRPr lang="ko-KR" altLang="ko-KR" dirty="0"/>
+          </a:p>
+          <a:p>
+            <a:pPr lvl="0">
+              <a:lnSpc>
+                <a:spcPct val="175000"/>
+              </a:lnSpc>
+              <a:defRPr/>
+            </a:pPr>
+            <a:r>
+              <a:rPr lang="en-US" altLang="ko-KR" b="1" dirty="0">
+                <a:solidFill>
+                  <a:schemeClr val="tx1"/>
+                </a:solidFill>
+                <a:latin typeface="나눔바른고딕OTF Light"/>
+                <a:ea typeface="나눔바른고딕OTF Light"/>
+              </a:rPr>
+              <a:t>2.</a:t>
+            </a:r>
+            <a:r>
+              <a:rPr lang="ko-KR" altLang="en-US" b="1" dirty="0">
+                <a:solidFill>
+                  <a:schemeClr val="tx1"/>
+                </a:solidFill>
+                <a:latin typeface="나눔바른고딕OTF Light"/>
+                <a:ea typeface="나눔바른고딕OTF Light"/>
+              </a:rPr>
+              <a:t> 대략적인 기능</a:t>
+            </a:r>
+          </a:p>
+          <a:p>
+            <a:pPr marL="742950" lvl="1" indent="-285750">
+              <a:lnSpc>
+                <a:spcPct val="135000"/>
+              </a:lnSpc>
+              <a:buFontTx/>
+              <a:buChar char="★"/>
+              <a:defRPr/>
+            </a:pPr>
+            <a:r>
+              <a:rPr lang="en-US" altLang="ko-KR" spc="-150" dirty="0" err="1">
+                <a:latin typeface="나눔바른고딕OTF Light"/>
+                <a:ea typeface="나눔바른고딕OTF Light"/>
+              </a:rPr>
+              <a:t>Onionshare</a:t>
+            </a:r>
+            <a:r>
+              <a:rPr lang="ko-KR" altLang="en-US" spc="-150" dirty="0">
+                <a:latin typeface="나눔바른고딕OTF Light"/>
+                <a:ea typeface="나눔바른고딕OTF Light"/>
+              </a:rPr>
+              <a:t>를 사용 하기위해 서버를 키는 작업을 합니다</a:t>
+            </a:r>
+            <a:r>
+              <a:rPr lang="en-US" altLang="ko-KR" spc="-150" dirty="0">
+                <a:latin typeface="나눔바른고딕OTF Light"/>
+                <a:ea typeface="나눔바른고딕OTF Light"/>
+              </a:rPr>
+              <a:t>(3</a:t>
+            </a:r>
+            <a:r>
+              <a:rPr lang="ko-KR" altLang="en-US" spc="-150" dirty="0">
+                <a:latin typeface="나눔바른고딕OTF Light"/>
+                <a:ea typeface="나눔바른고딕OTF Light"/>
+              </a:rPr>
+              <a:t>단계</a:t>
+            </a:r>
+            <a:r>
+              <a:rPr lang="en-US" altLang="ko-KR" spc="-150" dirty="0">
+                <a:latin typeface="나눔바른고딕OTF Light"/>
+                <a:ea typeface="나눔바른고딕OTF Light"/>
+              </a:rPr>
+              <a:t>)</a:t>
+            </a:r>
+          </a:p>
+          <a:p>
+            <a:pPr marL="742950" lvl="1" indent="-285750">
+              <a:lnSpc>
+                <a:spcPct val="135000"/>
+              </a:lnSpc>
+              <a:buFontTx/>
+              <a:buChar char="★"/>
+              <a:defRPr/>
+            </a:pPr>
+            <a:r>
+              <a:rPr lang="en-US" altLang="ko-KR" spc="-150" dirty="0">
+                <a:latin typeface="나눔바른고딕OTF Light"/>
+                <a:ea typeface="나눔바른고딕OTF Light"/>
+              </a:rPr>
+              <a:t>Share mode</a:t>
+            </a:r>
+            <a:r>
+              <a:rPr lang="ko-KR" altLang="en-US" spc="-150" dirty="0">
+                <a:latin typeface="나눔바른고딕OTF Light"/>
+                <a:ea typeface="나눔바른고딕OTF Light"/>
+              </a:rPr>
+              <a:t>의 </a:t>
+            </a:r>
+            <a:r>
+              <a:rPr lang="en-US" altLang="ko-KR" spc="-150" dirty="0">
+                <a:latin typeface="나눔바른고딕OTF Light"/>
+                <a:ea typeface="나눔바른고딕OTF Light"/>
+              </a:rPr>
+              <a:t>GUI</a:t>
+            </a:r>
+            <a:r>
+              <a:rPr lang="ko-KR" altLang="en-US" spc="-150" dirty="0">
+                <a:latin typeface="나눔바른고딕OTF Light"/>
+                <a:ea typeface="나눔바른고딕OTF Light"/>
+              </a:rPr>
+              <a:t>를 만들어줍니다</a:t>
+            </a:r>
+            <a:r>
+              <a:rPr lang="en-US" altLang="ko-KR" spc="-150" dirty="0">
+                <a:latin typeface="나눔바른고딕OTF Light"/>
+                <a:ea typeface="나눔바른고딕OTF Light"/>
+              </a:rPr>
+              <a:t>.</a:t>
+            </a:r>
+          </a:p>
+          <a:p>
+            <a:pPr marL="742950" lvl="1" indent="-285750">
+              <a:lnSpc>
+                <a:spcPct val="135000"/>
+              </a:lnSpc>
+              <a:buFontTx/>
+              <a:buChar char="★"/>
+              <a:defRPr/>
+            </a:pPr>
+            <a:r>
+              <a:rPr lang="en-US" altLang="ko-KR" spc="-150" dirty="0">
+                <a:latin typeface="나눔바른고딕OTF Light"/>
+                <a:ea typeface="나눔바른고딕OTF Light"/>
+              </a:rPr>
+              <a:t>Receive mode</a:t>
+            </a:r>
+            <a:r>
+              <a:rPr lang="ko-KR" altLang="en-US" spc="-150" dirty="0">
+                <a:latin typeface="나눔바른고딕OTF Light"/>
+                <a:ea typeface="나눔바른고딕OTF Light"/>
+              </a:rPr>
+              <a:t>의 </a:t>
+            </a:r>
+            <a:r>
+              <a:rPr lang="en-US" altLang="ko-KR" spc="-150" dirty="0">
+                <a:latin typeface="나눔바른고딕OTF Light"/>
+                <a:ea typeface="나눔바른고딕OTF Light"/>
+              </a:rPr>
+              <a:t>GUI</a:t>
+            </a:r>
+            <a:r>
+              <a:rPr lang="ko-KR" altLang="en-US" spc="-150" dirty="0">
+                <a:latin typeface="나눔바른고딕OTF Light"/>
+                <a:ea typeface="나눔바른고딕OTF Light"/>
+              </a:rPr>
+              <a:t>를 만들어줍니다</a:t>
+            </a:r>
+            <a:r>
+              <a:rPr lang="en-US" altLang="ko-KR" spc="-150" dirty="0">
+                <a:latin typeface="나눔바른고딕OTF Light"/>
+                <a:ea typeface="나눔바른고딕OTF Light"/>
+              </a:rPr>
+              <a:t>.</a:t>
+            </a:r>
+          </a:p>
+          <a:p>
+            <a:pPr marL="742950" lvl="1" indent="-285750">
+              <a:lnSpc>
+                <a:spcPct val="135000"/>
+              </a:lnSpc>
+              <a:buFontTx/>
+              <a:buChar char="★"/>
+              <a:defRPr/>
+            </a:pPr>
+            <a:r>
+              <a:rPr lang="ko-KR" altLang="en-US" spc="-150" dirty="0">
+                <a:latin typeface="나눔바른고딕OTF Light"/>
+                <a:ea typeface="나눔바른고딕OTF Light"/>
+              </a:rPr>
+              <a:t>모든 서버 </a:t>
+            </a:r>
+            <a:r>
+              <a:rPr lang="en-US" altLang="ko-KR" spc="-150" dirty="0">
+                <a:latin typeface="나눔바른고딕OTF Light"/>
+                <a:ea typeface="나눔바른고딕OTF Light"/>
+              </a:rPr>
+              <a:t>history</a:t>
+            </a:r>
+            <a:r>
+              <a:rPr lang="ko-KR" altLang="en-US" spc="-150" dirty="0">
+                <a:latin typeface="나눔바른고딕OTF Light"/>
+                <a:ea typeface="나눔바른고딕OTF Light"/>
+              </a:rPr>
+              <a:t>를 저장하고 관리합니다</a:t>
+            </a:r>
+            <a:r>
+              <a:rPr lang="en-US" altLang="ko-KR" spc="-150" dirty="0">
+                <a:latin typeface="나눔바른고딕OTF Light"/>
+                <a:ea typeface="나눔바른고딕OTF Light"/>
+              </a:rPr>
+              <a:t>.</a:t>
+            </a:r>
+          </a:p>
+          <a:p>
+            <a:pPr marL="742950" lvl="1" indent="-285750">
+              <a:lnSpc>
+                <a:spcPct val="135000"/>
+              </a:lnSpc>
+              <a:buFontTx/>
+              <a:buChar char="★"/>
+              <a:defRPr/>
+            </a:pPr>
+            <a:r>
+              <a:rPr lang="ko-KR" altLang="en-US" spc="-150" dirty="0">
+                <a:latin typeface="나눔바른고딕OTF Light"/>
+                <a:ea typeface="나눔바른고딕OTF Light"/>
+              </a:rPr>
+              <a:t>다운로드 진행 바</a:t>
+            </a:r>
+            <a:r>
+              <a:rPr lang="en-US" altLang="ko-KR" spc="-150" dirty="0">
+                <a:latin typeface="나눔바른고딕OTF Light"/>
+                <a:ea typeface="나눔바른고딕OTF Light"/>
+              </a:rPr>
+              <a:t>, </a:t>
+            </a:r>
+            <a:r>
+              <a:rPr lang="ko-KR" altLang="en-US" spc="-150" dirty="0">
+                <a:latin typeface="나눔바른고딕OTF Light"/>
+                <a:ea typeface="나눔바른고딕OTF Light"/>
+              </a:rPr>
+              <a:t>파일저장</a:t>
+            </a:r>
+            <a:r>
+              <a:rPr lang="en-US" altLang="ko-KR" spc="-150" dirty="0">
+                <a:latin typeface="나눔바른고딕OTF Light"/>
+                <a:ea typeface="나눔바른고딕OTF Light"/>
+              </a:rPr>
+              <a:t>, </a:t>
+            </a:r>
+            <a:r>
+              <a:rPr lang="ko-KR" altLang="en-US" spc="-150" dirty="0">
+                <a:latin typeface="나눔바른고딕OTF Light"/>
+                <a:ea typeface="나눔바른고딕OTF Light"/>
+              </a:rPr>
+              <a:t>업로드 등등 여러가지 기능이 있습니다</a:t>
+            </a:r>
+            <a:r>
+              <a:rPr lang="en-US" altLang="ko-KR" spc="-150" dirty="0">
+                <a:latin typeface="나눔바른고딕OTF Light"/>
+                <a:ea typeface="나눔바른고딕OTF Light"/>
+              </a:rPr>
+              <a:t>.</a:t>
+            </a:r>
+          </a:p>
+        </p:txBody>
+      </p:sp>
+      <p:sp>
+        <p:nvSpPr>
           <p:cNvPr id="20" name="TextBox 19"/>
           <p:cNvSpPr txBox="1"/>
           <p:nvPr/>
         </p:nvSpPr>
         <p:spPr>
           <a:xfrm>
-            <a:off x="251520" y="980728"/>
-            <a:ext cx="8969102" cy="584775"/>
+            <a:off x="427434" y="900009"/>
+            <a:ext cx="7600950" cy="584775"/>
           </a:xfrm>
           <a:prstGeom prst="rect">
             <a:avLst/>
@@ -11790,656 +11892,12 @@
               <a:defRPr/>
             </a:pPr>
             <a:r>
-              <a:rPr lang="en-US" altLang="ko-KR" sz="3200" dirty="0">
-                <a:latin typeface="나눔바른고딕OTF Light"/>
-                <a:ea typeface="나눔바른고딕OTF Light"/>
-              </a:rPr>
-              <a:t>Test</a:t>
-            </a:r>
-            <a:r>
-              <a:rPr lang="ko-KR" altLang="en-US" sz="3200" dirty="0">
-                <a:latin typeface="나눔바른고딕OTF Light"/>
-                <a:ea typeface="나눔바른고딕OTF Light"/>
-              </a:rPr>
-              <a:t> </a:t>
-            </a:r>
-            <a:r>
-              <a:rPr lang="en-US" altLang="ko-KR" sz="3200" dirty="0">
-                <a:latin typeface="나눔바른고딕OTF Light"/>
-                <a:ea typeface="나눔바른고딕OTF Light"/>
-              </a:rPr>
-              <a:t>–</a:t>
-            </a:r>
-            <a:r>
-              <a:rPr lang="ko-KR" altLang="en-US" sz="3200" dirty="0">
-                <a:latin typeface="나눔바른고딕OTF Light"/>
-                <a:ea typeface="나눔바른고딕OTF Light"/>
-              </a:rPr>
-              <a:t> </a:t>
-            </a:r>
-            <a:r>
-              <a:rPr lang="en-US" altLang="ko-KR" sz="3200" dirty="0" err="1">
-                <a:latin typeface="나눔바른고딕OTF Light"/>
-                <a:ea typeface="나눔바른고딕OTF Light"/>
-              </a:rPr>
-              <a:t>OnionShare</a:t>
-            </a:r>
-            <a:r>
-              <a:rPr lang="ko-KR" altLang="en-US" sz="3200" dirty="0">
-                <a:latin typeface="나눔바른고딕OTF Light"/>
-                <a:ea typeface="나눔바른고딕OTF Light"/>
-              </a:rPr>
-              <a:t>의 모든 부분을 </a:t>
-            </a:r>
-            <a:r>
-              <a:rPr lang="en-US" altLang="ko-KR" sz="3200" dirty="0">
-                <a:latin typeface="나눔바른고딕OTF Light"/>
-                <a:ea typeface="나눔바른고딕OTF Light"/>
-              </a:rPr>
-              <a:t>test</a:t>
-            </a:r>
-            <a:r>
-              <a:rPr lang="ko-KR" altLang="en-US" sz="3200" dirty="0">
-                <a:latin typeface="나눔바른고딕OTF Light"/>
-                <a:ea typeface="나눔바른고딕OTF Light"/>
-              </a:rPr>
-              <a:t>하는 폴더</a:t>
-            </a:r>
-          </a:p>
-        </p:txBody>
-      </p:sp>
-      <p:pic>
-        <p:nvPicPr>
-          <p:cNvPr id="41" name="그래픽 4" descr="종이"/>
-          <p:cNvPicPr>
-            <a:picLocks noChangeAspect="1"/>
-          </p:cNvPicPr>
-          <p:nvPr/>
-        </p:nvPicPr>
-        <p:blipFill rotWithShape="1">
-          <a:blip r:embed="rId3"/>
-          <a:stretch>
-            <a:fillRect/>
-          </a:stretch>
-        </p:blipFill>
-        <p:spPr>
-          <a:xfrm>
-            <a:off x="539552" y="1700808"/>
-            <a:ext cx="504056" cy="504056"/>
-          </a:xfrm>
-          <a:prstGeom prst="rect">
-            <a:avLst/>
-          </a:prstGeom>
-        </p:spPr>
-      </p:pic>
-      <p:pic>
-        <p:nvPicPr>
-          <p:cNvPr id="42" name="그래픽 4" descr="종이"/>
-          <p:cNvPicPr>
-            <a:picLocks noChangeAspect="1"/>
-          </p:cNvPicPr>
-          <p:nvPr/>
-        </p:nvPicPr>
-        <p:blipFill rotWithShape="1">
-          <a:blip r:embed="rId3"/>
-          <a:stretch>
-            <a:fillRect/>
-          </a:stretch>
-        </p:blipFill>
-        <p:spPr>
-          <a:xfrm>
-            <a:off x="539552" y="2204864"/>
-            <a:ext cx="504056" cy="504056"/>
-          </a:xfrm>
-          <a:prstGeom prst="rect">
-            <a:avLst/>
-          </a:prstGeom>
-        </p:spPr>
-      </p:pic>
-      <p:pic>
-        <p:nvPicPr>
-          <p:cNvPr id="43" name="그래픽 4" descr="종이"/>
-          <p:cNvPicPr>
-            <a:picLocks noChangeAspect="1"/>
-          </p:cNvPicPr>
-          <p:nvPr/>
-        </p:nvPicPr>
-        <p:blipFill rotWithShape="1">
-          <a:blip r:embed="rId3"/>
-          <a:stretch>
-            <a:fillRect/>
-          </a:stretch>
-        </p:blipFill>
-        <p:spPr>
-          <a:xfrm>
-            <a:off x="539552" y="2708920"/>
-            <a:ext cx="504056" cy="504056"/>
-          </a:xfrm>
-          <a:prstGeom prst="rect">
-            <a:avLst/>
-          </a:prstGeom>
-        </p:spPr>
-      </p:pic>
-      <p:pic>
-        <p:nvPicPr>
-          <p:cNvPr id="44" name="그래픽 4" descr="종이"/>
-          <p:cNvPicPr>
-            <a:picLocks noChangeAspect="1"/>
-          </p:cNvPicPr>
-          <p:nvPr/>
-        </p:nvPicPr>
-        <p:blipFill rotWithShape="1">
-          <a:blip r:embed="rId3"/>
-          <a:stretch>
-            <a:fillRect/>
-          </a:stretch>
-        </p:blipFill>
-        <p:spPr>
-          <a:xfrm>
-            <a:off x="539552" y="3212976"/>
-            <a:ext cx="504056" cy="504056"/>
-          </a:xfrm>
-          <a:prstGeom prst="rect">
-            <a:avLst/>
-          </a:prstGeom>
-        </p:spPr>
-      </p:pic>
-      <p:pic>
-        <p:nvPicPr>
-          <p:cNvPr id="45" name="그래픽 4" descr="종이"/>
-          <p:cNvPicPr>
-            <a:picLocks noChangeAspect="1"/>
-          </p:cNvPicPr>
-          <p:nvPr/>
-        </p:nvPicPr>
-        <p:blipFill rotWithShape="1">
-          <a:blip r:embed="rId3"/>
-          <a:stretch>
-            <a:fillRect/>
-          </a:stretch>
-        </p:blipFill>
-        <p:spPr>
-          <a:xfrm>
-            <a:off x="539552" y="3717032"/>
-            <a:ext cx="504056" cy="504056"/>
-          </a:xfrm>
-          <a:prstGeom prst="rect">
-            <a:avLst/>
-          </a:prstGeom>
-        </p:spPr>
-      </p:pic>
-      <p:pic>
-        <p:nvPicPr>
-          <p:cNvPr id="46" name="그래픽 4" descr="종이"/>
-          <p:cNvPicPr>
-            <a:picLocks noChangeAspect="1"/>
-          </p:cNvPicPr>
-          <p:nvPr/>
-        </p:nvPicPr>
-        <p:blipFill rotWithShape="1">
-          <a:blip r:embed="rId3"/>
-          <a:stretch>
-            <a:fillRect/>
-          </a:stretch>
-        </p:blipFill>
-        <p:spPr>
-          <a:xfrm>
-            <a:off x="539552" y="4219377"/>
-            <a:ext cx="504056" cy="504056"/>
-          </a:xfrm>
-          <a:prstGeom prst="rect">
-            <a:avLst/>
-          </a:prstGeom>
-        </p:spPr>
-      </p:pic>
-      <p:pic>
-        <p:nvPicPr>
-          <p:cNvPr id="47" name="그래픽 4" descr="종이"/>
-          <p:cNvPicPr>
-            <a:picLocks noChangeAspect="1"/>
-          </p:cNvPicPr>
-          <p:nvPr/>
-        </p:nvPicPr>
-        <p:blipFill rotWithShape="1">
-          <a:blip r:embed="rId3"/>
-          <a:stretch>
-            <a:fillRect/>
-          </a:stretch>
-        </p:blipFill>
-        <p:spPr>
-          <a:xfrm>
-            <a:off x="539552" y="4725144"/>
-            <a:ext cx="504056" cy="504056"/>
-          </a:xfrm>
-          <a:prstGeom prst="rect">
-            <a:avLst/>
-          </a:prstGeom>
-        </p:spPr>
-      </p:pic>
-      <p:sp>
-        <p:nvSpPr>
-          <p:cNvPr id="54" name="TextBox 5"/>
-          <p:cNvSpPr txBox="1"/>
-          <p:nvPr/>
-        </p:nvSpPr>
-        <p:spPr>
-          <a:xfrm>
-            <a:off x="1115616" y="2276872"/>
-            <a:ext cx="2054858" cy="369332"/>
-          </a:xfrm>
-          <a:prstGeom prst="rect">
-            <a:avLst/>
-          </a:prstGeom>
-          <a:noFill/>
-        </p:spPr>
-        <p:txBody>
-          <a:bodyPr wrap="none">
-            <a:spAutoFit/>
-          </a:bodyPr>
-          <a:lstStyle/>
-          <a:p>
-            <a:pPr lvl="0">
-              <a:defRPr/>
-            </a:pPr>
-            <a:r>
-              <a:rPr lang="en-US" altLang="ko-KR" dirty="0"/>
-              <a:t>GUIReceiveTest.py</a:t>
-            </a:r>
-          </a:p>
-        </p:txBody>
-      </p:sp>
-      <p:sp>
-        <p:nvSpPr>
-          <p:cNvPr id="55" name="TextBox 5"/>
-          <p:cNvSpPr txBox="1"/>
-          <p:nvPr/>
-        </p:nvSpPr>
-        <p:spPr>
-          <a:xfrm>
-            <a:off x="1115616" y="2843644"/>
-            <a:ext cx="1854867" cy="369332"/>
-          </a:xfrm>
-          <a:prstGeom prst="rect">
-            <a:avLst/>
-          </a:prstGeom>
-          <a:noFill/>
-        </p:spPr>
-        <p:txBody>
-          <a:bodyPr wrap="none">
-            <a:spAutoFit/>
-          </a:bodyPr>
-          <a:lstStyle/>
-          <a:p>
-            <a:pPr lvl="0">
-              <a:defRPr/>
-            </a:pPr>
-            <a:r>
-              <a:rPr lang="en-US" altLang="ko-KR" dirty="0"/>
-              <a:t>GUIShareTest.py</a:t>
-            </a:r>
-          </a:p>
-        </p:txBody>
-      </p:sp>
-      <p:sp>
-        <p:nvSpPr>
-          <p:cNvPr id="56" name="TextBox 5"/>
-          <p:cNvSpPr txBox="1"/>
-          <p:nvPr/>
-        </p:nvSpPr>
-        <p:spPr>
-          <a:xfrm>
-            <a:off x="1115616" y="3322551"/>
-            <a:ext cx="2589107" cy="369332"/>
-          </a:xfrm>
-          <a:prstGeom prst="rect">
-            <a:avLst/>
-          </a:prstGeom>
-          <a:noFill/>
-        </p:spPr>
-        <p:txBody>
-          <a:bodyPr wrap="none">
-            <a:spAutoFit/>
-          </a:bodyPr>
-          <a:lstStyle/>
-          <a:p>
-            <a:pPr lvl="0">
-              <a:defRPr/>
-            </a:pPr>
-            <a:r>
-              <a:rPr lang="en-US" altLang="ko-KR" dirty="0"/>
-              <a:t>SettingsGUIBaseTest.py</a:t>
-            </a:r>
-          </a:p>
-        </p:txBody>
-      </p:sp>
-      <p:sp>
-        <p:nvSpPr>
-          <p:cNvPr id="57" name="TextBox 5"/>
-          <p:cNvSpPr txBox="1"/>
-          <p:nvPr/>
-        </p:nvSpPr>
-        <p:spPr>
-          <a:xfrm>
-            <a:off x="1115616" y="3815023"/>
-            <a:ext cx="3079305" cy="369332"/>
-          </a:xfrm>
-          <a:prstGeom prst="rect">
-            <a:avLst/>
-          </a:prstGeom>
-          <a:noFill/>
-        </p:spPr>
-        <p:txBody>
-          <a:bodyPr wrap="none">
-            <a:spAutoFit/>
-          </a:bodyPr>
-          <a:lstStyle/>
-          <a:p>
-            <a:pPr lvl="0">
-              <a:defRPr/>
-            </a:pPr>
-            <a:r>
-              <a:rPr lang="en-US" altLang="ko-KR" dirty="0"/>
-              <a:t>test._onionshare_settings.py</a:t>
-            </a:r>
-          </a:p>
-        </p:txBody>
-      </p:sp>
-      <p:sp>
-        <p:nvSpPr>
-          <p:cNvPr id="58" name="TextBox 5"/>
-          <p:cNvSpPr txBox="1"/>
-          <p:nvPr/>
-        </p:nvSpPr>
-        <p:spPr>
-          <a:xfrm>
-            <a:off x="1115616" y="4355812"/>
-            <a:ext cx="2925673" cy="369332"/>
-          </a:xfrm>
-          <a:prstGeom prst="rect">
-            <a:avLst/>
-          </a:prstGeom>
-          <a:noFill/>
-        </p:spPr>
-        <p:txBody>
-          <a:bodyPr wrap="none">
-            <a:spAutoFit/>
-          </a:bodyPr>
-          <a:lstStyle/>
-          <a:p>
-            <a:pPr lvl="0">
-              <a:defRPr/>
-            </a:pPr>
-            <a:r>
-              <a:rPr lang="en-US" altLang="ko-KR" dirty="0"/>
-              <a:t>Test_onionshare_strings.py</a:t>
-            </a:r>
-          </a:p>
-        </p:txBody>
-      </p:sp>
-      <p:sp>
-        <p:nvSpPr>
-          <p:cNvPr id="59" name="TextBox 5"/>
-          <p:cNvSpPr txBox="1"/>
-          <p:nvPr/>
-        </p:nvSpPr>
-        <p:spPr>
-          <a:xfrm>
-            <a:off x="1115616" y="4862090"/>
-            <a:ext cx="2666371" cy="369332"/>
-          </a:xfrm>
-          <a:prstGeom prst="rect">
-            <a:avLst/>
-          </a:prstGeom>
-          <a:noFill/>
-        </p:spPr>
-        <p:txBody>
-          <a:bodyPr wrap="none">
-            <a:spAutoFit/>
-          </a:bodyPr>
-          <a:lstStyle/>
-          <a:p>
-            <a:pPr lvl="0">
-              <a:defRPr/>
-            </a:pPr>
-            <a:r>
-              <a:rPr lang="en-US" altLang="ko-KR" dirty="0"/>
-              <a:t>Test_onionshare_web.py</a:t>
-            </a:r>
-          </a:p>
-        </p:txBody>
-      </p:sp>
-      <p:sp>
-        <p:nvSpPr>
-          <p:cNvPr id="61" name="TextBox 5"/>
-          <p:cNvSpPr txBox="1"/>
-          <p:nvPr/>
-        </p:nvSpPr>
-        <p:spPr>
-          <a:xfrm>
-            <a:off x="1115616" y="1835532"/>
-            <a:ext cx="1752339" cy="369332"/>
-          </a:xfrm>
-          <a:prstGeom prst="rect">
-            <a:avLst/>
-          </a:prstGeom>
-          <a:noFill/>
-        </p:spPr>
-        <p:txBody>
-          <a:bodyPr wrap="none">
-            <a:spAutoFit/>
-          </a:bodyPr>
-          <a:lstStyle/>
-          <a:p>
-            <a:pPr lvl="0">
-              <a:defRPr/>
-            </a:pPr>
-            <a:r>
-              <a:rPr lang="en-US" altLang="ko-KR" dirty="0"/>
-              <a:t>GUIBaseTest.py</a:t>
-            </a:r>
-          </a:p>
-        </p:txBody>
-      </p:sp>
-      <p:pic>
-        <p:nvPicPr>
-          <p:cNvPr id="29" name="그래픽 4" descr="종이">
-            <a:extLst>
-              <a:ext uri="{FF2B5EF4-FFF2-40B4-BE49-F238E27FC236}">
-                <a16:creationId xmlns:a16="http://schemas.microsoft.com/office/drawing/2014/main" id="{6B23413F-980B-4B15-A77E-8A526437C9FB}"/>
-              </a:ext>
-            </a:extLst>
-          </p:cNvPr>
-          <p:cNvPicPr>
-            <a:picLocks noChangeAspect="1"/>
-          </p:cNvPicPr>
-          <p:nvPr/>
-        </p:nvPicPr>
-        <p:blipFill rotWithShape="1">
-          <a:blip r:embed="rId3"/>
-          <a:stretch>
-            <a:fillRect/>
-          </a:stretch>
-        </p:blipFill>
-        <p:spPr>
-          <a:xfrm>
-            <a:off x="550272" y="5226978"/>
-            <a:ext cx="504056" cy="504056"/>
-          </a:xfrm>
-          <a:prstGeom prst="rect">
-            <a:avLst/>
-          </a:prstGeom>
-        </p:spPr>
-      </p:pic>
-      <p:sp>
-        <p:nvSpPr>
-          <p:cNvPr id="30" name="TextBox 5">
-            <a:extLst>
-              <a:ext uri="{FF2B5EF4-FFF2-40B4-BE49-F238E27FC236}">
-                <a16:creationId xmlns:a16="http://schemas.microsoft.com/office/drawing/2014/main" id="{8E8794BB-9765-4334-9FDD-FE8549CA87F8}"/>
-              </a:ext>
-            </a:extLst>
-          </p:cNvPr>
-          <p:cNvSpPr txBox="1"/>
-          <p:nvPr/>
-        </p:nvSpPr>
-        <p:spPr>
-          <a:xfrm>
-            <a:off x="1126336" y="5363924"/>
-            <a:ext cx="6219267" cy="369332"/>
-          </a:xfrm>
-          <a:prstGeom prst="rect">
-            <a:avLst/>
-          </a:prstGeom>
-          <a:noFill/>
-        </p:spPr>
-        <p:txBody>
-          <a:bodyPr wrap="none">
-            <a:spAutoFit/>
-          </a:bodyPr>
-          <a:lstStyle/>
-          <a:p>
-            <a:pPr lvl="0">
-              <a:defRPr/>
-            </a:pPr>
-            <a:r>
-              <a:rPr lang="en-US" altLang="ko-KR" dirty="0"/>
-              <a:t>Local_onionshare_404_public_mode_skips_ratelimit_test.py</a:t>
-            </a:r>
-          </a:p>
-        </p:txBody>
-      </p:sp>
-      <p:pic>
-        <p:nvPicPr>
-          <p:cNvPr id="31" name="그래픽 4" descr="종이">
-            <a:extLst>
-              <a:ext uri="{FF2B5EF4-FFF2-40B4-BE49-F238E27FC236}">
-                <a16:creationId xmlns:a16="http://schemas.microsoft.com/office/drawing/2014/main" id="{5E3287E4-457A-483D-B224-47490EA207ED}"/>
-              </a:ext>
-            </a:extLst>
-          </p:cNvPr>
-          <p:cNvPicPr>
-            <a:picLocks noChangeAspect="1"/>
-          </p:cNvPicPr>
-          <p:nvPr/>
-        </p:nvPicPr>
-        <p:blipFill rotWithShape="1">
-          <a:blip r:embed="rId3"/>
-          <a:stretch>
-            <a:fillRect/>
-          </a:stretch>
-        </p:blipFill>
-        <p:spPr>
-          <a:xfrm>
-            <a:off x="539552" y="6235090"/>
-            <a:ext cx="504056" cy="504056"/>
-          </a:xfrm>
-          <a:prstGeom prst="rect">
-            <a:avLst/>
-          </a:prstGeom>
-        </p:spPr>
-      </p:pic>
-      <p:sp>
-        <p:nvSpPr>
-          <p:cNvPr id="32" name="TextBox 5">
-            <a:extLst>
-              <a:ext uri="{FF2B5EF4-FFF2-40B4-BE49-F238E27FC236}">
-                <a16:creationId xmlns:a16="http://schemas.microsoft.com/office/drawing/2014/main" id="{EE60E474-3039-46D6-BD71-AA38B1FE6F22}"/>
-              </a:ext>
-            </a:extLst>
-          </p:cNvPr>
-          <p:cNvSpPr txBox="1"/>
-          <p:nvPr/>
-        </p:nvSpPr>
-        <p:spPr>
-          <a:xfrm>
-            <a:off x="1115616" y="6372036"/>
-            <a:ext cx="5082802" cy="369332"/>
-          </a:xfrm>
-          <a:prstGeom prst="rect">
-            <a:avLst/>
-          </a:prstGeom>
-          <a:noFill/>
-        </p:spPr>
-        <p:txBody>
-          <a:bodyPr wrap="none">
-            <a:spAutoFit/>
-          </a:bodyPr>
-          <a:lstStyle/>
-          <a:p>
-            <a:pPr lvl="0">
-              <a:defRPr/>
-            </a:pPr>
-            <a:r>
-              <a:rPr lang="en-US" altLang="ko-KR" dirty="0"/>
-              <a:t>Local_onionshare_404_triggers_ratelimit_test.py</a:t>
-            </a:r>
-          </a:p>
-        </p:txBody>
-      </p:sp>
-      <p:pic>
-        <p:nvPicPr>
-          <p:cNvPr id="35" name="그래픽 4" descr="종이">
-            <a:extLst>
-              <a:ext uri="{FF2B5EF4-FFF2-40B4-BE49-F238E27FC236}">
-                <a16:creationId xmlns:a16="http://schemas.microsoft.com/office/drawing/2014/main" id="{AA6A0482-9BB7-48D0-8317-7D5AFC976C51}"/>
-              </a:ext>
-            </a:extLst>
-          </p:cNvPr>
-          <p:cNvPicPr>
-            <a:picLocks noChangeAspect="1"/>
-          </p:cNvPicPr>
-          <p:nvPr/>
-        </p:nvPicPr>
-        <p:blipFill rotWithShape="1">
-          <a:blip r:embed="rId3"/>
-          <a:stretch>
-            <a:fillRect/>
-          </a:stretch>
-        </p:blipFill>
-        <p:spPr>
-          <a:xfrm>
-            <a:off x="539552" y="5731034"/>
-            <a:ext cx="504056" cy="504056"/>
-          </a:xfrm>
-          <a:prstGeom prst="rect">
-            <a:avLst/>
-          </a:prstGeom>
-        </p:spPr>
-      </p:pic>
-      <p:sp>
-        <p:nvSpPr>
-          <p:cNvPr id="36" name="TextBox 5">
-            <a:extLst>
-              <a:ext uri="{FF2B5EF4-FFF2-40B4-BE49-F238E27FC236}">
-                <a16:creationId xmlns:a16="http://schemas.microsoft.com/office/drawing/2014/main" id="{9E03141B-0E02-447C-BE1E-A0D9B70F5FFD}"/>
-              </a:ext>
-            </a:extLst>
-          </p:cNvPr>
-          <p:cNvSpPr txBox="1"/>
-          <p:nvPr/>
-        </p:nvSpPr>
-        <p:spPr>
-          <a:xfrm>
-            <a:off x="1115616" y="5867980"/>
-            <a:ext cx="7002879" cy="369332"/>
-          </a:xfrm>
-          <a:prstGeom prst="rect">
-            <a:avLst/>
-          </a:prstGeom>
-          <a:noFill/>
-        </p:spPr>
-        <p:txBody>
-          <a:bodyPr wrap="none">
-            <a:spAutoFit/>
-          </a:bodyPr>
-          <a:lstStyle/>
-          <a:p>
-            <a:pPr lvl="0">
-              <a:defRPr/>
-            </a:pPr>
-            <a:r>
-              <a:rPr lang="en-US" altLang="ko-KR" dirty="0"/>
-              <a:t>Local_onionshare_quitting_during_share_prompts_warning_test.py</a:t>
+              <a:rPr lang="en-US" altLang="ko-KR" sz="3200" dirty="0" err="1"/>
+              <a:t>OnionShare_GUI</a:t>
+            </a:r>
+            <a:r>
+              <a:rPr lang="en-US" altLang="ko-KR" sz="3200" dirty="0"/>
+              <a:t> - MODE</a:t>
             </a:r>
           </a:p>
         </p:txBody>
@@ -12447,7 +11905,7 @@
     </p:spTree>
     <p:extLst>
       <p:ext uri="{BB962C8B-B14F-4D97-AF65-F5344CB8AC3E}">
-        <p14:creationId xmlns:p14="http://schemas.microsoft.com/office/powerpoint/2010/main" val="2577963178"/>
+        <p14:creationId xmlns:p14="http://schemas.microsoft.com/office/powerpoint/2010/main" val="1735084781"/>
       </p:ext>
     </p:extLst>
   </p:cSld>
@@ -12568,6 +12026,90 @@
           </a:p>
         </p:txBody>
       </p:sp>
+      <p:sp>
+        <p:nvSpPr>
+          <p:cNvPr id="20" name="TextBox 19"/>
+          <p:cNvSpPr txBox="1"/>
+          <p:nvPr/>
+        </p:nvSpPr>
+        <p:spPr>
+          <a:xfrm>
+            <a:off x="251520" y="980728"/>
+            <a:ext cx="8969102" cy="584775"/>
+          </a:xfrm>
+          <a:prstGeom prst="rect">
+            <a:avLst/>
+          </a:prstGeom>
+          <a:noFill/>
+        </p:spPr>
+        <p:txBody>
+          <a:bodyPr wrap="square">
+            <a:spAutoFit/>
+          </a:bodyPr>
+          <a:lstStyle/>
+          <a:p>
+            <a:pPr lvl="0">
+              <a:defRPr/>
+            </a:pPr>
+            <a:r>
+              <a:rPr lang="en-US" altLang="ko-KR" sz="3200" dirty="0">
+                <a:latin typeface="나눔바른고딕OTF Light"/>
+                <a:ea typeface="나눔바른고딕OTF Light"/>
+              </a:rPr>
+              <a:t>Test</a:t>
+            </a:r>
+            <a:r>
+              <a:rPr lang="ko-KR" altLang="en-US" sz="3200" dirty="0">
+                <a:latin typeface="나눔바른고딕OTF Light"/>
+                <a:ea typeface="나눔바른고딕OTF Light"/>
+              </a:rPr>
+              <a:t> </a:t>
+            </a:r>
+            <a:r>
+              <a:rPr lang="en-US" altLang="ko-KR" sz="3200" dirty="0">
+                <a:latin typeface="나눔바른고딕OTF Light"/>
+                <a:ea typeface="나눔바른고딕OTF Light"/>
+              </a:rPr>
+              <a:t>–</a:t>
+            </a:r>
+            <a:r>
+              <a:rPr lang="ko-KR" altLang="en-US" sz="3200" dirty="0">
+                <a:latin typeface="나눔바른고딕OTF Light"/>
+                <a:ea typeface="나눔바른고딕OTF Light"/>
+              </a:rPr>
+              <a:t> </a:t>
+            </a:r>
+            <a:r>
+              <a:rPr lang="en-US" altLang="ko-KR" sz="3200" dirty="0" err="1">
+                <a:latin typeface="나눔바른고딕OTF Light"/>
+                <a:ea typeface="나눔바른고딕OTF Light"/>
+              </a:rPr>
+              <a:t>OnionShare</a:t>
+            </a:r>
+            <a:r>
+              <a:rPr lang="ko-KR" altLang="en-US" sz="3200" dirty="0">
+                <a:latin typeface="나눔바른고딕OTF Light"/>
+                <a:ea typeface="나눔바른고딕OTF Light"/>
+              </a:rPr>
+              <a:t>의 모든 부분을 </a:t>
+            </a:r>
+            <a:r>
+              <a:rPr lang="en-US" altLang="ko-KR" sz="3200" dirty="0">
+                <a:latin typeface="나눔바른고딕OTF Light"/>
+                <a:ea typeface="나눔바른고딕OTF Light"/>
+              </a:rPr>
+              <a:t>test</a:t>
+            </a:r>
+            <a:r>
+              <a:rPr lang="ko-KR" altLang="en-US" sz="3200" dirty="0">
+                <a:latin typeface="나눔바른고딕OTF Light"/>
+                <a:ea typeface="나눔바른고딕OTF Light"/>
+              </a:rPr>
+              <a:t>하는 폴더</a:t>
+            </a:r>
+          </a:p>
+        </p:txBody>
+      </p:sp>
       <p:pic>
         <p:nvPicPr>
           <p:cNvPr id="41" name="그래픽 4" descr="종이"/>
@@ -12584,7 +12126,7 @@
         </p:blipFill>
         <p:spPr>
           <a:xfrm>
-            <a:off x="251520" y="1268760"/>
+            <a:off x="539552" y="1700808"/>
             <a:ext cx="504056" cy="504056"/>
           </a:xfrm>
           <a:prstGeom prst="rect">
@@ -12608,7 +12150,7 @@
         </p:blipFill>
         <p:spPr>
           <a:xfrm>
-            <a:off x="251520" y="1772816"/>
+            <a:off x="539552" y="2204864"/>
             <a:ext cx="504056" cy="504056"/>
           </a:xfrm>
           <a:prstGeom prst="rect">
@@ -12632,7 +12174,7 @@
         </p:blipFill>
         <p:spPr>
           <a:xfrm>
-            <a:off x="251520" y="2276872"/>
+            <a:off x="539552" y="2708920"/>
             <a:ext cx="504056" cy="504056"/>
           </a:xfrm>
           <a:prstGeom prst="rect">
@@ -12656,7 +12198,7 @@
         </p:blipFill>
         <p:spPr>
           <a:xfrm>
-            <a:off x="251520" y="2780928"/>
+            <a:off x="539552" y="3212976"/>
             <a:ext cx="504056" cy="504056"/>
           </a:xfrm>
           <a:prstGeom prst="rect">
@@ -12680,7 +12222,7 @@
         </p:blipFill>
         <p:spPr>
           <a:xfrm>
-            <a:off x="251520" y="3284984"/>
+            <a:off x="539552" y="3717032"/>
             <a:ext cx="504056" cy="504056"/>
           </a:xfrm>
           <a:prstGeom prst="rect">
@@ -12704,7 +12246,7 @@
         </p:blipFill>
         <p:spPr>
           <a:xfrm>
-            <a:off x="251520" y="3787329"/>
+            <a:off x="539552" y="4219377"/>
             <a:ext cx="504056" cy="504056"/>
           </a:xfrm>
           <a:prstGeom prst="rect">
@@ -12728,7 +12270,7 @@
         </p:blipFill>
         <p:spPr>
           <a:xfrm>
-            <a:off x="251520" y="4293096"/>
+            <a:off x="539552" y="4725144"/>
             <a:ext cx="504056" cy="504056"/>
           </a:xfrm>
           <a:prstGeom prst="rect">
@@ -12744,8 +12286,8 @@
         </p:nvSpPr>
         <p:spPr>
           <a:xfrm>
-            <a:off x="827584" y="1844824"/>
-            <a:ext cx="5836534" cy="369332"/>
+            <a:off x="1115616" y="2276872"/>
+            <a:ext cx="2054858" cy="369332"/>
           </a:xfrm>
           <a:prstGeom prst="rect">
             <a:avLst/>
@@ -12763,7 +12305,7 @@
             </a:pPr>
             <a:r>
               <a:rPr lang="en-US" altLang="ko-KR" dirty="0"/>
-              <a:t>Local_onionshare_receive_mode_sender_closed_test.py</a:t>
+              <a:t>GUIReceiveTest.py</a:t>
             </a:r>
           </a:p>
         </p:txBody>
@@ -12776,8 +12318,8 @@
         </p:nvSpPr>
         <p:spPr>
           <a:xfrm>
-            <a:off x="827584" y="2411596"/>
-            <a:ext cx="4918013" cy="369332"/>
+            <a:off x="1115616" y="2843644"/>
+            <a:ext cx="1854867" cy="369332"/>
           </a:xfrm>
           <a:prstGeom prst="rect">
             <a:avLst/>
@@ -12795,7 +12337,7 @@
             </a:pPr>
             <a:r>
               <a:rPr lang="en-US" altLang="ko-KR" dirty="0"/>
-              <a:t>Local_onionshare_receive_mode_timer_test.py</a:t>
+              <a:t>GUIShareTest.py</a:t>
             </a:r>
           </a:p>
         </p:txBody>
@@ -12808,8 +12350,8 @@
         </p:nvSpPr>
         <p:spPr>
           <a:xfrm>
-            <a:off x="827584" y="2890503"/>
-            <a:ext cx="8324330" cy="369332"/>
+            <a:off x="1115616" y="3322551"/>
+            <a:ext cx="2589107" cy="369332"/>
           </a:xfrm>
           <a:prstGeom prst="rect">
             <a:avLst/>
@@ -12827,7 +12369,7 @@
             </a:pPr>
             <a:r>
               <a:rPr lang="en-US" altLang="ko-KR" dirty="0"/>
-              <a:t>Local_onionshare_receive_mode_upload_public_mode_non_writable_dir_test.py</a:t>
+              <a:t>SettingsGUIBaseTest.py</a:t>
             </a:r>
           </a:p>
         </p:txBody>
@@ -12840,8 +12382,8 @@
         </p:nvSpPr>
         <p:spPr>
           <a:xfrm>
-            <a:off x="827584" y="3382975"/>
-            <a:ext cx="6524158" cy="369332"/>
+            <a:off x="1115616" y="3815023"/>
+            <a:ext cx="3079305" cy="369332"/>
           </a:xfrm>
           <a:prstGeom prst="rect">
             <a:avLst/>
@@ -12859,7 +12401,7 @@
             </a:pPr>
             <a:r>
               <a:rPr lang="en-US" altLang="ko-KR" dirty="0"/>
-              <a:t>Local_onionshare_receive_mode_upload_public_mode_test.py</a:t>
+              <a:t>test._onionshare_settings.py</a:t>
             </a:r>
           </a:p>
         </p:txBody>
@@ -12872,8 +12414,8 @@
         </p:nvSpPr>
         <p:spPr>
           <a:xfrm>
-            <a:off x="827584" y="3923764"/>
-            <a:ext cx="5094280" cy="369332"/>
+            <a:off x="1115616" y="4355812"/>
+            <a:ext cx="2925673" cy="369332"/>
           </a:xfrm>
           <a:prstGeom prst="rect">
             <a:avLst/>
@@ -12891,7 +12433,7 @@
             </a:pPr>
             <a:r>
               <a:rPr lang="en-US" altLang="ko-KR" dirty="0"/>
-              <a:t>Local_onionshare_receive_mode_upload_test.py</a:t>
+              <a:t>Test_onionshare_strings.py</a:t>
             </a:r>
           </a:p>
         </p:txBody>
@@ -12904,8 +12446,8 @@
         </p:nvSpPr>
         <p:spPr>
           <a:xfrm>
-            <a:off x="827584" y="4430042"/>
-            <a:ext cx="4406591" cy="369332"/>
+            <a:off x="1115616" y="4862090"/>
+            <a:ext cx="2666371" cy="369332"/>
           </a:xfrm>
           <a:prstGeom prst="rect">
             <a:avLst/>
@@ -12923,7 +12465,7 @@
             </a:pPr>
             <a:r>
               <a:rPr lang="en-US" altLang="ko-KR" dirty="0"/>
-              <a:t>Local_onionshare_settings_dialog_test.py</a:t>
+              <a:t>Test_onionshare_web.py</a:t>
             </a:r>
           </a:p>
         </p:txBody>
@@ -12936,8 +12478,8 @@
         </p:nvSpPr>
         <p:spPr>
           <a:xfrm>
-            <a:off x="827584" y="1403484"/>
-            <a:ext cx="7002879" cy="369332"/>
+            <a:off x="1115616" y="1835532"/>
+            <a:ext cx="1752339" cy="369332"/>
           </a:xfrm>
           <a:prstGeom prst="rect">
             <a:avLst/>
@@ -12955,7 +12497,7 @@
             </a:pPr>
             <a:r>
               <a:rPr lang="en-US" altLang="ko-KR" dirty="0"/>
-              <a:t>Local_onionshare_quitting_during_share_prompts_warning_test.py</a:t>
+              <a:t>GUIBaseTest.py</a:t>
             </a:r>
           </a:p>
         </p:txBody>
@@ -12982,7 +12524,7 @@
         </p:blipFill>
         <p:spPr>
           <a:xfrm>
-            <a:off x="262240" y="4794930"/>
+            <a:off x="550272" y="5226978"/>
             <a:ext cx="504056" cy="504056"/>
           </a:xfrm>
           <a:prstGeom prst="rect">
@@ -13004,8 +12546,8 @@
         </p:nvSpPr>
         <p:spPr>
           <a:xfrm>
-            <a:off x="838304" y="4931876"/>
-            <a:ext cx="6663491" cy="369332"/>
+            <a:off x="1126336" y="5363924"/>
+            <a:ext cx="6219267" cy="369332"/>
           </a:xfrm>
           <a:prstGeom prst="rect">
             <a:avLst/>
@@ -13023,7 +12565,7 @@
             </a:pPr>
             <a:r>
               <a:rPr lang="en-US" altLang="ko-KR" dirty="0"/>
-              <a:t>Local_onionshare_share_mode_download_public_mode_test.py</a:t>
+              <a:t>Local_onionshare_404_public_mode_skips_ratelimit_test.py</a:t>
             </a:r>
           </a:p>
         </p:txBody>
@@ -13050,7 +12592,7 @@
         </p:blipFill>
         <p:spPr>
           <a:xfrm>
-            <a:off x="251520" y="5803042"/>
+            <a:off x="539552" y="6235090"/>
             <a:ext cx="504056" cy="504056"/>
           </a:xfrm>
           <a:prstGeom prst="rect">
@@ -13072,8 +12614,8 @@
         </p:nvSpPr>
         <p:spPr>
           <a:xfrm>
-            <a:off x="827584" y="5939988"/>
-            <a:ext cx="5233612" cy="369332"/>
+            <a:off x="1115616" y="6372036"/>
+            <a:ext cx="5082802" cy="369332"/>
           </a:xfrm>
           <a:prstGeom prst="rect">
             <a:avLst/>
@@ -13091,7 +12633,7 @@
             </a:pPr>
             <a:r>
               <a:rPr lang="en-US" altLang="ko-KR" dirty="0"/>
-              <a:t>Local_onionshare_share_mode_download_test.py</a:t>
+              <a:t>Local_onionshare_404_triggers_ratelimit_test.py</a:t>
             </a:r>
           </a:p>
         </p:txBody>
@@ -13118,7 +12660,7 @@
         </p:blipFill>
         <p:spPr>
           <a:xfrm>
-            <a:off x="251520" y="5298986"/>
+            <a:off x="539552" y="5731034"/>
             <a:ext cx="504056" cy="504056"/>
           </a:xfrm>
           <a:prstGeom prst="rect">
@@ -13140,8 +12682,8 @@
         </p:nvSpPr>
         <p:spPr>
           <a:xfrm>
-            <a:off x="827584" y="5435932"/>
-            <a:ext cx="6374950" cy="369332"/>
+            <a:off x="1115616" y="5867980"/>
+            <a:ext cx="7002879" cy="369332"/>
           </a:xfrm>
           <a:prstGeom prst="rect">
             <a:avLst/>
@@ -13159,7 +12701,7 @@
             </a:pPr>
             <a:r>
               <a:rPr lang="en-US" altLang="ko-KR" dirty="0"/>
-              <a:t>Local_onionshare_share_mode_download_stay_open_test.py</a:t>
+              <a:t>Local_onionshare_quitting_during_share_prompts_warning_test.py</a:t>
             </a:r>
           </a:p>
         </p:txBody>
@@ -13167,7 +12709,7 @@
     </p:spTree>
     <p:extLst>
       <p:ext uri="{BB962C8B-B14F-4D97-AF65-F5344CB8AC3E}">
-        <p14:creationId xmlns:p14="http://schemas.microsoft.com/office/powerpoint/2010/main" val="135745161"/>
+        <p14:creationId xmlns:p14="http://schemas.microsoft.com/office/powerpoint/2010/main" val="2577963178"/>
       </p:ext>
     </p:extLst>
   </p:cSld>
@@ -13304,7 +12846,7 @@
         </p:blipFill>
         <p:spPr>
           <a:xfrm>
-            <a:off x="539552" y="1484784"/>
+            <a:off x="251520" y="1268760"/>
             <a:ext cx="504056" cy="504056"/>
           </a:xfrm>
           <a:prstGeom prst="rect">
@@ -13328,7 +12870,7 @@
         </p:blipFill>
         <p:spPr>
           <a:xfrm>
-            <a:off x="539552" y="1988840"/>
+            <a:off x="251520" y="1772816"/>
             <a:ext cx="504056" cy="504056"/>
           </a:xfrm>
           <a:prstGeom prst="rect">
@@ -13352,7 +12894,7 @@
         </p:blipFill>
         <p:spPr>
           <a:xfrm>
-            <a:off x="539552" y="2492896"/>
+            <a:off x="251520" y="2276872"/>
             <a:ext cx="504056" cy="504056"/>
           </a:xfrm>
           <a:prstGeom prst="rect">
@@ -13376,7 +12918,7 @@
         </p:blipFill>
         <p:spPr>
           <a:xfrm>
-            <a:off x="539552" y="2996952"/>
+            <a:off x="251520" y="2780928"/>
             <a:ext cx="504056" cy="504056"/>
           </a:xfrm>
           <a:prstGeom prst="rect">
@@ -13400,7 +12942,7 @@
         </p:blipFill>
         <p:spPr>
           <a:xfrm>
-            <a:off x="539552" y="3501008"/>
+            <a:off x="251520" y="3284984"/>
             <a:ext cx="504056" cy="504056"/>
           </a:xfrm>
           <a:prstGeom prst="rect">
@@ -13424,7 +12966,31 @@
         </p:blipFill>
         <p:spPr>
           <a:xfrm>
-            <a:off x="539552" y="4003353"/>
+            <a:off x="251520" y="3787329"/>
+            <a:ext cx="504056" cy="504056"/>
+          </a:xfrm>
+          <a:prstGeom prst="rect">
+            <a:avLst/>
+          </a:prstGeom>
+        </p:spPr>
+      </p:pic>
+      <p:pic>
+        <p:nvPicPr>
+          <p:cNvPr id="47" name="그래픽 4" descr="종이"/>
+          <p:cNvPicPr>
+            <a:picLocks noChangeAspect="1"/>
+          </p:cNvPicPr>
+          <p:nvPr/>
+        </p:nvPicPr>
+        <p:blipFill rotWithShape="1">
+          <a:blip r:embed="rId3"/>
+          <a:stretch>
+            <a:fillRect/>
+          </a:stretch>
+        </p:blipFill>
+        <p:spPr>
+          <a:xfrm>
+            <a:off x="251520" y="4293096"/>
             <a:ext cx="504056" cy="504056"/>
           </a:xfrm>
           <a:prstGeom prst="rect">
@@ -13440,8 +13006,8 @@
         </p:nvSpPr>
         <p:spPr>
           <a:xfrm>
-            <a:off x="1115616" y="2060848"/>
-            <a:ext cx="5743175" cy="369332"/>
+            <a:off x="827584" y="1844824"/>
+            <a:ext cx="5836534" cy="369332"/>
           </a:xfrm>
           <a:prstGeom prst="rect">
             <a:avLst/>
@@ -13459,7 +13025,7 @@
             </a:pPr>
             <a:r>
               <a:rPr lang="en-US" altLang="ko-KR" dirty="0"/>
-              <a:t>Local_onionshare_share_mode_slug_persistent_test.py</a:t>
+              <a:t>Local_onionshare_receive_mode_sender_closed_test.py</a:t>
             </a:r>
           </a:p>
         </p:txBody>
@@ -13472,8 +13038,8 @@
         </p:nvSpPr>
         <p:spPr>
           <a:xfrm>
-            <a:off x="1115616" y="2627620"/>
-            <a:ext cx="4747966" cy="369332"/>
+            <a:off x="827584" y="2411596"/>
+            <a:ext cx="4918013" cy="369332"/>
           </a:xfrm>
           <a:prstGeom prst="rect">
             <a:avLst/>
@@ -13491,7 +13057,7 @@
             </a:pPr>
             <a:r>
               <a:rPr lang="en-US" altLang="ko-KR" dirty="0"/>
-              <a:t>Local_onionshare_share_mode_timer_test.py</a:t>
+              <a:t>Local_onionshare_receive_mode_timer_test.py</a:t>
             </a:r>
           </a:p>
         </p:txBody>
@@ -13504,8 +13070,8 @@
         </p:nvSpPr>
         <p:spPr>
           <a:xfrm>
-            <a:off x="1115616" y="3106527"/>
-            <a:ext cx="5836919" cy="369332"/>
+            <a:off x="827584" y="2890503"/>
+            <a:ext cx="8324330" cy="369332"/>
           </a:xfrm>
           <a:prstGeom prst="rect">
             <a:avLst/>
@@ -13523,7 +13089,7 @@
             </a:pPr>
             <a:r>
               <a:rPr lang="en-US" altLang="ko-KR" dirty="0"/>
-              <a:t>Local_onionshare_share_mode_timer_too_short_test.py</a:t>
+              <a:t>Local_onionshare_receive_mode_upload_public_mode_non_writable_dir_test.py</a:t>
             </a:r>
           </a:p>
         </p:txBody>
@@ -13536,8 +13102,8 @@
         </p:nvSpPr>
         <p:spPr>
           <a:xfrm>
-            <a:off x="1115616" y="3598999"/>
-            <a:ext cx="5775427" cy="369332"/>
+            <a:off x="827584" y="3382975"/>
+            <a:ext cx="6524158" cy="369332"/>
           </a:xfrm>
           <a:prstGeom prst="rect">
             <a:avLst/>
@@ -13555,7 +13121,7 @@
             </a:pPr>
             <a:r>
               <a:rPr lang="en-US" altLang="ko-KR" dirty="0"/>
-              <a:t>Local_onionshare_share_mode_unreadable_file_test.py</a:t>
+              <a:t>Local_onionshare_receive_mode_upload_public_mode_test.py</a:t>
             </a:r>
           </a:p>
         </p:txBody>
@@ -13568,7 +13134,7 @@
         </p:nvSpPr>
         <p:spPr>
           <a:xfrm>
-            <a:off x="1115616" y="4139788"/>
+            <a:off x="827584" y="3923764"/>
             <a:ext cx="5094280" cy="369332"/>
           </a:xfrm>
           <a:prstGeom prst="rect">
@@ -13594,14 +13160,14 @@
       </p:sp>
       <p:sp>
         <p:nvSpPr>
-          <p:cNvPr id="61" name="TextBox 5"/>
+          <p:cNvPr id="59" name="TextBox 5"/>
           <p:cNvSpPr txBox="1"/>
           <p:nvPr/>
         </p:nvSpPr>
         <p:spPr>
           <a:xfrm>
-            <a:off x="1115616" y="1619508"/>
-            <a:ext cx="5849102" cy="369332"/>
+            <a:off x="827584" y="4430042"/>
+            <a:ext cx="4406591" cy="369332"/>
           </a:xfrm>
           <a:prstGeom prst="rect">
             <a:avLst/>
@@ -13619,7 +13185,243 @@
             </a:pPr>
             <a:r>
               <a:rPr lang="en-US" altLang="ko-KR" dirty="0"/>
-              <a:t>Local_onionshare_share_mode_large_download_test.py</a:t>
+              <a:t>Local_onionshare_settings_dialog_test.py</a:t>
+            </a:r>
+          </a:p>
+        </p:txBody>
+      </p:sp>
+      <p:sp>
+        <p:nvSpPr>
+          <p:cNvPr id="61" name="TextBox 5"/>
+          <p:cNvSpPr txBox="1"/>
+          <p:nvPr/>
+        </p:nvSpPr>
+        <p:spPr>
+          <a:xfrm>
+            <a:off x="827584" y="1403484"/>
+            <a:ext cx="7002879" cy="369332"/>
+          </a:xfrm>
+          <a:prstGeom prst="rect">
+            <a:avLst/>
+          </a:prstGeom>
+          <a:noFill/>
+        </p:spPr>
+        <p:txBody>
+          <a:bodyPr wrap="none">
+            <a:spAutoFit/>
+          </a:bodyPr>
+          <a:lstStyle/>
+          <a:p>
+            <a:pPr lvl="0">
+              <a:defRPr/>
+            </a:pPr>
+            <a:r>
+              <a:rPr lang="en-US" altLang="ko-KR" dirty="0"/>
+              <a:t>Local_onionshare_quitting_during_share_prompts_warning_test.py</a:t>
+            </a:r>
+          </a:p>
+        </p:txBody>
+      </p:sp>
+      <p:pic>
+        <p:nvPicPr>
+          <p:cNvPr id="29" name="그래픽 4" descr="종이">
+            <a:extLst>
+              <a:ext uri="{FF2B5EF4-FFF2-40B4-BE49-F238E27FC236}">
+                <a16:creationId xmlns:a16="http://schemas.microsoft.com/office/drawing/2014/main" id="{6B23413F-980B-4B15-A77E-8A526437C9FB}"/>
+              </a:ext>
+            </a:extLst>
+          </p:cNvPr>
+          <p:cNvPicPr>
+            <a:picLocks noChangeAspect="1"/>
+          </p:cNvPicPr>
+          <p:nvPr/>
+        </p:nvPicPr>
+        <p:blipFill rotWithShape="1">
+          <a:blip r:embed="rId3"/>
+          <a:stretch>
+            <a:fillRect/>
+          </a:stretch>
+        </p:blipFill>
+        <p:spPr>
+          <a:xfrm>
+            <a:off x="262240" y="4794930"/>
+            <a:ext cx="504056" cy="504056"/>
+          </a:xfrm>
+          <a:prstGeom prst="rect">
+            <a:avLst/>
+          </a:prstGeom>
+        </p:spPr>
+      </p:pic>
+      <p:sp>
+        <p:nvSpPr>
+          <p:cNvPr id="30" name="TextBox 5">
+            <a:extLst>
+              <a:ext uri="{FF2B5EF4-FFF2-40B4-BE49-F238E27FC236}">
+                <a16:creationId xmlns:a16="http://schemas.microsoft.com/office/drawing/2014/main" id="{8E8794BB-9765-4334-9FDD-FE8549CA87F8}"/>
+              </a:ext>
+            </a:extLst>
+          </p:cNvPr>
+          <p:cNvSpPr txBox="1"/>
+          <p:nvPr/>
+        </p:nvSpPr>
+        <p:spPr>
+          <a:xfrm>
+            <a:off x="838304" y="4931876"/>
+            <a:ext cx="6663491" cy="369332"/>
+          </a:xfrm>
+          <a:prstGeom prst="rect">
+            <a:avLst/>
+          </a:prstGeom>
+          <a:noFill/>
+        </p:spPr>
+        <p:txBody>
+          <a:bodyPr wrap="none">
+            <a:spAutoFit/>
+          </a:bodyPr>
+          <a:lstStyle/>
+          <a:p>
+            <a:pPr lvl="0">
+              <a:defRPr/>
+            </a:pPr>
+            <a:r>
+              <a:rPr lang="en-US" altLang="ko-KR" dirty="0"/>
+              <a:t>Local_onionshare_share_mode_download_public_mode_test.py</a:t>
+            </a:r>
+          </a:p>
+        </p:txBody>
+      </p:sp>
+      <p:pic>
+        <p:nvPicPr>
+          <p:cNvPr id="31" name="그래픽 4" descr="종이">
+            <a:extLst>
+              <a:ext uri="{FF2B5EF4-FFF2-40B4-BE49-F238E27FC236}">
+                <a16:creationId xmlns:a16="http://schemas.microsoft.com/office/drawing/2014/main" id="{5E3287E4-457A-483D-B224-47490EA207ED}"/>
+              </a:ext>
+            </a:extLst>
+          </p:cNvPr>
+          <p:cNvPicPr>
+            <a:picLocks noChangeAspect="1"/>
+          </p:cNvPicPr>
+          <p:nvPr/>
+        </p:nvPicPr>
+        <p:blipFill rotWithShape="1">
+          <a:blip r:embed="rId3"/>
+          <a:stretch>
+            <a:fillRect/>
+          </a:stretch>
+        </p:blipFill>
+        <p:spPr>
+          <a:xfrm>
+            <a:off x="251520" y="5803042"/>
+            <a:ext cx="504056" cy="504056"/>
+          </a:xfrm>
+          <a:prstGeom prst="rect">
+            <a:avLst/>
+          </a:prstGeom>
+        </p:spPr>
+      </p:pic>
+      <p:sp>
+        <p:nvSpPr>
+          <p:cNvPr id="32" name="TextBox 5">
+            <a:extLst>
+              <a:ext uri="{FF2B5EF4-FFF2-40B4-BE49-F238E27FC236}">
+                <a16:creationId xmlns:a16="http://schemas.microsoft.com/office/drawing/2014/main" id="{EE60E474-3039-46D6-BD71-AA38B1FE6F22}"/>
+              </a:ext>
+            </a:extLst>
+          </p:cNvPr>
+          <p:cNvSpPr txBox="1"/>
+          <p:nvPr/>
+        </p:nvSpPr>
+        <p:spPr>
+          <a:xfrm>
+            <a:off x="827584" y="5939988"/>
+            <a:ext cx="5233612" cy="369332"/>
+          </a:xfrm>
+          <a:prstGeom prst="rect">
+            <a:avLst/>
+          </a:prstGeom>
+          <a:noFill/>
+        </p:spPr>
+        <p:txBody>
+          <a:bodyPr wrap="none">
+            <a:spAutoFit/>
+          </a:bodyPr>
+          <a:lstStyle/>
+          <a:p>
+            <a:pPr lvl="0">
+              <a:defRPr/>
+            </a:pPr>
+            <a:r>
+              <a:rPr lang="en-US" altLang="ko-KR" dirty="0"/>
+              <a:t>Local_onionshare_share_mode_download_test.py</a:t>
+            </a:r>
+          </a:p>
+        </p:txBody>
+      </p:sp>
+      <p:pic>
+        <p:nvPicPr>
+          <p:cNvPr id="35" name="그래픽 4" descr="종이">
+            <a:extLst>
+              <a:ext uri="{FF2B5EF4-FFF2-40B4-BE49-F238E27FC236}">
+                <a16:creationId xmlns:a16="http://schemas.microsoft.com/office/drawing/2014/main" id="{AA6A0482-9BB7-48D0-8317-7D5AFC976C51}"/>
+              </a:ext>
+            </a:extLst>
+          </p:cNvPr>
+          <p:cNvPicPr>
+            <a:picLocks noChangeAspect="1"/>
+          </p:cNvPicPr>
+          <p:nvPr/>
+        </p:nvPicPr>
+        <p:blipFill rotWithShape="1">
+          <a:blip r:embed="rId3"/>
+          <a:stretch>
+            <a:fillRect/>
+          </a:stretch>
+        </p:blipFill>
+        <p:spPr>
+          <a:xfrm>
+            <a:off x="251520" y="5298986"/>
+            <a:ext cx="504056" cy="504056"/>
+          </a:xfrm>
+          <a:prstGeom prst="rect">
+            <a:avLst/>
+          </a:prstGeom>
+        </p:spPr>
+      </p:pic>
+      <p:sp>
+        <p:nvSpPr>
+          <p:cNvPr id="36" name="TextBox 5">
+            <a:extLst>
+              <a:ext uri="{FF2B5EF4-FFF2-40B4-BE49-F238E27FC236}">
+                <a16:creationId xmlns:a16="http://schemas.microsoft.com/office/drawing/2014/main" id="{9E03141B-0E02-447C-BE1E-A0D9B70F5FFD}"/>
+              </a:ext>
+            </a:extLst>
+          </p:cNvPr>
+          <p:cNvSpPr txBox="1"/>
+          <p:nvPr/>
+        </p:nvSpPr>
+        <p:spPr>
+          <a:xfrm>
+            <a:off x="827584" y="5435932"/>
+            <a:ext cx="6374950" cy="369332"/>
+          </a:xfrm>
+          <a:prstGeom prst="rect">
+            <a:avLst/>
+          </a:prstGeom>
+          <a:noFill/>
+        </p:spPr>
+        <p:txBody>
+          <a:bodyPr wrap="none">
+            <a:spAutoFit/>
+          </a:bodyPr>
+          <a:lstStyle/>
+          <a:p>
+            <a:pPr lvl="0">
+              <a:defRPr/>
+            </a:pPr>
+            <a:r>
+              <a:rPr lang="en-US" altLang="ko-KR" dirty="0"/>
+              <a:t>Local_onionshare_share_mode_download_stay_open_test.py</a:t>
             </a:r>
           </a:p>
         </p:txBody>
@@ -13627,7 +13429,7 @@
     </p:spTree>
     <p:extLst>
       <p:ext uri="{BB962C8B-B14F-4D97-AF65-F5344CB8AC3E}">
-        <p14:creationId xmlns:p14="http://schemas.microsoft.com/office/powerpoint/2010/main" val="1776706162"/>
+        <p14:creationId xmlns:p14="http://schemas.microsoft.com/office/powerpoint/2010/main" val="135745161"/>
       </p:ext>
     </p:extLst>
   </p:cSld>
@@ -13884,31 +13686,7 @@
         </p:blipFill>
         <p:spPr>
           <a:xfrm>
-            <a:off x="539552" y="4005064"/>
-            <a:ext cx="504056" cy="504056"/>
-          </a:xfrm>
-          <a:prstGeom prst="rect">
-            <a:avLst/>
-          </a:prstGeom>
-        </p:spPr>
-      </p:pic>
-      <p:pic>
-        <p:nvPicPr>
-          <p:cNvPr id="47" name="그래픽 4" descr="종이"/>
-          <p:cNvPicPr>
-            <a:picLocks noChangeAspect="1"/>
-          </p:cNvPicPr>
-          <p:nvPr/>
-        </p:nvPicPr>
-        <p:blipFill rotWithShape="1">
-          <a:blip r:embed="rId3"/>
-          <a:stretch>
-            <a:fillRect/>
-          </a:stretch>
-        </p:blipFill>
-        <p:spPr>
-          <a:xfrm>
-            <a:off x="539552" y="4478705"/>
+            <a:off x="539552" y="4003353"/>
             <a:ext cx="504056" cy="504056"/>
           </a:xfrm>
           <a:prstGeom prst="rect">
@@ -13925,7 +13703,7 @@
         <p:spPr>
           <a:xfrm>
             <a:off x="1115616" y="2060848"/>
-            <a:ext cx="2054858" cy="369332"/>
+            <a:ext cx="5743175" cy="369332"/>
           </a:xfrm>
           <a:prstGeom prst="rect">
             <a:avLst/>
@@ -13943,7 +13721,7 @@
             </a:pPr>
             <a:r>
               <a:rPr lang="en-US" altLang="ko-KR" dirty="0"/>
-              <a:t>GUIReceiveTest.py</a:t>
+              <a:t>Local_onionshare_share_mode_slug_persistent_test.py</a:t>
             </a:r>
           </a:p>
         </p:txBody>
@@ -13957,7 +13735,7 @@
         <p:spPr>
           <a:xfrm>
             <a:off x="1115616" y="2627620"/>
-            <a:ext cx="2136932" cy="369332"/>
+            <a:ext cx="4747966" cy="369332"/>
           </a:xfrm>
           <a:prstGeom prst="rect">
             <a:avLst/>
@@ -13975,7 +13753,7 @@
             </a:pPr>
             <a:r>
               <a:rPr lang="en-US" altLang="ko-KR" dirty="0"/>
-              <a:t>TorGuiShareTest.py</a:t>
+              <a:t>Local_onionshare_share_mode_timer_test.py</a:t>
             </a:r>
           </a:p>
         </p:txBody>
@@ -13989,7 +13767,7 @@
         <p:spPr>
           <a:xfrm>
             <a:off x="1115616" y="3106527"/>
-            <a:ext cx="5246501" cy="369332"/>
+            <a:ext cx="5836919" cy="369332"/>
           </a:xfrm>
           <a:prstGeom prst="rect">
             <a:avLst/>
@@ -14007,7 +13785,7 @@
             </a:pPr>
             <a:r>
               <a:rPr lang="en-US" altLang="ko-KR" dirty="0"/>
-              <a:t>Onionshare_790_cancel_on_second_share_test.py</a:t>
+              <a:t>Local_onionshare_share_mode_timer_too_short_test.py</a:t>
             </a:r>
           </a:p>
         </p:txBody>
@@ -14021,7 +13799,7 @@
         <p:spPr>
           <a:xfrm>
             <a:off x="1115616" y="3598999"/>
-            <a:ext cx="5932650" cy="369332"/>
+            <a:ext cx="5775427" cy="369332"/>
           </a:xfrm>
           <a:prstGeom prst="rect">
             <a:avLst/>
@@ -14039,7 +13817,7 @@
             </a:pPr>
             <a:r>
               <a:rPr lang="en-US" altLang="ko-KR" dirty="0"/>
-              <a:t>Onionshare_receive_mode_upload_public_mode_test.py</a:t>
+              <a:t>Local_onionshare_share_mode_unreadable_file_test.py</a:t>
             </a:r>
           </a:p>
         </p:txBody>
@@ -14052,8 +13830,8 @@
         </p:nvSpPr>
         <p:spPr>
           <a:xfrm>
-            <a:off x="1115616" y="4141499"/>
-            <a:ext cx="5012398" cy="369332"/>
+            <a:off x="1115616" y="4139788"/>
+            <a:ext cx="5094280" cy="369332"/>
           </a:xfrm>
           <a:prstGeom prst="rect">
             <a:avLst/>
@@ -14071,21 +13849,21 @@
             </a:pPr>
             <a:r>
               <a:rPr lang="en-US" altLang="ko-KR" dirty="0"/>
-              <a:t>Onionshare_share_mode_cancel_share_test.py</a:t>
-            </a:r>
-          </a:p>
-        </p:txBody>
-      </p:sp>
-      <p:sp>
-        <p:nvSpPr>
-          <p:cNvPr id="59" name="TextBox 5"/>
+              <a:t>Local_onionshare_receive_mode_upload_test.py</a:t>
+            </a:r>
+          </a:p>
+        </p:txBody>
+      </p:sp>
+      <p:sp>
+        <p:nvSpPr>
+          <p:cNvPr id="61" name="TextBox 5"/>
           <p:cNvSpPr txBox="1"/>
           <p:nvPr/>
         </p:nvSpPr>
         <p:spPr>
           <a:xfrm>
-            <a:off x="1115616" y="4615651"/>
-            <a:ext cx="6195414" cy="369332"/>
+            <a:off x="1115616" y="1619508"/>
+            <a:ext cx="5849102" cy="369332"/>
           </a:xfrm>
           <a:prstGeom prst="rect">
             <a:avLst/>
@@ -14103,243 +13881,7 @@
             </a:pPr>
             <a:r>
               <a:rPr lang="en-US" altLang="ko-KR" dirty="0"/>
-              <a:t>Onionshare_share_mode_download_public_mode_test.py</a:t>
-            </a:r>
-          </a:p>
-        </p:txBody>
-      </p:sp>
-      <p:sp>
-        <p:nvSpPr>
-          <p:cNvPr id="61" name="TextBox 5"/>
-          <p:cNvSpPr txBox="1"/>
-          <p:nvPr/>
-        </p:nvSpPr>
-        <p:spPr>
-          <a:xfrm>
-            <a:off x="1115616" y="1619508"/>
-            <a:ext cx="2034403" cy="369332"/>
-          </a:xfrm>
-          <a:prstGeom prst="rect">
-            <a:avLst/>
-          </a:prstGeom>
-          <a:noFill/>
-        </p:spPr>
-        <p:txBody>
-          <a:bodyPr wrap="none">
-            <a:spAutoFit/>
-          </a:bodyPr>
-          <a:lstStyle/>
-          <a:p>
-            <a:pPr lvl="0">
-              <a:defRPr/>
-            </a:pPr>
-            <a:r>
-              <a:rPr lang="en-US" altLang="ko-KR" dirty="0"/>
-              <a:t>TorGuiBaseTest.py</a:t>
-            </a:r>
-          </a:p>
-        </p:txBody>
-      </p:sp>
-      <p:pic>
-        <p:nvPicPr>
-          <p:cNvPr id="29" name="그래픽 4" descr="종이">
-            <a:extLst>
-              <a:ext uri="{FF2B5EF4-FFF2-40B4-BE49-F238E27FC236}">
-                <a16:creationId xmlns:a16="http://schemas.microsoft.com/office/drawing/2014/main" id="{6B23413F-980B-4B15-A77E-8A526437C9FB}"/>
-              </a:ext>
-            </a:extLst>
-          </p:cNvPr>
-          <p:cNvPicPr>
-            <a:picLocks noChangeAspect="1"/>
-          </p:cNvPicPr>
-          <p:nvPr/>
-        </p:nvPicPr>
-        <p:blipFill rotWithShape="1">
-          <a:blip r:embed="rId3"/>
-          <a:stretch>
-            <a:fillRect/>
-          </a:stretch>
-        </p:blipFill>
-        <p:spPr>
-          <a:xfrm>
-            <a:off x="550272" y="4941168"/>
-            <a:ext cx="504056" cy="504056"/>
-          </a:xfrm>
-          <a:prstGeom prst="rect">
-            <a:avLst/>
-          </a:prstGeom>
-        </p:spPr>
-      </p:pic>
-      <p:sp>
-        <p:nvSpPr>
-          <p:cNvPr id="30" name="TextBox 5">
-            <a:extLst>
-              <a:ext uri="{FF2B5EF4-FFF2-40B4-BE49-F238E27FC236}">
-                <a16:creationId xmlns:a16="http://schemas.microsoft.com/office/drawing/2014/main" id="{8E8794BB-9765-4334-9FDD-FE8549CA87F8}"/>
-              </a:ext>
-            </a:extLst>
-          </p:cNvPr>
-          <p:cNvSpPr txBox="1"/>
-          <p:nvPr/>
-        </p:nvSpPr>
-        <p:spPr>
-          <a:xfrm>
-            <a:off x="1126336" y="5078114"/>
-            <a:ext cx="5783443" cy="369332"/>
-          </a:xfrm>
-          <a:prstGeom prst="rect">
-            <a:avLst/>
-          </a:prstGeom>
-          <a:noFill/>
-        </p:spPr>
-        <p:txBody>
-          <a:bodyPr wrap="none">
-            <a:spAutoFit/>
-          </a:bodyPr>
-          <a:lstStyle/>
-          <a:p>
-            <a:pPr lvl="0">
-              <a:defRPr/>
-            </a:pPr>
-            <a:r>
-              <a:rPr lang="en-US" altLang="ko-KR" dirty="0"/>
-              <a:t>Onionshare_share_mode_download_stay_open_test.py</a:t>
-            </a:r>
-          </a:p>
-        </p:txBody>
-      </p:sp>
-      <p:pic>
-        <p:nvPicPr>
-          <p:cNvPr id="37" name="그래픽 4" descr="종이">
-            <a:extLst>
-              <a:ext uri="{FF2B5EF4-FFF2-40B4-BE49-F238E27FC236}">
-                <a16:creationId xmlns:a16="http://schemas.microsoft.com/office/drawing/2014/main" id="{26B28CF6-312D-4510-813F-AD5B88D4D0B4}"/>
-              </a:ext>
-            </a:extLst>
-          </p:cNvPr>
-          <p:cNvPicPr>
-            <a:picLocks noChangeAspect="1"/>
-          </p:cNvPicPr>
-          <p:nvPr/>
-        </p:nvPicPr>
-        <p:blipFill rotWithShape="1">
-          <a:blip r:embed="rId3"/>
-          <a:stretch>
-            <a:fillRect/>
-          </a:stretch>
-        </p:blipFill>
-        <p:spPr>
-          <a:xfrm>
-            <a:off x="550272" y="5445224"/>
-            <a:ext cx="504056" cy="504056"/>
-          </a:xfrm>
-          <a:prstGeom prst="rect">
-            <a:avLst/>
-          </a:prstGeom>
-        </p:spPr>
-      </p:pic>
-      <p:sp>
-        <p:nvSpPr>
-          <p:cNvPr id="38" name="TextBox 5">
-            <a:extLst>
-              <a:ext uri="{FF2B5EF4-FFF2-40B4-BE49-F238E27FC236}">
-                <a16:creationId xmlns:a16="http://schemas.microsoft.com/office/drawing/2014/main" id="{6D970F21-184C-4B05-965C-814263B9073E}"/>
-              </a:ext>
-            </a:extLst>
-          </p:cNvPr>
-          <p:cNvSpPr txBox="1"/>
-          <p:nvPr/>
-        </p:nvSpPr>
-        <p:spPr>
-          <a:xfrm>
-            <a:off x="1126336" y="5582170"/>
-            <a:ext cx="4642105" cy="369332"/>
-          </a:xfrm>
-          <a:prstGeom prst="rect">
-            <a:avLst/>
-          </a:prstGeom>
-          <a:noFill/>
-        </p:spPr>
-        <p:txBody>
-          <a:bodyPr wrap="none">
-            <a:spAutoFit/>
-          </a:bodyPr>
-          <a:lstStyle/>
-          <a:p>
-            <a:pPr lvl="0">
-              <a:defRPr/>
-            </a:pPr>
-            <a:r>
-              <a:rPr lang="en-US" altLang="ko-KR" dirty="0"/>
-              <a:t>Onionshare_share_mode_download_test.py</a:t>
-            </a:r>
-          </a:p>
-        </p:txBody>
-      </p:sp>
-      <p:pic>
-        <p:nvPicPr>
-          <p:cNvPr id="39" name="그래픽 4" descr="종이">
-            <a:extLst>
-              <a:ext uri="{FF2B5EF4-FFF2-40B4-BE49-F238E27FC236}">
-                <a16:creationId xmlns:a16="http://schemas.microsoft.com/office/drawing/2014/main" id="{901CC532-067E-47C7-8955-F11D1C64AF92}"/>
-              </a:ext>
-            </a:extLst>
-          </p:cNvPr>
-          <p:cNvPicPr>
-            <a:picLocks noChangeAspect="1"/>
-          </p:cNvPicPr>
-          <p:nvPr/>
-        </p:nvPicPr>
-        <p:blipFill rotWithShape="1">
-          <a:blip r:embed="rId3"/>
-          <a:stretch>
-            <a:fillRect/>
-          </a:stretch>
-        </p:blipFill>
-        <p:spPr>
-          <a:xfrm>
-            <a:off x="539552" y="5949280"/>
-            <a:ext cx="504056" cy="504056"/>
-          </a:xfrm>
-          <a:prstGeom prst="rect">
-            <a:avLst/>
-          </a:prstGeom>
-        </p:spPr>
-      </p:pic>
-      <p:sp>
-        <p:nvSpPr>
-          <p:cNvPr id="40" name="TextBox 5">
-            <a:extLst>
-              <a:ext uri="{FF2B5EF4-FFF2-40B4-BE49-F238E27FC236}">
-                <a16:creationId xmlns:a16="http://schemas.microsoft.com/office/drawing/2014/main" id="{B1216691-4537-411E-9E51-22D282BE2804}"/>
-              </a:ext>
-            </a:extLst>
-          </p:cNvPr>
-          <p:cNvSpPr txBox="1"/>
-          <p:nvPr/>
-        </p:nvSpPr>
-        <p:spPr>
-          <a:xfrm>
-            <a:off x="1115616" y="6084004"/>
-            <a:ext cx="4625882" cy="369332"/>
-          </a:xfrm>
-          <a:prstGeom prst="rect">
-            <a:avLst/>
-          </a:prstGeom>
-          <a:noFill/>
-        </p:spPr>
-        <p:txBody>
-          <a:bodyPr wrap="none">
-            <a:spAutoFit/>
-          </a:bodyPr>
-          <a:lstStyle/>
-          <a:p>
-            <a:pPr lvl="0">
-              <a:defRPr/>
-            </a:pPr>
-            <a:r>
-              <a:rPr lang="en-US" altLang="ko-KR" dirty="0"/>
-              <a:t>Onionshare_share_mode_persistent_test.py</a:t>
+              <a:t>Local_onionshare_share_mode_large_download_test.py</a:t>
             </a:r>
           </a:p>
         </p:txBody>
@@ -14347,7 +13889,7 @@
     </p:spTree>
     <p:extLst>
       <p:ext uri="{BB962C8B-B14F-4D97-AF65-F5344CB8AC3E}">
-        <p14:creationId xmlns:p14="http://schemas.microsoft.com/office/powerpoint/2010/main" val="1138613453"/>
+        <p14:creationId xmlns:p14="http://schemas.microsoft.com/office/powerpoint/2010/main" val="1776706162"/>
       </p:ext>
     </p:extLst>
   </p:cSld>
@@ -14468,48 +14010,6 @@
           </a:p>
         </p:txBody>
       </p:sp>
-      <p:sp>
-        <p:nvSpPr>
-          <p:cNvPr id="20" name="TextBox 19"/>
-          <p:cNvSpPr txBox="1"/>
-          <p:nvPr/>
-        </p:nvSpPr>
-        <p:spPr>
-          <a:xfrm>
-            <a:off x="427434" y="836712"/>
-            <a:ext cx="3064446" cy="571083"/>
-          </a:xfrm>
-          <a:prstGeom prst="rect">
-            <a:avLst/>
-          </a:prstGeom>
-          <a:noFill/>
-        </p:spPr>
-        <p:txBody>
-          <a:bodyPr wrap="square">
-            <a:spAutoFit/>
-          </a:bodyPr>
-          <a:lstStyle/>
-          <a:p>
-            <a:pPr lvl="0">
-              <a:defRPr/>
-            </a:pPr>
-            <a:r>
-              <a:rPr lang="en-US" altLang="ko-KR" sz="3200">
-                <a:latin typeface="나눔바른고딕OTF Light"/>
-                <a:ea typeface="나눔바른고딕OTF Light"/>
-              </a:rPr>
-              <a:t>SW</a:t>
-            </a:r>
-            <a:r>
-              <a:rPr lang="ko-KR" altLang="en-US" sz="3200">
-                <a:latin typeface="나눔바른고딕OTF Light"/>
-                <a:ea typeface="나눔바른고딕OTF Light"/>
-              </a:rPr>
-              <a:t> 기능 분석</a:t>
-            </a:r>
-          </a:p>
-        </p:txBody>
-      </p:sp>
       <p:pic>
         <p:nvPicPr>
           <p:cNvPr id="41" name="그래픽 4" descr="종이"/>
@@ -14687,7 +14187,7 @@
         <p:spPr>
           <a:xfrm>
             <a:off x="1115616" y="2060848"/>
-            <a:ext cx="4156459" cy="369332"/>
+            <a:ext cx="2054858" cy="369332"/>
           </a:xfrm>
           <a:prstGeom prst="rect">
             <a:avLst/>
@@ -14705,7 +14205,7 @@
             </a:pPr>
             <a:r>
               <a:rPr lang="en-US" altLang="ko-KR" dirty="0"/>
-              <a:t>Onionshare_share_mode_timer_test.py</a:t>
+              <a:t>GUIReceiveTest.py</a:t>
             </a:r>
           </a:p>
         </p:txBody>
@@ -14719,7 +14219,7 @@
         <p:spPr>
           <a:xfrm>
             <a:off x="1115616" y="2627620"/>
-            <a:ext cx="5805628" cy="369332"/>
+            <a:ext cx="2136932" cy="369332"/>
           </a:xfrm>
           <a:prstGeom prst="rect">
             <a:avLst/>
@@ -14737,7 +14237,7 @@
             </a:pPr>
             <a:r>
               <a:rPr lang="en-US" altLang="ko-KR" dirty="0"/>
-              <a:t>Onionshare_share_mode_tor_connection_killed_test.py</a:t>
+              <a:t>TorGuiShareTest.py</a:t>
             </a:r>
           </a:p>
         </p:txBody>
@@ -14751,7 +14251,7 @@
         <p:spPr>
           <a:xfrm>
             <a:off x="1115616" y="3106527"/>
-            <a:ext cx="4545988" cy="369332"/>
+            <a:ext cx="5246501" cy="369332"/>
           </a:xfrm>
           <a:prstGeom prst="rect">
             <a:avLst/>
@@ -14769,7 +14269,7 @@
             </a:pPr>
             <a:r>
               <a:rPr lang="en-US" altLang="ko-KR" dirty="0"/>
-              <a:t>Onionshare_share_mode_v2_onion_test.py</a:t>
+              <a:t>Onionshare_790_cancel_on_second_share_test.py</a:t>
             </a:r>
           </a:p>
         </p:txBody>
@@ -14783,7 +14283,7 @@
         <p:spPr>
           <a:xfrm>
             <a:off x="1115616" y="3598999"/>
-            <a:ext cx="1742785" cy="369332"/>
+            <a:ext cx="5932650" cy="369332"/>
           </a:xfrm>
           <a:prstGeom prst="rect">
             <a:avLst/>
@@ -14801,7 +14301,7 @@
             </a:pPr>
             <a:r>
               <a:rPr lang="en-US" altLang="ko-KR" dirty="0"/>
-              <a:t>Test_helpers.py</a:t>
+              <a:t>Onionshare_receive_mode_upload_public_mode_test.py</a:t>
             </a:r>
           </a:p>
         </p:txBody>
@@ -14815,7 +14315,7 @@
         <p:spPr>
           <a:xfrm>
             <a:off x="1115616" y="4141499"/>
-            <a:ext cx="3161315" cy="369332"/>
+            <a:ext cx="5012398" cy="369332"/>
           </a:xfrm>
           <a:prstGeom prst="rect">
             <a:avLst/>
@@ -14833,7 +14333,7 @@
             </a:pPr>
             <a:r>
               <a:rPr lang="en-US" altLang="ko-KR" dirty="0"/>
-              <a:t>Test_onionshare_common.py</a:t>
+              <a:t>Onionshare_share_mode_cancel_share_test.py</a:t>
             </a:r>
           </a:p>
         </p:txBody>
@@ -14847,7 +14347,7 @@
         <p:spPr>
           <a:xfrm>
             <a:off x="1115616" y="4615651"/>
-            <a:ext cx="2138599" cy="369332"/>
+            <a:ext cx="6195414" cy="369332"/>
           </a:xfrm>
           <a:prstGeom prst="rect">
             <a:avLst/>
@@ -14865,7 +14365,7 @@
             </a:pPr>
             <a:r>
               <a:rPr lang="en-US" altLang="ko-KR" dirty="0"/>
-              <a:t>Test_onionshare.py</a:t>
+              <a:t>Onionshare_share_mode_download_public_mode_test.py</a:t>
             </a:r>
           </a:p>
         </p:txBody>
@@ -14879,7 +14379,7 @@
         <p:spPr>
           <a:xfrm>
             <a:off x="1115616" y="1619508"/>
-            <a:ext cx="4302012" cy="369332"/>
+            <a:ext cx="2034403" cy="369332"/>
           </a:xfrm>
           <a:prstGeom prst="rect">
             <a:avLst/>
@@ -14897,7 +14397,7 @@
             </a:pPr>
             <a:r>
               <a:rPr lang="en-US" altLang="ko-KR" dirty="0"/>
-              <a:t>Onionshare_share_mode_stealth_test.py</a:t>
+              <a:t>TorGuiBaseTest.py</a:t>
             </a:r>
           </a:p>
         </p:txBody>
@@ -14947,7 +14447,7 @@
         <p:spPr>
           <a:xfrm>
             <a:off x="1126336" y="5078114"/>
-            <a:ext cx="1281120" cy="369332"/>
+            <a:ext cx="5783443" cy="369332"/>
           </a:xfrm>
           <a:prstGeom prst="rect">
             <a:avLst/>
@@ -14965,7 +14465,143 @@
             </a:pPr>
             <a:r>
               <a:rPr lang="en-US" altLang="ko-KR" dirty="0"/>
-              <a:t>Confest.py</a:t>
+              <a:t>Onionshare_share_mode_download_stay_open_test.py</a:t>
+            </a:r>
+          </a:p>
+        </p:txBody>
+      </p:sp>
+      <p:pic>
+        <p:nvPicPr>
+          <p:cNvPr id="37" name="그래픽 4" descr="종이">
+            <a:extLst>
+              <a:ext uri="{FF2B5EF4-FFF2-40B4-BE49-F238E27FC236}">
+                <a16:creationId xmlns:a16="http://schemas.microsoft.com/office/drawing/2014/main" id="{26B28CF6-312D-4510-813F-AD5B88D4D0B4}"/>
+              </a:ext>
+            </a:extLst>
+          </p:cNvPr>
+          <p:cNvPicPr>
+            <a:picLocks noChangeAspect="1"/>
+          </p:cNvPicPr>
+          <p:nvPr/>
+        </p:nvPicPr>
+        <p:blipFill rotWithShape="1">
+          <a:blip r:embed="rId3"/>
+          <a:stretch>
+            <a:fillRect/>
+          </a:stretch>
+        </p:blipFill>
+        <p:spPr>
+          <a:xfrm>
+            <a:off x="550272" y="5445224"/>
+            <a:ext cx="504056" cy="504056"/>
+          </a:xfrm>
+          <a:prstGeom prst="rect">
+            <a:avLst/>
+          </a:prstGeom>
+        </p:spPr>
+      </p:pic>
+      <p:sp>
+        <p:nvSpPr>
+          <p:cNvPr id="38" name="TextBox 5">
+            <a:extLst>
+              <a:ext uri="{FF2B5EF4-FFF2-40B4-BE49-F238E27FC236}">
+                <a16:creationId xmlns:a16="http://schemas.microsoft.com/office/drawing/2014/main" id="{6D970F21-184C-4B05-965C-814263B9073E}"/>
+              </a:ext>
+            </a:extLst>
+          </p:cNvPr>
+          <p:cNvSpPr txBox="1"/>
+          <p:nvPr/>
+        </p:nvSpPr>
+        <p:spPr>
+          <a:xfrm>
+            <a:off x="1126336" y="5582170"/>
+            <a:ext cx="4642105" cy="369332"/>
+          </a:xfrm>
+          <a:prstGeom prst="rect">
+            <a:avLst/>
+          </a:prstGeom>
+          <a:noFill/>
+        </p:spPr>
+        <p:txBody>
+          <a:bodyPr wrap="none">
+            <a:spAutoFit/>
+          </a:bodyPr>
+          <a:lstStyle/>
+          <a:p>
+            <a:pPr lvl="0">
+              <a:defRPr/>
+            </a:pPr>
+            <a:r>
+              <a:rPr lang="en-US" altLang="ko-KR" dirty="0"/>
+              <a:t>Onionshare_share_mode_download_test.py</a:t>
+            </a:r>
+          </a:p>
+        </p:txBody>
+      </p:sp>
+      <p:pic>
+        <p:nvPicPr>
+          <p:cNvPr id="39" name="그래픽 4" descr="종이">
+            <a:extLst>
+              <a:ext uri="{FF2B5EF4-FFF2-40B4-BE49-F238E27FC236}">
+                <a16:creationId xmlns:a16="http://schemas.microsoft.com/office/drawing/2014/main" id="{901CC532-067E-47C7-8955-F11D1C64AF92}"/>
+              </a:ext>
+            </a:extLst>
+          </p:cNvPr>
+          <p:cNvPicPr>
+            <a:picLocks noChangeAspect="1"/>
+          </p:cNvPicPr>
+          <p:nvPr/>
+        </p:nvPicPr>
+        <p:blipFill rotWithShape="1">
+          <a:blip r:embed="rId3"/>
+          <a:stretch>
+            <a:fillRect/>
+          </a:stretch>
+        </p:blipFill>
+        <p:spPr>
+          <a:xfrm>
+            <a:off x="539552" y="5949280"/>
+            <a:ext cx="504056" cy="504056"/>
+          </a:xfrm>
+          <a:prstGeom prst="rect">
+            <a:avLst/>
+          </a:prstGeom>
+        </p:spPr>
+      </p:pic>
+      <p:sp>
+        <p:nvSpPr>
+          <p:cNvPr id="40" name="TextBox 5">
+            <a:extLst>
+              <a:ext uri="{FF2B5EF4-FFF2-40B4-BE49-F238E27FC236}">
+                <a16:creationId xmlns:a16="http://schemas.microsoft.com/office/drawing/2014/main" id="{B1216691-4537-411E-9E51-22D282BE2804}"/>
+              </a:ext>
+            </a:extLst>
+          </p:cNvPr>
+          <p:cNvSpPr txBox="1"/>
+          <p:nvPr/>
+        </p:nvSpPr>
+        <p:spPr>
+          <a:xfrm>
+            <a:off x="1115616" y="6084004"/>
+            <a:ext cx="4625882" cy="369332"/>
+          </a:xfrm>
+          <a:prstGeom prst="rect">
+            <a:avLst/>
+          </a:prstGeom>
+          <a:noFill/>
+        </p:spPr>
+        <p:txBody>
+          <a:bodyPr wrap="none">
+            <a:spAutoFit/>
+          </a:bodyPr>
+          <a:lstStyle/>
+          <a:p>
+            <a:pPr lvl="0">
+              <a:defRPr/>
+            </a:pPr>
+            <a:r>
+              <a:rPr lang="en-US" altLang="ko-KR" dirty="0"/>
+              <a:t>Onionshare_share_mode_persistent_test.py</a:t>
             </a:r>
           </a:p>
         </p:txBody>
@@ -14973,7 +14609,7 @@
     </p:spTree>
     <p:extLst>
       <p:ext uri="{BB962C8B-B14F-4D97-AF65-F5344CB8AC3E}">
-        <p14:creationId xmlns:p14="http://schemas.microsoft.com/office/powerpoint/2010/main" val="270170662"/>
+        <p14:creationId xmlns:p14="http://schemas.microsoft.com/office/powerpoint/2010/main" val="1138613453"/>
       </p:ext>
     </p:extLst>
   </p:cSld>
@@ -15669,6 +15305,590 @@
           </a:p>
         </p:txBody>
       </p:sp>
+      <p:pic>
+        <p:nvPicPr>
+          <p:cNvPr id="41" name="그래픽 4" descr="종이"/>
+          <p:cNvPicPr>
+            <a:picLocks noChangeAspect="1"/>
+          </p:cNvPicPr>
+          <p:nvPr/>
+        </p:nvPicPr>
+        <p:blipFill rotWithShape="1">
+          <a:blip r:embed="rId3"/>
+          <a:stretch>
+            <a:fillRect/>
+          </a:stretch>
+        </p:blipFill>
+        <p:spPr>
+          <a:xfrm>
+            <a:off x="539552" y="1484784"/>
+            <a:ext cx="504056" cy="504056"/>
+          </a:xfrm>
+          <a:prstGeom prst="rect">
+            <a:avLst/>
+          </a:prstGeom>
+        </p:spPr>
+      </p:pic>
+      <p:pic>
+        <p:nvPicPr>
+          <p:cNvPr id="42" name="그래픽 4" descr="종이"/>
+          <p:cNvPicPr>
+            <a:picLocks noChangeAspect="1"/>
+          </p:cNvPicPr>
+          <p:nvPr/>
+        </p:nvPicPr>
+        <p:blipFill rotWithShape="1">
+          <a:blip r:embed="rId3"/>
+          <a:stretch>
+            <a:fillRect/>
+          </a:stretch>
+        </p:blipFill>
+        <p:spPr>
+          <a:xfrm>
+            <a:off x="539552" y="1988840"/>
+            <a:ext cx="504056" cy="504056"/>
+          </a:xfrm>
+          <a:prstGeom prst="rect">
+            <a:avLst/>
+          </a:prstGeom>
+        </p:spPr>
+      </p:pic>
+      <p:pic>
+        <p:nvPicPr>
+          <p:cNvPr id="43" name="그래픽 4" descr="종이"/>
+          <p:cNvPicPr>
+            <a:picLocks noChangeAspect="1"/>
+          </p:cNvPicPr>
+          <p:nvPr/>
+        </p:nvPicPr>
+        <p:blipFill rotWithShape="1">
+          <a:blip r:embed="rId3"/>
+          <a:stretch>
+            <a:fillRect/>
+          </a:stretch>
+        </p:blipFill>
+        <p:spPr>
+          <a:xfrm>
+            <a:off x="539552" y="2492896"/>
+            <a:ext cx="504056" cy="504056"/>
+          </a:xfrm>
+          <a:prstGeom prst="rect">
+            <a:avLst/>
+          </a:prstGeom>
+        </p:spPr>
+      </p:pic>
+      <p:pic>
+        <p:nvPicPr>
+          <p:cNvPr id="44" name="그래픽 4" descr="종이"/>
+          <p:cNvPicPr>
+            <a:picLocks noChangeAspect="1"/>
+          </p:cNvPicPr>
+          <p:nvPr/>
+        </p:nvPicPr>
+        <p:blipFill rotWithShape="1">
+          <a:blip r:embed="rId3"/>
+          <a:stretch>
+            <a:fillRect/>
+          </a:stretch>
+        </p:blipFill>
+        <p:spPr>
+          <a:xfrm>
+            <a:off x="539552" y="2996952"/>
+            <a:ext cx="504056" cy="504056"/>
+          </a:xfrm>
+          <a:prstGeom prst="rect">
+            <a:avLst/>
+          </a:prstGeom>
+        </p:spPr>
+      </p:pic>
+      <p:pic>
+        <p:nvPicPr>
+          <p:cNvPr id="45" name="그래픽 4" descr="종이"/>
+          <p:cNvPicPr>
+            <a:picLocks noChangeAspect="1"/>
+          </p:cNvPicPr>
+          <p:nvPr/>
+        </p:nvPicPr>
+        <p:blipFill rotWithShape="1">
+          <a:blip r:embed="rId3"/>
+          <a:stretch>
+            <a:fillRect/>
+          </a:stretch>
+        </p:blipFill>
+        <p:spPr>
+          <a:xfrm>
+            <a:off x="539552" y="3501008"/>
+            <a:ext cx="504056" cy="504056"/>
+          </a:xfrm>
+          <a:prstGeom prst="rect">
+            <a:avLst/>
+          </a:prstGeom>
+        </p:spPr>
+      </p:pic>
+      <p:pic>
+        <p:nvPicPr>
+          <p:cNvPr id="46" name="그래픽 4" descr="종이"/>
+          <p:cNvPicPr>
+            <a:picLocks noChangeAspect="1"/>
+          </p:cNvPicPr>
+          <p:nvPr/>
+        </p:nvPicPr>
+        <p:blipFill rotWithShape="1">
+          <a:blip r:embed="rId3"/>
+          <a:stretch>
+            <a:fillRect/>
+          </a:stretch>
+        </p:blipFill>
+        <p:spPr>
+          <a:xfrm>
+            <a:off x="539552" y="4005064"/>
+            <a:ext cx="504056" cy="504056"/>
+          </a:xfrm>
+          <a:prstGeom prst="rect">
+            <a:avLst/>
+          </a:prstGeom>
+        </p:spPr>
+      </p:pic>
+      <p:pic>
+        <p:nvPicPr>
+          <p:cNvPr id="47" name="그래픽 4" descr="종이"/>
+          <p:cNvPicPr>
+            <a:picLocks noChangeAspect="1"/>
+          </p:cNvPicPr>
+          <p:nvPr/>
+        </p:nvPicPr>
+        <p:blipFill rotWithShape="1">
+          <a:blip r:embed="rId3"/>
+          <a:stretch>
+            <a:fillRect/>
+          </a:stretch>
+        </p:blipFill>
+        <p:spPr>
+          <a:xfrm>
+            <a:off x="539552" y="4478705"/>
+            <a:ext cx="504056" cy="504056"/>
+          </a:xfrm>
+          <a:prstGeom prst="rect">
+            <a:avLst/>
+          </a:prstGeom>
+        </p:spPr>
+      </p:pic>
+      <p:sp>
+        <p:nvSpPr>
+          <p:cNvPr id="54" name="TextBox 5"/>
+          <p:cNvSpPr txBox="1"/>
+          <p:nvPr/>
+        </p:nvSpPr>
+        <p:spPr>
+          <a:xfrm>
+            <a:off x="1115616" y="2060848"/>
+            <a:ext cx="4156459" cy="369332"/>
+          </a:xfrm>
+          <a:prstGeom prst="rect">
+            <a:avLst/>
+          </a:prstGeom>
+          <a:noFill/>
+        </p:spPr>
+        <p:txBody>
+          <a:bodyPr wrap="none">
+            <a:spAutoFit/>
+          </a:bodyPr>
+          <a:lstStyle/>
+          <a:p>
+            <a:pPr lvl="0">
+              <a:defRPr/>
+            </a:pPr>
+            <a:r>
+              <a:rPr lang="en-US" altLang="ko-KR" dirty="0"/>
+              <a:t>Onionshare_share_mode_timer_test.py</a:t>
+            </a:r>
+          </a:p>
+        </p:txBody>
+      </p:sp>
+      <p:sp>
+        <p:nvSpPr>
+          <p:cNvPr id="55" name="TextBox 5"/>
+          <p:cNvSpPr txBox="1"/>
+          <p:nvPr/>
+        </p:nvSpPr>
+        <p:spPr>
+          <a:xfrm>
+            <a:off x="1115616" y="2627620"/>
+            <a:ext cx="5805628" cy="369332"/>
+          </a:xfrm>
+          <a:prstGeom prst="rect">
+            <a:avLst/>
+          </a:prstGeom>
+          <a:noFill/>
+        </p:spPr>
+        <p:txBody>
+          <a:bodyPr wrap="none">
+            <a:spAutoFit/>
+          </a:bodyPr>
+          <a:lstStyle/>
+          <a:p>
+            <a:pPr lvl="0">
+              <a:defRPr/>
+            </a:pPr>
+            <a:r>
+              <a:rPr lang="en-US" altLang="ko-KR" dirty="0"/>
+              <a:t>Onionshare_share_mode_tor_connection_killed_test.py</a:t>
+            </a:r>
+          </a:p>
+        </p:txBody>
+      </p:sp>
+      <p:sp>
+        <p:nvSpPr>
+          <p:cNvPr id="56" name="TextBox 5"/>
+          <p:cNvSpPr txBox="1"/>
+          <p:nvPr/>
+        </p:nvSpPr>
+        <p:spPr>
+          <a:xfrm>
+            <a:off x="1115616" y="3106527"/>
+            <a:ext cx="4545988" cy="369332"/>
+          </a:xfrm>
+          <a:prstGeom prst="rect">
+            <a:avLst/>
+          </a:prstGeom>
+          <a:noFill/>
+        </p:spPr>
+        <p:txBody>
+          <a:bodyPr wrap="none">
+            <a:spAutoFit/>
+          </a:bodyPr>
+          <a:lstStyle/>
+          <a:p>
+            <a:pPr lvl="0">
+              <a:defRPr/>
+            </a:pPr>
+            <a:r>
+              <a:rPr lang="en-US" altLang="ko-KR" dirty="0"/>
+              <a:t>Onionshare_share_mode_v2_onion_test.py</a:t>
+            </a:r>
+          </a:p>
+        </p:txBody>
+      </p:sp>
+      <p:sp>
+        <p:nvSpPr>
+          <p:cNvPr id="57" name="TextBox 5"/>
+          <p:cNvSpPr txBox="1"/>
+          <p:nvPr/>
+        </p:nvSpPr>
+        <p:spPr>
+          <a:xfrm>
+            <a:off x="1115616" y="3598999"/>
+            <a:ext cx="1742785" cy="369332"/>
+          </a:xfrm>
+          <a:prstGeom prst="rect">
+            <a:avLst/>
+          </a:prstGeom>
+          <a:noFill/>
+        </p:spPr>
+        <p:txBody>
+          <a:bodyPr wrap="none">
+            <a:spAutoFit/>
+          </a:bodyPr>
+          <a:lstStyle/>
+          <a:p>
+            <a:pPr lvl="0">
+              <a:defRPr/>
+            </a:pPr>
+            <a:r>
+              <a:rPr lang="en-US" altLang="ko-KR" dirty="0"/>
+              <a:t>Test_helpers.py</a:t>
+            </a:r>
+          </a:p>
+        </p:txBody>
+      </p:sp>
+      <p:sp>
+        <p:nvSpPr>
+          <p:cNvPr id="58" name="TextBox 5"/>
+          <p:cNvSpPr txBox="1"/>
+          <p:nvPr/>
+        </p:nvSpPr>
+        <p:spPr>
+          <a:xfrm>
+            <a:off x="1115616" y="4141499"/>
+            <a:ext cx="3161315" cy="369332"/>
+          </a:xfrm>
+          <a:prstGeom prst="rect">
+            <a:avLst/>
+          </a:prstGeom>
+          <a:noFill/>
+        </p:spPr>
+        <p:txBody>
+          <a:bodyPr wrap="none">
+            <a:spAutoFit/>
+          </a:bodyPr>
+          <a:lstStyle/>
+          <a:p>
+            <a:pPr lvl="0">
+              <a:defRPr/>
+            </a:pPr>
+            <a:r>
+              <a:rPr lang="en-US" altLang="ko-KR" dirty="0"/>
+              <a:t>Test_onionshare_common.py</a:t>
+            </a:r>
+          </a:p>
+        </p:txBody>
+      </p:sp>
+      <p:sp>
+        <p:nvSpPr>
+          <p:cNvPr id="59" name="TextBox 5"/>
+          <p:cNvSpPr txBox="1"/>
+          <p:nvPr/>
+        </p:nvSpPr>
+        <p:spPr>
+          <a:xfrm>
+            <a:off x="1115616" y="4615651"/>
+            <a:ext cx="2138599" cy="369332"/>
+          </a:xfrm>
+          <a:prstGeom prst="rect">
+            <a:avLst/>
+          </a:prstGeom>
+          <a:noFill/>
+        </p:spPr>
+        <p:txBody>
+          <a:bodyPr wrap="none">
+            <a:spAutoFit/>
+          </a:bodyPr>
+          <a:lstStyle/>
+          <a:p>
+            <a:pPr lvl="0">
+              <a:defRPr/>
+            </a:pPr>
+            <a:r>
+              <a:rPr lang="en-US" altLang="ko-KR" dirty="0"/>
+              <a:t>Test_onionshare.py</a:t>
+            </a:r>
+          </a:p>
+        </p:txBody>
+      </p:sp>
+      <p:sp>
+        <p:nvSpPr>
+          <p:cNvPr id="61" name="TextBox 5"/>
+          <p:cNvSpPr txBox="1"/>
+          <p:nvPr/>
+        </p:nvSpPr>
+        <p:spPr>
+          <a:xfrm>
+            <a:off x="1115616" y="1619508"/>
+            <a:ext cx="4302012" cy="369332"/>
+          </a:xfrm>
+          <a:prstGeom prst="rect">
+            <a:avLst/>
+          </a:prstGeom>
+          <a:noFill/>
+        </p:spPr>
+        <p:txBody>
+          <a:bodyPr wrap="none">
+            <a:spAutoFit/>
+          </a:bodyPr>
+          <a:lstStyle/>
+          <a:p>
+            <a:pPr lvl="0">
+              <a:defRPr/>
+            </a:pPr>
+            <a:r>
+              <a:rPr lang="en-US" altLang="ko-KR" dirty="0"/>
+              <a:t>Onionshare_share_mode_stealth_test.py</a:t>
+            </a:r>
+          </a:p>
+        </p:txBody>
+      </p:sp>
+      <p:pic>
+        <p:nvPicPr>
+          <p:cNvPr id="29" name="그래픽 4" descr="종이">
+            <a:extLst>
+              <a:ext uri="{FF2B5EF4-FFF2-40B4-BE49-F238E27FC236}">
+                <a16:creationId xmlns:a16="http://schemas.microsoft.com/office/drawing/2014/main" id="{6B23413F-980B-4B15-A77E-8A526437C9FB}"/>
+              </a:ext>
+            </a:extLst>
+          </p:cNvPr>
+          <p:cNvPicPr>
+            <a:picLocks noChangeAspect="1"/>
+          </p:cNvPicPr>
+          <p:nvPr/>
+        </p:nvPicPr>
+        <p:blipFill rotWithShape="1">
+          <a:blip r:embed="rId3"/>
+          <a:stretch>
+            <a:fillRect/>
+          </a:stretch>
+        </p:blipFill>
+        <p:spPr>
+          <a:xfrm>
+            <a:off x="550272" y="4941168"/>
+            <a:ext cx="504056" cy="504056"/>
+          </a:xfrm>
+          <a:prstGeom prst="rect">
+            <a:avLst/>
+          </a:prstGeom>
+        </p:spPr>
+      </p:pic>
+      <p:sp>
+        <p:nvSpPr>
+          <p:cNvPr id="30" name="TextBox 5">
+            <a:extLst>
+              <a:ext uri="{FF2B5EF4-FFF2-40B4-BE49-F238E27FC236}">
+                <a16:creationId xmlns:a16="http://schemas.microsoft.com/office/drawing/2014/main" id="{8E8794BB-9765-4334-9FDD-FE8549CA87F8}"/>
+              </a:ext>
+            </a:extLst>
+          </p:cNvPr>
+          <p:cNvSpPr txBox="1"/>
+          <p:nvPr/>
+        </p:nvSpPr>
+        <p:spPr>
+          <a:xfrm>
+            <a:off x="1126336" y="5078114"/>
+            <a:ext cx="1281120" cy="369332"/>
+          </a:xfrm>
+          <a:prstGeom prst="rect">
+            <a:avLst/>
+          </a:prstGeom>
+          <a:noFill/>
+        </p:spPr>
+        <p:txBody>
+          <a:bodyPr wrap="none">
+            <a:spAutoFit/>
+          </a:bodyPr>
+          <a:lstStyle/>
+          <a:p>
+            <a:pPr lvl="0">
+              <a:defRPr/>
+            </a:pPr>
+            <a:r>
+              <a:rPr lang="en-US" altLang="ko-KR" dirty="0"/>
+              <a:t>Confest.py</a:t>
+            </a:r>
+          </a:p>
+        </p:txBody>
+      </p:sp>
+    </p:spTree>
+    <p:extLst>
+      <p:ext uri="{BB962C8B-B14F-4D97-AF65-F5344CB8AC3E}">
+        <p14:creationId xmlns:p14="http://schemas.microsoft.com/office/powerpoint/2010/main" val="270170662"/>
+      </p:ext>
+    </p:extLst>
+  </p:cSld>
+  <p:clrMapOvr>
+    <a:masterClrMapping/>
+  </p:clrMapOvr>
+  <mc:AlternateContent xmlns:mc="http://schemas.openxmlformats.org/markup-compatibility/2006" xmlns:p14="http://schemas.microsoft.com/office/powerpoint/2010/main">
+    <mc:Choice Requires="p14">
+      <p:transition/>
+    </mc:Choice>
+    <mc:Fallback xmlns="" xmlns:c="http://schemas.openxmlformats.org/drawingml/2006/chart" xmlns:dgm="http://schemas.openxmlformats.org/drawingml/2006/diagram" xmlns:dsp="http://schemas.microsoft.com/office/drawing/2008/diagram">
+      <p:transition/>
+    </mc:Fallback>
+  </mc:AlternateContent>
+</p:sld>
+</file>
+
+<file path=ppt/slides/slide21.xml><?xml version="1.0" encoding="utf-8"?>
+<p:sld xmlns:a="http://schemas.openxmlformats.org/drawingml/2006/main" xmlns:r="http://schemas.openxmlformats.org/officeDocument/2006/relationships" xmlns:p="http://schemas.openxmlformats.org/presentationml/2006/main">
+  <p:cSld>
+    <p:spTree>
+      <p:nvGrpSpPr>
+        <p:cNvPr id="1" name=""/>
+        <p:cNvGrpSpPr/>
+        <p:nvPr/>
+      </p:nvGrpSpPr>
+      <p:grpSpPr>
+        <a:xfrm>
+          <a:off x="0" y="0"/>
+          <a:ext cx="0" cy="0"/>
+          <a:chOff x="0" y="0"/>
+          <a:chExt cx="0" cy="0"/>
+        </a:xfrm>
+      </p:grpSpPr>
+      <p:sp>
+        <p:nvSpPr>
+          <p:cNvPr id="33" name="타원 32"/>
+          <p:cNvSpPr/>
+          <p:nvPr/>
+        </p:nvSpPr>
+        <p:spPr>
+          <a:xfrm>
+            <a:off x="4067944" y="74100"/>
+            <a:ext cx="936104" cy="936104"/>
+          </a:xfrm>
+          <a:prstGeom prst="ellipse">
+            <a:avLst/>
+          </a:prstGeom>
+          <a:solidFill>
+            <a:schemeClr val="tx1"/>
+          </a:solidFill>
+          <a:ln>
+            <a:noFill/>
+          </a:ln>
+        </p:spPr>
+        <p:style>
+          <a:lnRef idx="2">
+            <a:schemeClr val="accent1">
+              <a:shade val="50000"/>
+            </a:schemeClr>
+          </a:lnRef>
+          <a:fillRef idx="1">
+            <a:schemeClr val="accent1"/>
+          </a:fillRef>
+          <a:effectRef idx="0">
+            <a:schemeClr val="accent1"/>
+          </a:effectRef>
+          <a:fontRef idx="minor">
+            <a:schemeClr val="lt1"/>
+          </a:fontRef>
+        </p:style>
+        <p:txBody>
+          <a:bodyPr anchor="ctr"/>
+          <a:lstStyle/>
+          <a:p>
+            <a:pPr algn="ctr">
+              <a:defRPr/>
+            </a:pPr>
+            <a:endParaRPr lang="ko-KR" altLang="en-US"/>
+          </a:p>
+        </p:txBody>
+      </p:sp>
+      <p:sp>
+        <p:nvSpPr>
+          <p:cNvPr id="34" name="TextBox 33"/>
+          <p:cNvSpPr txBox="1"/>
+          <p:nvPr/>
+        </p:nvSpPr>
+        <p:spPr>
+          <a:xfrm>
+            <a:off x="3995936" y="479095"/>
+            <a:ext cx="1080120" cy="461665"/>
+          </a:xfrm>
+          <a:prstGeom prst="rect">
+            <a:avLst/>
+          </a:prstGeom>
+          <a:noFill/>
+        </p:spPr>
+        <p:txBody>
+          <a:bodyPr wrap="square">
+            <a:spAutoFit/>
+          </a:bodyPr>
+          <a:lstStyle/>
+          <a:p>
+            <a:pPr algn="ctr">
+              <a:defRPr/>
+            </a:pPr>
+            <a:r>
+              <a:rPr lang="en-US" altLang="ko-KR" sz="2400">
+                <a:solidFill>
+                  <a:schemeClr val="bg1"/>
+                </a:solidFill>
+                <a:latin typeface="HY헤드라인M"/>
+                <a:ea typeface="HY헤드라인M"/>
+              </a:rPr>
+              <a:t>02</a:t>
+            </a:r>
+          </a:p>
+        </p:txBody>
+      </p:sp>
       <p:sp>
         <p:nvSpPr>
           <p:cNvPr id="19" name="TextBox 18"/>
@@ -15806,6 +16026,9 @@
             </a:pPr>
             <a:r>
               <a:rPr lang="ko-KR" altLang="en-US" spc="-150" dirty="0">
+                <a:solidFill>
+                  <a:srgbClr val="FF0000"/>
+                </a:solidFill>
                 <a:latin typeface="나눔바른고딕OTF Light"/>
                 <a:ea typeface="나눔바른고딕OTF Light"/>
               </a:rPr>
@@ -15813,6 +16036,9 @@
             </a:r>
             <a:r>
               <a:rPr lang="en-US" altLang="ko-KR" spc="-150" dirty="0">
+                <a:solidFill>
+                  <a:srgbClr val="FF0000"/>
+                </a:solidFill>
                 <a:latin typeface="나눔바른고딕OTF Light"/>
                 <a:ea typeface="나눔바른고딕OTF Light"/>
               </a:rPr>
@@ -16091,7 +16317,7 @@
 </p:sld>
 </file>
 
-<file path=ppt/slides/slide21.xml><?xml version="1.0" encoding="utf-8"?>
+<file path=ppt/slides/slide22.xml><?xml version="1.0" encoding="utf-8"?>
 <p:sld xmlns:a="http://schemas.openxmlformats.org/drawingml/2006/main" xmlns:r="http://schemas.openxmlformats.org/officeDocument/2006/relationships" xmlns:p="http://schemas.openxmlformats.org/presentationml/2006/main">
   <p:cSld>
     <p:spTree>
@@ -16452,7 +16678,7 @@
 </p:sld>
 </file>
 
-<file path=ppt/slides/slide22.xml><?xml version="1.0" encoding="utf-8"?>
+<file path=ppt/slides/slide23.xml><?xml version="1.0" encoding="utf-8"?>
 <p:sld xmlns:a="http://schemas.openxmlformats.org/drawingml/2006/main" xmlns:r="http://schemas.openxmlformats.org/officeDocument/2006/relationships" xmlns:p="http://schemas.openxmlformats.org/presentationml/2006/main">
   <p:cSld>
     <p:spTree>
@@ -17003,7 +17229,7 @@
 </p:sld>
 </file>
 
-<file path=ppt/slides/slide23.xml><?xml version="1.0" encoding="utf-8"?>
+<file path=ppt/slides/slide24.xml><?xml version="1.0" encoding="utf-8"?>
 <p:sld xmlns:a="http://schemas.openxmlformats.org/drawingml/2006/main" xmlns:r="http://schemas.openxmlformats.org/officeDocument/2006/relationships" xmlns:p="http://schemas.openxmlformats.org/presentationml/2006/main">
   <p:cSld>
     <p:spTree>
@@ -17618,7 +17844,7 @@
 </p:sld>
 </file>
 
-<file path=ppt/slides/slide24.xml><?xml version="1.0" encoding="utf-8"?>
+<file path=ppt/slides/slide25.xml><?xml version="1.0" encoding="utf-8"?>
 <p:sld xmlns:a="http://schemas.openxmlformats.org/drawingml/2006/main" xmlns:r="http://schemas.openxmlformats.org/officeDocument/2006/relationships" xmlns:p="http://schemas.openxmlformats.org/presentationml/2006/main">
   <p:cSld>
     <p:spTree>
@@ -18263,7 +18489,7 @@
 </p:sld>
 </file>
 
-<file path=ppt/slides/slide25.xml><?xml version="1.0" encoding="utf-8"?>
+<file path=ppt/slides/slide26.xml><?xml version="1.0" encoding="utf-8"?>
 <p:sld xmlns:a="http://schemas.openxmlformats.org/drawingml/2006/main" xmlns:r="http://schemas.openxmlformats.org/officeDocument/2006/relationships" xmlns:p="http://schemas.openxmlformats.org/presentationml/2006/main">
   <p:cSld>
     <p:spTree>
@@ -18868,7 +19094,7 @@
 </p:sld>
 </file>
 
-<file path=ppt/slides/slide26.xml><?xml version="1.0" encoding="utf-8"?>
+<file path=ppt/slides/slide27.xml><?xml version="1.0" encoding="utf-8"?>
 <p:sld xmlns:a="http://schemas.openxmlformats.org/drawingml/2006/main" xmlns:r="http://schemas.openxmlformats.org/officeDocument/2006/relationships" xmlns:p="http://schemas.openxmlformats.org/presentationml/2006/main">
   <p:cSld>
     <p:spTree>
@@ -19391,7 +19617,7 @@
 </p:sld>
 </file>
 
-<file path=ppt/slides/slide27.xml><?xml version="1.0" encoding="utf-8"?>
+<file path=ppt/slides/slide28.xml><?xml version="1.0" encoding="utf-8"?>
 <p:sld xmlns:a="http://schemas.openxmlformats.org/drawingml/2006/main" xmlns:r="http://schemas.openxmlformats.org/officeDocument/2006/relationships" xmlns:p="http://schemas.openxmlformats.org/presentationml/2006/main">
   <p:cSld>
     <p:spTree>
@@ -19996,7 +20222,7 @@
 </p:sld>
 </file>
 
-<file path=ppt/slides/slide28.xml><?xml version="1.0" encoding="utf-8"?>
+<file path=ppt/slides/slide29.xml><?xml version="1.0" encoding="utf-8"?>
 <p:sld xmlns:a="http://schemas.openxmlformats.org/drawingml/2006/main" xmlns:r="http://schemas.openxmlformats.org/officeDocument/2006/relationships" xmlns:p="http://schemas.openxmlformats.org/presentationml/2006/main">
   <p:cSld>
     <p:spTree>
@@ -20557,7 +20783,616 @@
 </p:sld>
 </file>
 
-<file path=ppt/slides/slide29.xml><?xml version="1.0" encoding="utf-8"?>
+<file path=ppt/slides/slide3.xml><?xml version="1.0" encoding="utf-8"?>
+<p:sld xmlns:a="http://schemas.openxmlformats.org/drawingml/2006/main" xmlns:r="http://schemas.openxmlformats.org/officeDocument/2006/relationships" xmlns:p="http://schemas.openxmlformats.org/presentationml/2006/main">
+  <p:cSld>
+    <p:spTree>
+      <p:nvGrpSpPr>
+        <p:cNvPr id="1" name=""/>
+        <p:cNvGrpSpPr/>
+        <p:nvPr/>
+      </p:nvGrpSpPr>
+      <p:grpSpPr>
+        <a:xfrm>
+          <a:off x="0" y="0"/>
+          <a:ext cx="0" cy="0"/>
+          <a:chOff x="0" y="0"/>
+          <a:chExt cx="0" cy="0"/>
+        </a:xfrm>
+      </p:grpSpPr>
+      <p:sp>
+        <p:nvSpPr>
+          <p:cNvPr id="41" name="TextBox 18"/>
+          <p:cNvSpPr txBox="1"/>
+          <p:nvPr/>
+        </p:nvSpPr>
+        <p:spPr>
+          <a:xfrm>
+            <a:off x="899593" y="2852936"/>
+            <a:ext cx="7128791" cy="364609"/>
+          </a:xfrm>
+          <a:prstGeom prst="rect">
+            <a:avLst/>
+          </a:prstGeom>
+          <a:noFill/>
+        </p:spPr>
+        <p:txBody>
+          <a:bodyPr wrap="square">
+            <a:spAutoFit/>
+          </a:bodyPr>
+          <a:lstStyle/>
+          <a:p>
+            <a:pPr lvl="0">
+              <a:defRPr/>
+            </a:pPr>
+            <a:r>
+              <a:rPr lang="ko-KR" altLang="en-US" spc="-150">
+                <a:latin typeface="나눔바른고딕OTF Light"/>
+                <a:ea typeface="나눔바른고딕OTF Light"/>
+              </a:rPr>
+              <a:t>웹 서버를 자체적으로 시작함으로 써 작동된다</a:t>
+            </a:r>
+            <a:r>
+              <a:rPr lang="en-US" altLang="ko-KR" spc="-150">
+                <a:latin typeface="나눔바른고딕OTF Light"/>
+                <a:ea typeface="나눔바른고딕OTF Light"/>
+              </a:rPr>
+              <a:t>.</a:t>
+            </a:r>
+            <a:endParaRPr lang="ko-KR" altLang="en-US" spc="-150">
+              <a:latin typeface="나눔바른고딕OTF Light"/>
+              <a:ea typeface="나눔바른고딕OTF Light"/>
+            </a:endParaRPr>
+          </a:p>
+        </p:txBody>
+      </p:sp>
+      <p:sp>
+        <p:nvSpPr>
+          <p:cNvPr id="33" name="타원 32"/>
+          <p:cNvSpPr/>
+          <p:nvPr/>
+        </p:nvSpPr>
+        <p:spPr>
+          <a:xfrm>
+            <a:off x="4067944" y="74100"/>
+            <a:ext cx="936104" cy="936104"/>
+          </a:xfrm>
+          <a:prstGeom prst="ellipse">
+            <a:avLst/>
+          </a:prstGeom>
+          <a:solidFill>
+            <a:schemeClr val="tx1"/>
+          </a:solidFill>
+          <a:ln>
+            <a:noFill/>
+          </a:ln>
+        </p:spPr>
+        <p:style>
+          <a:lnRef idx="2">
+            <a:schemeClr val="accent1">
+              <a:shade val="50000"/>
+            </a:schemeClr>
+          </a:lnRef>
+          <a:fillRef idx="1">
+            <a:schemeClr val="accent1"/>
+          </a:fillRef>
+          <a:effectRef idx="0">
+            <a:schemeClr val="accent1"/>
+          </a:effectRef>
+          <a:fontRef idx="minor">
+            <a:schemeClr val="lt1"/>
+          </a:fontRef>
+        </p:style>
+        <p:txBody>
+          <a:bodyPr anchor="ctr"/>
+          <a:lstStyle/>
+          <a:p>
+            <a:pPr algn="ctr">
+              <a:defRPr/>
+            </a:pPr>
+            <a:endParaRPr lang="ko-KR" altLang="en-US"/>
+          </a:p>
+        </p:txBody>
+      </p:sp>
+      <p:sp>
+        <p:nvSpPr>
+          <p:cNvPr id="34" name="TextBox 33"/>
+          <p:cNvSpPr txBox="1"/>
+          <p:nvPr/>
+        </p:nvSpPr>
+        <p:spPr>
+          <a:xfrm>
+            <a:off x="3995936" y="479095"/>
+            <a:ext cx="1080120" cy="461665"/>
+          </a:xfrm>
+          <a:prstGeom prst="rect">
+            <a:avLst/>
+          </a:prstGeom>
+          <a:noFill/>
+        </p:spPr>
+        <p:txBody>
+          <a:bodyPr wrap="square">
+            <a:spAutoFit/>
+          </a:bodyPr>
+          <a:lstStyle/>
+          <a:p>
+            <a:pPr algn="ctr">
+              <a:defRPr/>
+            </a:pPr>
+            <a:r>
+              <a:rPr lang="en-US" altLang="ko-KR" sz="2400">
+                <a:solidFill>
+                  <a:schemeClr val="bg1"/>
+                </a:solidFill>
+                <a:latin typeface="HY헤드라인M"/>
+                <a:ea typeface="HY헤드라인M"/>
+              </a:rPr>
+              <a:t>01</a:t>
+            </a:r>
+          </a:p>
+        </p:txBody>
+      </p:sp>
+      <p:sp>
+        <p:nvSpPr>
+          <p:cNvPr id="19" name="TextBox 18"/>
+          <p:cNvSpPr txBox="1"/>
+          <p:nvPr/>
+        </p:nvSpPr>
+        <p:spPr>
+          <a:xfrm>
+            <a:off x="899593" y="1909609"/>
+            <a:ext cx="6768751" cy="367263"/>
+          </a:xfrm>
+          <a:prstGeom prst="rect">
+            <a:avLst/>
+          </a:prstGeom>
+          <a:noFill/>
+        </p:spPr>
+        <p:txBody>
+          <a:bodyPr wrap="square">
+            <a:spAutoFit/>
+          </a:bodyPr>
+          <a:lstStyle/>
+          <a:p>
+            <a:pPr lvl="0">
+              <a:defRPr/>
+            </a:pPr>
+            <a:r>
+              <a:rPr lang="en-US" altLang="ko-KR" spc="-150">
+                <a:latin typeface="나눔바른고딕OTF Light"/>
+                <a:ea typeface="나눔바른고딕OTF Light"/>
+              </a:rPr>
+              <a:t>모든 크기의 파일을 안전하게 익명 </a:t>
+            </a:r>
+            <a:r>
+              <a:rPr lang="ko-KR" altLang="en-US" spc="-150">
+                <a:latin typeface="나눔바른고딕OTF Light"/>
+                <a:ea typeface="나눔바른고딕OTF Light"/>
+              </a:rPr>
+              <a:t>공유</a:t>
+            </a:r>
+          </a:p>
+        </p:txBody>
+      </p:sp>
+      <p:sp>
+        <p:nvSpPr>
+          <p:cNvPr id="20" name="TextBox 19"/>
+          <p:cNvSpPr txBox="1"/>
+          <p:nvPr/>
+        </p:nvSpPr>
+        <p:spPr>
+          <a:xfrm>
+            <a:off x="427434" y="836712"/>
+            <a:ext cx="2416373" cy="571083"/>
+          </a:xfrm>
+          <a:prstGeom prst="rect">
+            <a:avLst/>
+          </a:prstGeom>
+          <a:noFill/>
+        </p:spPr>
+        <p:txBody>
+          <a:bodyPr wrap="square">
+            <a:spAutoFit/>
+          </a:bodyPr>
+          <a:lstStyle/>
+          <a:p>
+            <a:pPr lvl="0">
+              <a:defRPr/>
+            </a:pPr>
+            <a:r>
+              <a:rPr lang="en-US" altLang="ko-KR" sz="3200">
+                <a:latin typeface="나눔바른고딕OTF Light"/>
+                <a:ea typeface="나눔바른고딕OTF Light"/>
+              </a:rPr>
+              <a:t>SW</a:t>
+            </a:r>
+            <a:r>
+              <a:rPr lang="ko-KR" altLang="en-US" sz="3200">
+                <a:latin typeface="나눔바른고딕OTF Light"/>
+                <a:ea typeface="나눔바른고딕OTF Light"/>
+              </a:rPr>
+              <a:t>소개</a:t>
+            </a:r>
+          </a:p>
+        </p:txBody>
+      </p:sp>
+      <p:sp>
+        <p:nvSpPr>
+          <p:cNvPr id="35" name="TextBox 18"/>
+          <p:cNvSpPr txBox="1"/>
+          <p:nvPr/>
+        </p:nvSpPr>
+        <p:spPr>
+          <a:xfrm>
+            <a:off x="467544" y="2348880"/>
+            <a:ext cx="6768751" cy="363840"/>
+          </a:xfrm>
+          <a:prstGeom prst="rect">
+            <a:avLst/>
+          </a:prstGeom>
+          <a:noFill/>
+        </p:spPr>
+        <p:txBody>
+          <a:bodyPr wrap="square">
+            <a:spAutoFit/>
+          </a:bodyPr>
+          <a:lstStyle/>
+          <a:p>
+            <a:pPr lvl="0">
+              <a:defRPr/>
+            </a:pPr>
+            <a:endParaRPr lang="en-US" altLang="ko-KR" spc="-150">
+              <a:latin typeface="나눔바른고딕OTF Light"/>
+              <a:ea typeface="나눔바른고딕OTF Light"/>
+            </a:endParaRPr>
+          </a:p>
+        </p:txBody>
+      </p:sp>
+      <p:sp>
+        <p:nvSpPr>
+          <p:cNvPr id="36" name="TextBox 35"/>
+          <p:cNvSpPr txBox="1"/>
+          <p:nvPr/>
+        </p:nvSpPr>
+        <p:spPr>
+          <a:xfrm>
+            <a:off x="539551" y="1484784"/>
+            <a:ext cx="3384376" cy="361161"/>
+          </a:xfrm>
+          <a:prstGeom prst="rect">
+            <a:avLst/>
+          </a:prstGeom>
+        </p:spPr>
+        <p:txBody>
+          <a:bodyPr wrap="square">
+            <a:spAutoFit/>
+          </a:bodyPr>
+          <a:lstStyle/>
+          <a:p>
+            <a:pPr>
+              <a:defRPr/>
+            </a:pPr>
+            <a:r>
+              <a:rPr lang="en-US" altLang="ko-KR" b="1"/>
+              <a:t>1.</a:t>
+            </a:r>
+            <a:r>
+              <a:rPr lang="ko-KR" altLang="en-US" b="1"/>
+              <a:t> 총괄 기능</a:t>
+            </a:r>
+          </a:p>
+        </p:txBody>
+      </p:sp>
+      <p:sp>
+        <p:nvSpPr>
+          <p:cNvPr id="40" name="TextBox 39"/>
+          <p:cNvSpPr txBox="1"/>
+          <p:nvPr/>
+        </p:nvSpPr>
+        <p:spPr>
+          <a:xfrm>
+            <a:off x="539534" y="2414416"/>
+            <a:ext cx="6192695" cy="364981"/>
+          </a:xfrm>
+          <a:prstGeom prst="rect">
+            <a:avLst/>
+          </a:prstGeom>
+        </p:spPr>
+        <p:txBody>
+          <a:bodyPr wrap="square">
+            <a:spAutoFit/>
+          </a:bodyPr>
+          <a:lstStyle/>
+          <a:p>
+            <a:pPr>
+              <a:defRPr/>
+            </a:pPr>
+            <a:r>
+              <a:rPr lang="en-US" altLang="ko-KR" b="1" dirty="0"/>
+              <a:t>2.</a:t>
+            </a:r>
+            <a:r>
+              <a:rPr lang="ko-KR" altLang="en-US" b="1" dirty="0"/>
+              <a:t> 별도의 서버 설치나 제</a:t>
+            </a:r>
+            <a:r>
+              <a:rPr lang="en-US" altLang="ko-KR" b="1" dirty="0"/>
+              <a:t>3</a:t>
+            </a:r>
+            <a:r>
+              <a:rPr lang="ko-KR" altLang="en-US" b="1" dirty="0"/>
+              <a:t>자의 파일 공유 서비스</a:t>
+            </a:r>
+          </a:p>
+        </p:txBody>
+      </p:sp>
+      <p:sp>
+        <p:nvSpPr>
+          <p:cNvPr id="43" name="TextBox 18"/>
+          <p:cNvSpPr txBox="1"/>
+          <p:nvPr/>
+        </p:nvSpPr>
+        <p:spPr>
+          <a:xfrm>
+            <a:off x="899592" y="3356992"/>
+            <a:ext cx="7920880" cy="366529"/>
+          </a:xfrm>
+          <a:prstGeom prst="rect">
+            <a:avLst/>
+          </a:prstGeom>
+          <a:noFill/>
+        </p:spPr>
+        <p:txBody>
+          <a:bodyPr wrap="square">
+            <a:spAutoFit/>
+          </a:bodyPr>
+          <a:lstStyle/>
+          <a:p>
+            <a:pPr lvl="0">
+              <a:defRPr/>
+            </a:pPr>
+            <a:r>
+              <a:rPr lang="en-US" altLang="ko-KR" spc="-150">
+                <a:latin typeface="나눔바른고딕OTF Light"/>
+                <a:ea typeface="나눔바른고딕OTF Light"/>
+              </a:rPr>
+              <a:t>Tor Onion Service</a:t>
+            </a:r>
+            <a:r>
+              <a:rPr lang="ko-KR" altLang="en-US" spc="-150">
+                <a:latin typeface="나눔바른고딕OTF Light"/>
+                <a:ea typeface="나눔바른고딕OTF Light"/>
+              </a:rPr>
+              <a:t>를 통해 파일에 접근하고</a:t>
+            </a:r>
+            <a:r>
+              <a:rPr lang="en-US" altLang="ko-KR" spc="-150">
+                <a:latin typeface="나눔바른고딕OTF Light"/>
+                <a:ea typeface="나눔바른고딕OTF Light"/>
+              </a:rPr>
+              <a:t>,</a:t>
+            </a:r>
+            <a:r>
+              <a:rPr lang="ko-KR" altLang="en-US" spc="-150">
+                <a:latin typeface="나눔바른고딕OTF Light"/>
+                <a:ea typeface="나눔바른고딕OTF Light"/>
+              </a:rPr>
+              <a:t> 예측할 수 없는 </a:t>
+            </a:r>
+            <a:r>
+              <a:rPr lang="en-US" altLang="ko-KR" spc="-150">
+                <a:latin typeface="나눔바른고딕OTF Light"/>
+                <a:ea typeface="나눔바른고딕OTF Light"/>
+              </a:rPr>
+              <a:t>URL</a:t>
+            </a:r>
+            <a:r>
+              <a:rPr lang="ko-KR" altLang="en-US" spc="-150">
+                <a:latin typeface="나눔바른고딕OTF Light"/>
+                <a:ea typeface="나눔바른고딕OTF Light"/>
+              </a:rPr>
+              <a:t> 생성하여 작동된다</a:t>
+            </a:r>
+            <a:r>
+              <a:rPr lang="en-US" altLang="ko-KR" spc="-150">
+                <a:latin typeface="나눔바른고딕OTF Light"/>
+                <a:ea typeface="나눔바른고딕OTF Light"/>
+              </a:rPr>
+              <a:t>.</a:t>
+            </a:r>
+          </a:p>
+        </p:txBody>
+      </p:sp>
+      <p:sp>
+        <p:nvSpPr>
+          <p:cNvPr id="45" name="TextBox 18"/>
+          <p:cNvSpPr txBox="1"/>
+          <p:nvPr/>
+        </p:nvSpPr>
+        <p:spPr>
+          <a:xfrm>
+            <a:off x="1043608" y="3950558"/>
+            <a:ext cx="7920880" cy="414546"/>
+          </a:xfrm>
+          <a:prstGeom prst="rect">
+            <a:avLst/>
+          </a:prstGeom>
+          <a:solidFill>
+            <a:schemeClr val="lt1"/>
+          </a:solidFill>
+        </p:spPr>
+        <p:txBody>
+          <a:bodyPr vert="horz" wrap="square" lIns="91440" tIns="45720" rIns="91440" bIns="45720" anchor="t">
+            <a:spAutoFit/>
+          </a:bodyPr>
+          <a:lstStyle/>
+          <a:p>
+            <a:pPr lvl="0">
+              <a:buClr>
+                <a:srgbClr val="0000FF"/>
+              </a:buClr>
+              <a:buNone/>
+              <a:defRPr/>
+            </a:pPr>
+            <a:r>
+              <a:rPr lang="ko-KR" altLang="en-US" sz="2100" b="1" spc="-150">
+                <a:solidFill>
+                  <a:schemeClr val="dk1"/>
+                </a:solidFill>
+                <a:latin typeface="나눔바른고딕OTF Light"/>
+                <a:ea typeface="나눔바른고딕OTF Light"/>
+              </a:rPr>
+              <a:t>사용자는 파일 다운로드 시 </a:t>
+            </a:r>
+            <a:r>
+              <a:rPr lang="en-US" altLang="ko-KR" sz="2100" b="1" spc="-150">
+                <a:solidFill>
+                  <a:schemeClr val="dk1"/>
+                </a:solidFill>
+                <a:latin typeface="나눔바른고딕OTF Light"/>
+                <a:ea typeface="나눔바른고딕OTF Light"/>
+              </a:rPr>
+              <a:t>Tor Browser</a:t>
+            </a:r>
+            <a:r>
+              <a:rPr lang="ko-KR" altLang="en-US" sz="2100" b="1" spc="-150">
+                <a:solidFill>
+                  <a:schemeClr val="dk1"/>
+                </a:solidFill>
+                <a:latin typeface="나눔바른고딕OTF Light"/>
+                <a:ea typeface="나눔바른고딕OTF Light"/>
+              </a:rPr>
+              <a:t>에서 </a:t>
+            </a:r>
+            <a:r>
+              <a:rPr lang="en-US" altLang="ko-KR" sz="2100" b="1" spc="-150">
+                <a:solidFill>
+                  <a:schemeClr val="dk1"/>
+                </a:solidFill>
+                <a:latin typeface="나눔바른고딕OTF Light"/>
+                <a:ea typeface="나눔바른고딕OTF Light"/>
+              </a:rPr>
+              <a:t>URL</a:t>
+            </a:r>
+            <a:r>
+              <a:rPr lang="ko-KR" altLang="en-US" sz="2100" b="1" spc="-150">
+                <a:solidFill>
+                  <a:schemeClr val="dk1"/>
+                </a:solidFill>
+                <a:latin typeface="나눔바른고딕OTF Light"/>
+                <a:ea typeface="나눔바른고딕OTF Light"/>
+              </a:rPr>
+              <a:t> 열기만 하면 됨</a:t>
+            </a:r>
+            <a:endParaRPr lang="ko-KR" altLang="en-US" sz="2100" b="1" spc="-150">
+              <a:solidFill>
+                <a:schemeClr val="dk1"/>
+              </a:solidFill>
+              <a:latin typeface="나눔바른고딕OTF Light"/>
+            </a:endParaRPr>
+          </a:p>
+        </p:txBody>
+      </p:sp>
+      <p:sp>
+        <p:nvSpPr>
+          <p:cNvPr id="47" name="화살표: 오른쪽 46"/>
+          <p:cNvSpPr/>
+          <p:nvPr/>
+        </p:nvSpPr>
+        <p:spPr>
+          <a:xfrm>
+            <a:off x="539552" y="3933056"/>
+            <a:ext cx="432048" cy="432048"/>
+          </a:xfrm>
+          <a:prstGeom prst="rightArrow">
+            <a:avLst>
+              <a:gd name="adj1" fmla="val 50000"/>
+              <a:gd name="adj2" fmla="val 50000"/>
+            </a:avLst>
+          </a:prstGeom>
+          <a:solidFill>
+            <a:schemeClr val="dk1"/>
+          </a:solidFill>
+        </p:spPr>
+        <p:style>
+          <a:lnRef idx="2">
+            <a:schemeClr val="accent1">
+              <a:shade val="20000"/>
+            </a:schemeClr>
+          </a:lnRef>
+          <a:fillRef idx="1">
+            <a:schemeClr val="accent1"/>
+          </a:fillRef>
+          <a:effectRef idx="0">
+            <a:schemeClr val="accent1"/>
+          </a:effectRef>
+          <a:fontRef idx="minor">
+            <a:schemeClr val="lt1"/>
+          </a:fontRef>
+        </p:style>
+        <p:txBody>
+          <a:bodyPr anchor="ctr"/>
+          <a:lstStyle/>
+          <a:p>
+            <a:pPr algn="ctr">
+              <a:defRPr/>
+            </a:pPr>
+            <a:endParaRPr lang="ko-KR" altLang="en-US"/>
+          </a:p>
+        </p:txBody>
+      </p:sp>
+      <p:sp>
+        <p:nvSpPr>
+          <p:cNvPr id="48" name="TextBox 47"/>
+          <p:cNvSpPr txBox="1"/>
+          <p:nvPr/>
+        </p:nvSpPr>
+        <p:spPr>
+          <a:xfrm>
+            <a:off x="5724128" y="2367216"/>
+            <a:ext cx="1368152" cy="413712"/>
+          </a:xfrm>
+          <a:prstGeom prst="rect">
+            <a:avLst/>
+          </a:prstGeom>
+        </p:spPr>
+        <p:txBody>
+          <a:bodyPr wrap="square">
+            <a:spAutoFit/>
+          </a:bodyPr>
+          <a:lstStyle/>
+          <a:p>
+            <a:pPr>
+              <a:defRPr/>
+            </a:pPr>
+            <a:r>
+              <a:rPr lang="ko-KR" altLang="en-US" sz="2100" b="1">
+                <a:solidFill>
+                  <a:srgbClr val="FF0000"/>
+                </a:solidFill>
+              </a:rPr>
+              <a:t>불필요</a:t>
+            </a:r>
+          </a:p>
+        </p:txBody>
+      </p:sp>
+    </p:spTree>
+  </p:cSld>
+  <p:clrMapOvr>
+    <a:masterClrMapping/>
+  </p:clrMapOvr>
+  <mc:AlternateContent xmlns:mc="http://schemas.openxmlformats.org/markup-compatibility/2006" xmlns:p14="http://schemas.microsoft.com/office/powerpoint/2010/main">
+    <mc:Choice Requires="p14">
+      <p:transition/>
+    </mc:Choice>
+    <mc:Fallback xmlns="" xmlns:c="http://schemas.openxmlformats.org/drawingml/2006/chart" xmlns:dgm="http://schemas.openxmlformats.org/drawingml/2006/diagram" xmlns:dsp="http://schemas.microsoft.com/office/drawing/2008/diagram">
+      <p:transition/>
+    </mc:Fallback>
+  </mc:AlternateContent>
+</p:sld>
+</file>
+
+<file path=ppt/slides/slide30.xml><?xml version="1.0" encoding="utf-8"?>
 <p:sld xmlns:a="http://schemas.openxmlformats.org/drawingml/2006/main" xmlns:r="http://schemas.openxmlformats.org/officeDocument/2006/relationships" xmlns:p="http://schemas.openxmlformats.org/presentationml/2006/main">
   <p:cSld>
     <p:spTree>
@@ -21002,616 +21837,7 @@
 </p:sld>
 </file>
 
-<file path=ppt/slides/slide3.xml><?xml version="1.0" encoding="utf-8"?>
-<p:sld xmlns:a="http://schemas.openxmlformats.org/drawingml/2006/main" xmlns:r="http://schemas.openxmlformats.org/officeDocument/2006/relationships" xmlns:p="http://schemas.openxmlformats.org/presentationml/2006/main">
-  <p:cSld>
-    <p:spTree>
-      <p:nvGrpSpPr>
-        <p:cNvPr id="1" name=""/>
-        <p:cNvGrpSpPr/>
-        <p:nvPr/>
-      </p:nvGrpSpPr>
-      <p:grpSpPr>
-        <a:xfrm>
-          <a:off x="0" y="0"/>
-          <a:ext cx="0" cy="0"/>
-          <a:chOff x="0" y="0"/>
-          <a:chExt cx="0" cy="0"/>
-        </a:xfrm>
-      </p:grpSpPr>
-      <p:sp>
-        <p:nvSpPr>
-          <p:cNvPr id="41" name="TextBox 18"/>
-          <p:cNvSpPr txBox="1"/>
-          <p:nvPr/>
-        </p:nvSpPr>
-        <p:spPr>
-          <a:xfrm>
-            <a:off x="899593" y="2852936"/>
-            <a:ext cx="7128791" cy="364609"/>
-          </a:xfrm>
-          <a:prstGeom prst="rect">
-            <a:avLst/>
-          </a:prstGeom>
-          <a:noFill/>
-        </p:spPr>
-        <p:txBody>
-          <a:bodyPr wrap="square">
-            <a:spAutoFit/>
-          </a:bodyPr>
-          <a:lstStyle/>
-          <a:p>
-            <a:pPr lvl="0">
-              <a:defRPr/>
-            </a:pPr>
-            <a:r>
-              <a:rPr lang="ko-KR" altLang="en-US" spc="-150">
-                <a:latin typeface="나눔바른고딕OTF Light"/>
-                <a:ea typeface="나눔바른고딕OTF Light"/>
-              </a:rPr>
-              <a:t>웹 서버를 자체적으로 시작함으로 써 작동된다</a:t>
-            </a:r>
-            <a:r>
-              <a:rPr lang="en-US" altLang="ko-KR" spc="-150">
-                <a:latin typeface="나눔바른고딕OTF Light"/>
-                <a:ea typeface="나눔바른고딕OTF Light"/>
-              </a:rPr>
-              <a:t>.</a:t>
-            </a:r>
-            <a:endParaRPr lang="ko-KR" altLang="en-US" spc="-150">
-              <a:latin typeface="나눔바른고딕OTF Light"/>
-              <a:ea typeface="나눔바른고딕OTF Light"/>
-            </a:endParaRPr>
-          </a:p>
-        </p:txBody>
-      </p:sp>
-      <p:sp>
-        <p:nvSpPr>
-          <p:cNvPr id="33" name="타원 32"/>
-          <p:cNvSpPr/>
-          <p:nvPr/>
-        </p:nvSpPr>
-        <p:spPr>
-          <a:xfrm>
-            <a:off x="4067944" y="74100"/>
-            <a:ext cx="936104" cy="936104"/>
-          </a:xfrm>
-          <a:prstGeom prst="ellipse">
-            <a:avLst/>
-          </a:prstGeom>
-          <a:solidFill>
-            <a:schemeClr val="tx1"/>
-          </a:solidFill>
-          <a:ln>
-            <a:noFill/>
-          </a:ln>
-        </p:spPr>
-        <p:style>
-          <a:lnRef idx="2">
-            <a:schemeClr val="accent1">
-              <a:shade val="50000"/>
-            </a:schemeClr>
-          </a:lnRef>
-          <a:fillRef idx="1">
-            <a:schemeClr val="accent1"/>
-          </a:fillRef>
-          <a:effectRef idx="0">
-            <a:schemeClr val="accent1"/>
-          </a:effectRef>
-          <a:fontRef idx="minor">
-            <a:schemeClr val="lt1"/>
-          </a:fontRef>
-        </p:style>
-        <p:txBody>
-          <a:bodyPr anchor="ctr"/>
-          <a:lstStyle/>
-          <a:p>
-            <a:pPr algn="ctr">
-              <a:defRPr/>
-            </a:pPr>
-            <a:endParaRPr lang="ko-KR" altLang="en-US"/>
-          </a:p>
-        </p:txBody>
-      </p:sp>
-      <p:sp>
-        <p:nvSpPr>
-          <p:cNvPr id="34" name="TextBox 33"/>
-          <p:cNvSpPr txBox="1"/>
-          <p:nvPr/>
-        </p:nvSpPr>
-        <p:spPr>
-          <a:xfrm>
-            <a:off x="3995936" y="479095"/>
-            <a:ext cx="1080120" cy="461665"/>
-          </a:xfrm>
-          <a:prstGeom prst="rect">
-            <a:avLst/>
-          </a:prstGeom>
-          <a:noFill/>
-        </p:spPr>
-        <p:txBody>
-          <a:bodyPr wrap="square">
-            <a:spAutoFit/>
-          </a:bodyPr>
-          <a:lstStyle/>
-          <a:p>
-            <a:pPr algn="ctr">
-              <a:defRPr/>
-            </a:pPr>
-            <a:r>
-              <a:rPr lang="en-US" altLang="ko-KR" sz="2400">
-                <a:solidFill>
-                  <a:schemeClr val="bg1"/>
-                </a:solidFill>
-                <a:latin typeface="HY헤드라인M"/>
-                <a:ea typeface="HY헤드라인M"/>
-              </a:rPr>
-              <a:t>01</a:t>
-            </a:r>
-          </a:p>
-        </p:txBody>
-      </p:sp>
-      <p:sp>
-        <p:nvSpPr>
-          <p:cNvPr id="19" name="TextBox 18"/>
-          <p:cNvSpPr txBox="1"/>
-          <p:nvPr/>
-        </p:nvSpPr>
-        <p:spPr>
-          <a:xfrm>
-            <a:off x="899593" y="1909609"/>
-            <a:ext cx="6768751" cy="367263"/>
-          </a:xfrm>
-          <a:prstGeom prst="rect">
-            <a:avLst/>
-          </a:prstGeom>
-          <a:noFill/>
-        </p:spPr>
-        <p:txBody>
-          <a:bodyPr wrap="square">
-            <a:spAutoFit/>
-          </a:bodyPr>
-          <a:lstStyle/>
-          <a:p>
-            <a:pPr lvl="0">
-              <a:defRPr/>
-            </a:pPr>
-            <a:r>
-              <a:rPr lang="en-US" altLang="ko-KR" spc="-150">
-                <a:latin typeface="나눔바른고딕OTF Light"/>
-                <a:ea typeface="나눔바른고딕OTF Light"/>
-              </a:rPr>
-              <a:t>모든 크기의 파일을 안전하게 익명 </a:t>
-            </a:r>
-            <a:r>
-              <a:rPr lang="ko-KR" altLang="en-US" spc="-150">
-                <a:latin typeface="나눔바른고딕OTF Light"/>
-                <a:ea typeface="나눔바른고딕OTF Light"/>
-              </a:rPr>
-              <a:t>공유</a:t>
-            </a:r>
-          </a:p>
-        </p:txBody>
-      </p:sp>
-      <p:sp>
-        <p:nvSpPr>
-          <p:cNvPr id="20" name="TextBox 19"/>
-          <p:cNvSpPr txBox="1"/>
-          <p:nvPr/>
-        </p:nvSpPr>
-        <p:spPr>
-          <a:xfrm>
-            <a:off x="427434" y="836712"/>
-            <a:ext cx="2416373" cy="571083"/>
-          </a:xfrm>
-          <a:prstGeom prst="rect">
-            <a:avLst/>
-          </a:prstGeom>
-          <a:noFill/>
-        </p:spPr>
-        <p:txBody>
-          <a:bodyPr wrap="square">
-            <a:spAutoFit/>
-          </a:bodyPr>
-          <a:lstStyle/>
-          <a:p>
-            <a:pPr lvl="0">
-              <a:defRPr/>
-            </a:pPr>
-            <a:r>
-              <a:rPr lang="en-US" altLang="ko-KR" sz="3200">
-                <a:latin typeface="나눔바른고딕OTF Light"/>
-                <a:ea typeface="나눔바른고딕OTF Light"/>
-              </a:rPr>
-              <a:t>SW</a:t>
-            </a:r>
-            <a:r>
-              <a:rPr lang="ko-KR" altLang="en-US" sz="3200">
-                <a:latin typeface="나눔바른고딕OTF Light"/>
-                <a:ea typeface="나눔바른고딕OTF Light"/>
-              </a:rPr>
-              <a:t>소개</a:t>
-            </a:r>
-          </a:p>
-        </p:txBody>
-      </p:sp>
-      <p:sp>
-        <p:nvSpPr>
-          <p:cNvPr id="35" name="TextBox 18"/>
-          <p:cNvSpPr txBox="1"/>
-          <p:nvPr/>
-        </p:nvSpPr>
-        <p:spPr>
-          <a:xfrm>
-            <a:off x="467544" y="2348880"/>
-            <a:ext cx="6768751" cy="363840"/>
-          </a:xfrm>
-          <a:prstGeom prst="rect">
-            <a:avLst/>
-          </a:prstGeom>
-          <a:noFill/>
-        </p:spPr>
-        <p:txBody>
-          <a:bodyPr wrap="square">
-            <a:spAutoFit/>
-          </a:bodyPr>
-          <a:lstStyle/>
-          <a:p>
-            <a:pPr lvl="0">
-              <a:defRPr/>
-            </a:pPr>
-            <a:endParaRPr lang="en-US" altLang="ko-KR" spc="-150">
-              <a:latin typeface="나눔바른고딕OTF Light"/>
-              <a:ea typeface="나눔바른고딕OTF Light"/>
-            </a:endParaRPr>
-          </a:p>
-        </p:txBody>
-      </p:sp>
-      <p:sp>
-        <p:nvSpPr>
-          <p:cNvPr id="36" name="TextBox 35"/>
-          <p:cNvSpPr txBox="1"/>
-          <p:nvPr/>
-        </p:nvSpPr>
-        <p:spPr>
-          <a:xfrm>
-            <a:off x="539551" y="1484784"/>
-            <a:ext cx="3384376" cy="361161"/>
-          </a:xfrm>
-          <a:prstGeom prst="rect">
-            <a:avLst/>
-          </a:prstGeom>
-        </p:spPr>
-        <p:txBody>
-          <a:bodyPr wrap="square">
-            <a:spAutoFit/>
-          </a:bodyPr>
-          <a:lstStyle/>
-          <a:p>
-            <a:pPr>
-              <a:defRPr/>
-            </a:pPr>
-            <a:r>
-              <a:rPr lang="en-US" altLang="ko-KR" b="1"/>
-              <a:t>1.</a:t>
-            </a:r>
-            <a:r>
-              <a:rPr lang="ko-KR" altLang="en-US" b="1"/>
-              <a:t> 총괄 기능</a:t>
-            </a:r>
-          </a:p>
-        </p:txBody>
-      </p:sp>
-      <p:sp>
-        <p:nvSpPr>
-          <p:cNvPr id="40" name="TextBox 39"/>
-          <p:cNvSpPr txBox="1"/>
-          <p:nvPr/>
-        </p:nvSpPr>
-        <p:spPr>
-          <a:xfrm>
-            <a:off x="539534" y="2414416"/>
-            <a:ext cx="6192695" cy="364981"/>
-          </a:xfrm>
-          <a:prstGeom prst="rect">
-            <a:avLst/>
-          </a:prstGeom>
-        </p:spPr>
-        <p:txBody>
-          <a:bodyPr wrap="square">
-            <a:spAutoFit/>
-          </a:bodyPr>
-          <a:lstStyle/>
-          <a:p>
-            <a:pPr>
-              <a:defRPr/>
-            </a:pPr>
-            <a:r>
-              <a:rPr lang="en-US" altLang="ko-KR" b="1" dirty="0"/>
-              <a:t>2.</a:t>
-            </a:r>
-            <a:r>
-              <a:rPr lang="ko-KR" altLang="en-US" b="1" dirty="0"/>
-              <a:t> 별도의 서버 설치나 제</a:t>
-            </a:r>
-            <a:r>
-              <a:rPr lang="en-US" altLang="ko-KR" b="1" dirty="0"/>
-              <a:t>3</a:t>
-            </a:r>
-            <a:r>
-              <a:rPr lang="ko-KR" altLang="en-US" b="1" dirty="0"/>
-              <a:t>자의 파일 공유 서비스</a:t>
-            </a:r>
-          </a:p>
-        </p:txBody>
-      </p:sp>
-      <p:sp>
-        <p:nvSpPr>
-          <p:cNvPr id="43" name="TextBox 18"/>
-          <p:cNvSpPr txBox="1"/>
-          <p:nvPr/>
-        </p:nvSpPr>
-        <p:spPr>
-          <a:xfrm>
-            <a:off x="899592" y="3356992"/>
-            <a:ext cx="7920880" cy="366529"/>
-          </a:xfrm>
-          <a:prstGeom prst="rect">
-            <a:avLst/>
-          </a:prstGeom>
-          <a:noFill/>
-        </p:spPr>
-        <p:txBody>
-          <a:bodyPr wrap="square">
-            <a:spAutoFit/>
-          </a:bodyPr>
-          <a:lstStyle/>
-          <a:p>
-            <a:pPr lvl="0">
-              <a:defRPr/>
-            </a:pPr>
-            <a:r>
-              <a:rPr lang="en-US" altLang="ko-KR" spc="-150">
-                <a:latin typeface="나눔바른고딕OTF Light"/>
-                <a:ea typeface="나눔바른고딕OTF Light"/>
-              </a:rPr>
-              <a:t>Tor Onion Service</a:t>
-            </a:r>
-            <a:r>
-              <a:rPr lang="ko-KR" altLang="en-US" spc="-150">
-                <a:latin typeface="나눔바른고딕OTF Light"/>
-                <a:ea typeface="나눔바른고딕OTF Light"/>
-              </a:rPr>
-              <a:t>를 통해 파일에 접근하고</a:t>
-            </a:r>
-            <a:r>
-              <a:rPr lang="en-US" altLang="ko-KR" spc="-150">
-                <a:latin typeface="나눔바른고딕OTF Light"/>
-                <a:ea typeface="나눔바른고딕OTF Light"/>
-              </a:rPr>
-              <a:t>,</a:t>
-            </a:r>
-            <a:r>
-              <a:rPr lang="ko-KR" altLang="en-US" spc="-150">
-                <a:latin typeface="나눔바른고딕OTF Light"/>
-                <a:ea typeface="나눔바른고딕OTF Light"/>
-              </a:rPr>
-              <a:t> 예측할 수 없는 </a:t>
-            </a:r>
-            <a:r>
-              <a:rPr lang="en-US" altLang="ko-KR" spc="-150">
-                <a:latin typeface="나눔바른고딕OTF Light"/>
-                <a:ea typeface="나눔바른고딕OTF Light"/>
-              </a:rPr>
-              <a:t>URL</a:t>
-            </a:r>
-            <a:r>
-              <a:rPr lang="ko-KR" altLang="en-US" spc="-150">
-                <a:latin typeface="나눔바른고딕OTF Light"/>
-                <a:ea typeface="나눔바른고딕OTF Light"/>
-              </a:rPr>
-              <a:t> 생성하여 작동된다</a:t>
-            </a:r>
-            <a:r>
-              <a:rPr lang="en-US" altLang="ko-KR" spc="-150">
-                <a:latin typeface="나눔바른고딕OTF Light"/>
-                <a:ea typeface="나눔바른고딕OTF Light"/>
-              </a:rPr>
-              <a:t>.</a:t>
-            </a:r>
-          </a:p>
-        </p:txBody>
-      </p:sp>
-      <p:sp>
-        <p:nvSpPr>
-          <p:cNvPr id="45" name="TextBox 18"/>
-          <p:cNvSpPr txBox="1"/>
-          <p:nvPr/>
-        </p:nvSpPr>
-        <p:spPr>
-          <a:xfrm>
-            <a:off x="1043608" y="3950558"/>
-            <a:ext cx="7920880" cy="414546"/>
-          </a:xfrm>
-          <a:prstGeom prst="rect">
-            <a:avLst/>
-          </a:prstGeom>
-          <a:solidFill>
-            <a:schemeClr val="lt1"/>
-          </a:solidFill>
-        </p:spPr>
-        <p:txBody>
-          <a:bodyPr vert="horz" wrap="square" lIns="91440" tIns="45720" rIns="91440" bIns="45720" anchor="t">
-            <a:spAutoFit/>
-          </a:bodyPr>
-          <a:lstStyle/>
-          <a:p>
-            <a:pPr lvl="0">
-              <a:buClr>
-                <a:srgbClr val="0000FF"/>
-              </a:buClr>
-              <a:buNone/>
-              <a:defRPr/>
-            </a:pPr>
-            <a:r>
-              <a:rPr lang="ko-KR" altLang="en-US" sz="2100" b="1" spc="-150">
-                <a:solidFill>
-                  <a:schemeClr val="dk1"/>
-                </a:solidFill>
-                <a:latin typeface="나눔바른고딕OTF Light"/>
-                <a:ea typeface="나눔바른고딕OTF Light"/>
-              </a:rPr>
-              <a:t>사용자는 파일 다운로드 시 </a:t>
-            </a:r>
-            <a:r>
-              <a:rPr lang="en-US" altLang="ko-KR" sz="2100" b="1" spc="-150">
-                <a:solidFill>
-                  <a:schemeClr val="dk1"/>
-                </a:solidFill>
-                <a:latin typeface="나눔바른고딕OTF Light"/>
-                <a:ea typeface="나눔바른고딕OTF Light"/>
-              </a:rPr>
-              <a:t>Tor Browser</a:t>
-            </a:r>
-            <a:r>
-              <a:rPr lang="ko-KR" altLang="en-US" sz="2100" b="1" spc="-150">
-                <a:solidFill>
-                  <a:schemeClr val="dk1"/>
-                </a:solidFill>
-                <a:latin typeface="나눔바른고딕OTF Light"/>
-                <a:ea typeface="나눔바른고딕OTF Light"/>
-              </a:rPr>
-              <a:t>에서 </a:t>
-            </a:r>
-            <a:r>
-              <a:rPr lang="en-US" altLang="ko-KR" sz="2100" b="1" spc="-150">
-                <a:solidFill>
-                  <a:schemeClr val="dk1"/>
-                </a:solidFill>
-                <a:latin typeface="나눔바른고딕OTF Light"/>
-                <a:ea typeface="나눔바른고딕OTF Light"/>
-              </a:rPr>
-              <a:t>URL</a:t>
-            </a:r>
-            <a:r>
-              <a:rPr lang="ko-KR" altLang="en-US" sz="2100" b="1" spc="-150">
-                <a:solidFill>
-                  <a:schemeClr val="dk1"/>
-                </a:solidFill>
-                <a:latin typeface="나눔바른고딕OTF Light"/>
-                <a:ea typeface="나눔바른고딕OTF Light"/>
-              </a:rPr>
-              <a:t> 열기만 하면 됨</a:t>
-            </a:r>
-            <a:endParaRPr lang="ko-KR" altLang="en-US" sz="2100" b="1" spc="-150">
-              <a:solidFill>
-                <a:schemeClr val="dk1"/>
-              </a:solidFill>
-              <a:latin typeface="나눔바른고딕OTF Light"/>
-            </a:endParaRPr>
-          </a:p>
-        </p:txBody>
-      </p:sp>
-      <p:sp>
-        <p:nvSpPr>
-          <p:cNvPr id="47" name="화살표: 오른쪽 46"/>
-          <p:cNvSpPr/>
-          <p:nvPr/>
-        </p:nvSpPr>
-        <p:spPr>
-          <a:xfrm>
-            <a:off x="539552" y="3933056"/>
-            <a:ext cx="432048" cy="432048"/>
-          </a:xfrm>
-          <a:prstGeom prst="rightArrow">
-            <a:avLst>
-              <a:gd name="adj1" fmla="val 50000"/>
-              <a:gd name="adj2" fmla="val 50000"/>
-            </a:avLst>
-          </a:prstGeom>
-          <a:solidFill>
-            <a:schemeClr val="dk1"/>
-          </a:solidFill>
-        </p:spPr>
-        <p:style>
-          <a:lnRef idx="2">
-            <a:schemeClr val="accent1">
-              <a:shade val="20000"/>
-            </a:schemeClr>
-          </a:lnRef>
-          <a:fillRef idx="1">
-            <a:schemeClr val="accent1"/>
-          </a:fillRef>
-          <a:effectRef idx="0">
-            <a:schemeClr val="accent1"/>
-          </a:effectRef>
-          <a:fontRef idx="minor">
-            <a:schemeClr val="lt1"/>
-          </a:fontRef>
-        </p:style>
-        <p:txBody>
-          <a:bodyPr anchor="ctr"/>
-          <a:lstStyle/>
-          <a:p>
-            <a:pPr algn="ctr">
-              <a:defRPr/>
-            </a:pPr>
-            <a:endParaRPr lang="ko-KR" altLang="en-US"/>
-          </a:p>
-        </p:txBody>
-      </p:sp>
-      <p:sp>
-        <p:nvSpPr>
-          <p:cNvPr id="48" name="TextBox 47"/>
-          <p:cNvSpPr txBox="1"/>
-          <p:nvPr/>
-        </p:nvSpPr>
-        <p:spPr>
-          <a:xfrm>
-            <a:off x="5724128" y="2367216"/>
-            <a:ext cx="1368152" cy="413712"/>
-          </a:xfrm>
-          <a:prstGeom prst="rect">
-            <a:avLst/>
-          </a:prstGeom>
-        </p:spPr>
-        <p:txBody>
-          <a:bodyPr wrap="square">
-            <a:spAutoFit/>
-          </a:bodyPr>
-          <a:lstStyle/>
-          <a:p>
-            <a:pPr>
-              <a:defRPr/>
-            </a:pPr>
-            <a:r>
-              <a:rPr lang="ko-KR" altLang="en-US" sz="2100" b="1">
-                <a:solidFill>
-                  <a:srgbClr val="FF0000"/>
-                </a:solidFill>
-              </a:rPr>
-              <a:t>불필요</a:t>
-            </a:r>
-          </a:p>
-        </p:txBody>
-      </p:sp>
-    </p:spTree>
-  </p:cSld>
-  <p:clrMapOvr>
-    <a:masterClrMapping/>
-  </p:clrMapOvr>
-  <mc:AlternateContent xmlns:mc="http://schemas.openxmlformats.org/markup-compatibility/2006" xmlns:p14="http://schemas.microsoft.com/office/powerpoint/2010/main">
-    <mc:Choice Requires="p14">
-      <p:transition/>
-    </mc:Choice>
-    <mc:Fallback xmlns="" xmlns:c="http://schemas.openxmlformats.org/drawingml/2006/chart" xmlns:dgm="http://schemas.openxmlformats.org/drawingml/2006/diagram" xmlns:dsp="http://schemas.microsoft.com/office/drawing/2008/diagram">
-      <p:transition/>
-    </mc:Fallback>
-  </mc:AlternateContent>
-</p:sld>
-</file>
-
-<file path=ppt/slides/slide30.xml><?xml version="1.0" encoding="utf-8"?>
+<file path=ppt/slides/slide31.xml><?xml version="1.0" encoding="utf-8"?>
 <p:sld xmlns:a="http://schemas.openxmlformats.org/drawingml/2006/main" xmlns:r="http://schemas.openxmlformats.org/officeDocument/2006/relationships" xmlns:p="http://schemas.openxmlformats.org/presentationml/2006/main">
   <p:cSld>
     <p:spTree>
@@ -26124,7 +26350,7 @@
 </p:sld>
 </file>
 
-<file path=ppt/slides/slide31.xml><?xml version="1.0" encoding="utf-8"?>
+<file path=ppt/slides/slide32.xml><?xml version="1.0" encoding="utf-8"?>
 <p:sld xmlns:a="http://schemas.openxmlformats.org/drawingml/2006/main" xmlns:r="http://schemas.openxmlformats.org/officeDocument/2006/relationships" xmlns:p="http://schemas.openxmlformats.org/presentationml/2006/main">
   <p:cSld>
     <p:spTree>
@@ -26214,7 +26440,7 @@
 </p:sld>
 </file>
 
-<file path=ppt/slides/slide32.xml><?xml version="1.0" encoding="utf-8"?>
+<file path=ppt/slides/slide33.xml><?xml version="1.0" encoding="utf-8"?>
 <p:sld xmlns:a="http://schemas.openxmlformats.org/drawingml/2006/main" xmlns:r="http://schemas.openxmlformats.org/officeDocument/2006/relationships" xmlns:p="http://schemas.openxmlformats.org/presentationml/2006/main">
   <p:cSld>
     <p:spTree>
